--- a/Présentation Solar Power.pptx
+++ b/Présentation Solar Power.pptx
@@ -14,10 +14,10 @@
     <p:sldId id="270" r:id="rId5"/>
     <p:sldId id="269" r:id="rId6"/>
     <p:sldId id="271" r:id="rId7"/>
-    <p:sldId id="273" r:id="rId8"/>
-    <p:sldId id="282" r:id="rId9"/>
+    <p:sldId id="282" r:id="rId8"/>
+    <p:sldId id="284" r:id="rId9"/>
     <p:sldId id="272" r:id="rId10"/>
-    <p:sldId id="274" r:id="rId11"/>
+    <p:sldId id="285" r:id="rId11"/>
     <p:sldId id="275" r:id="rId12"/>
     <p:sldId id="280" r:id="rId13"/>
     <p:sldId id="277" r:id="rId14"/>
@@ -122,6 +122,11 @@
       </a:defRPr>
     </a:lvl9pPr>
   </p:defaultTextStyle>
+  <p:extLst>
+    <p:ext uri="{EFAFB233-063F-42B5-8137-9DF3F51BA10A}">
+      <p15:sldGuideLst xmlns:p15="http://schemas.microsoft.com/office/powerpoint/2012/main"/>
+    </p:ext>
+  </p:extLst>
 </p:presentation>
 </file>
 
@@ -472,6 +477,1313 @@
     </a:lvl9pPr>
   </p:notesStyle>
 </p:notesMaster>
+</file>
+
+<file path=ppt/notesSlides/notesSlide1.xml><?xml version="1.0" encoding="utf-8"?>
+<p:notes xmlns:a="http://schemas.openxmlformats.org/drawingml/2006/main" xmlns:r="http://schemas.openxmlformats.org/officeDocument/2006/relationships" xmlns:p="http://schemas.openxmlformats.org/presentationml/2006/main">
+  <p:cSld>
+    <p:spTree>
+      <p:nvGrpSpPr>
+        <p:cNvPr id="1" name=""/>
+        <p:cNvGrpSpPr/>
+        <p:nvPr/>
+      </p:nvGrpSpPr>
+      <p:grpSpPr>
+        <a:xfrm>
+          <a:off x="0" y="0"/>
+          <a:ext cx="0" cy="0"/>
+          <a:chOff x="0" y="0"/>
+          <a:chExt cx="0" cy="0"/>
+        </a:xfrm>
+      </p:grpSpPr>
+      <p:sp>
+        <p:nvSpPr>
+          <p:cNvPr id="2" name="Espace réservé de l'image des diapositives 1"/>
+          <p:cNvSpPr>
+            <a:spLocks noGrp="1" noRot="1" noChangeAspect="1"/>
+          </p:cNvSpPr>
+          <p:nvPr>
+            <p:ph type="sldImg"/>
+          </p:nvPr>
+        </p:nvSpPr>
+        <p:spPr/>
+      </p:sp>
+      <p:sp>
+        <p:nvSpPr>
+          <p:cNvPr id="3" name="Espace réservé des notes 2"/>
+          <p:cNvSpPr>
+            <a:spLocks noGrp="1"/>
+          </p:cNvSpPr>
+          <p:nvPr>
+            <p:ph type="body" idx="1"/>
+          </p:nvPr>
+        </p:nvSpPr>
+        <p:spPr/>
+        <p:txBody>
+          <a:bodyPr/>
+          <a:lstStyle/>
+          <a:p>
+            <a:r>
+              <a:rPr lang="fr-FR" dirty="0"/>
+              <a:t>Optimal -&gt; pas de surutilisation et donc de baisse de la durée de vie du panneau (GARANTIE) -&gt; baisser le courant généré </a:t>
+            </a:r>
+          </a:p>
+        </p:txBody>
+      </p:sp>
+      <p:sp>
+        <p:nvSpPr>
+          <p:cNvPr id="4" name="Espace réservé du numéro de diapositive 3"/>
+          <p:cNvSpPr>
+            <a:spLocks noGrp="1"/>
+          </p:cNvSpPr>
+          <p:nvPr>
+            <p:ph type="sldNum" sz="quarter" idx="5"/>
+          </p:nvPr>
+        </p:nvSpPr>
+        <p:spPr/>
+        <p:txBody>
+          <a:bodyPr/>
+          <a:lstStyle/>
+          <a:p>
+            <a:fld id="{21414FA7-FD02-42E1-9004-82E9A300C277}" type="slidenum">
+              <a:rPr lang="fr-FR" smtClean="0"/>
+              <a:t>1</a:t>
+            </a:fld>
+            <a:endParaRPr lang="fr-FR"/>
+          </a:p>
+        </p:txBody>
+      </p:sp>
+    </p:spTree>
+    <p:extLst>
+      <p:ext uri="{BB962C8B-B14F-4D97-AF65-F5344CB8AC3E}">
+        <p14:creationId xmlns:p14="http://schemas.microsoft.com/office/powerpoint/2010/main" val="2560081223"/>
+      </p:ext>
+    </p:extLst>
+  </p:cSld>
+  <p:clrMapOvr>
+    <a:masterClrMapping/>
+  </p:clrMapOvr>
+</p:notes>
+</file>
+
+<file path=ppt/notesSlides/notesSlide10.xml><?xml version="1.0" encoding="utf-8"?>
+<p:notes xmlns:a="http://schemas.openxmlformats.org/drawingml/2006/main" xmlns:r="http://schemas.openxmlformats.org/officeDocument/2006/relationships" xmlns:p="http://schemas.openxmlformats.org/presentationml/2006/main">
+  <p:cSld>
+    <p:spTree>
+      <p:nvGrpSpPr>
+        <p:cNvPr id="1" name=""/>
+        <p:cNvGrpSpPr/>
+        <p:nvPr/>
+      </p:nvGrpSpPr>
+      <p:grpSpPr>
+        <a:xfrm>
+          <a:off x="0" y="0"/>
+          <a:ext cx="0" cy="0"/>
+          <a:chOff x="0" y="0"/>
+          <a:chExt cx="0" cy="0"/>
+        </a:xfrm>
+      </p:grpSpPr>
+      <p:sp>
+        <p:nvSpPr>
+          <p:cNvPr id="2" name="Espace réservé de l'image des diapositives 1"/>
+          <p:cNvSpPr>
+            <a:spLocks noGrp="1" noRot="1" noChangeAspect="1"/>
+          </p:cNvSpPr>
+          <p:nvPr>
+            <p:ph type="sldImg"/>
+          </p:nvPr>
+        </p:nvSpPr>
+        <p:spPr/>
+      </p:sp>
+      <p:sp>
+        <p:nvSpPr>
+          <p:cNvPr id="3" name="Espace réservé des notes 2"/>
+          <p:cNvSpPr>
+            <a:spLocks noGrp="1"/>
+          </p:cNvSpPr>
+          <p:nvPr>
+            <p:ph type="body" idx="1"/>
+          </p:nvPr>
+        </p:nvSpPr>
+        <p:spPr/>
+        <p:txBody>
+          <a:bodyPr/>
+          <a:lstStyle/>
+          <a:p>
+            <a:r>
+              <a:rPr lang="fr-FR" dirty="0"/>
+              <a:t>50% avant pour NOK et 50% après pour OK, quelque valeur aberrante</a:t>
+            </a:r>
+          </a:p>
+          <a:p>
+            <a:endParaRPr lang="fr-FR" dirty="0"/>
+          </a:p>
+        </p:txBody>
+      </p:sp>
+      <p:sp>
+        <p:nvSpPr>
+          <p:cNvPr id="4" name="Espace réservé du numéro de diapositive 3"/>
+          <p:cNvSpPr>
+            <a:spLocks noGrp="1"/>
+          </p:cNvSpPr>
+          <p:nvPr>
+            <p:ph type="sldNum" sz="quarter" idx="5"/>
+          </p:nvPr>
+        </p:nvSpPr>
+        <p:spPr/>
+        <p:txBody>
+          <a:bodyPr/>
+          <a:lstStyle/>
+          <a:p>
+            <a:fld id="{21414FA7-FD02-42E1-9004-82E9A300C277}" type="slidenum">
+              <a:rPr lang="fr-FR" smtClean="0"/>
+              <a:t>10</a:t>
+            </a:fld>
+            <a:endParaRPr lang="fr-FR"/>
+          </a:p>
+        </p:txBody>
+      </p:sp>
+    </p:spTree>
+    <p:extLst>
+      <p:ext uri="{BB962C8B-B14F-4D97-AF65-F5344CB8AC3E}">
+        <p14:creationId xmlns:p14="http://schemas.microsoft.com/office/powerpoint/2010/main" val="931534974"/>
+      </p:ext>
+    </p:extLst>
+  </p:cSld>
+  <p:clrMapOvr>
+    <a:masterClrMapping/>
+  </p:clrMapOvr>
+</p:notes>
+</file>
+
+<file path=ppt/notesSlides/notesSlide11.xml><?xml version="1.0" encoding="utf-8"?>
+<p:notes xmlns:a="http://schemas.openxmlformats.org/drawingml/2006/main" xmlns:r="http://schemas.openxmlformats.org/officeDocument/2006/relationships" xmlns:p="http://schemas.openxmlformats.org/presentationml/2006/main">
+  <p:cSld>
+    <p:spTree>
+      <p:nvGrpSpPr>
+        <p:cNvPr id="1" name=""/>
+        <p:cNvGrpSpPr/>
+        <p:nvPr/>
+      </p:nvGrpSpPr>
+      <p:grpSpPr>
+        <a:xfrm>
+          <a:off x="0" y="0"/>
+          <a:ext cx="0" cy="0"/>
+          <a:chOff x="0" y="0"/>
+          <a:chExt cx="0" cy="0"/>
+        </a:xfrm>
+      </p:grpSpPr>
+      <p:sp>
+        <p:nvSpPr>
+          <p:cNvPr id="2" name="Espace réservé de l'image des diapositives 1"/>
+          <p:cNvSpPr>
+            <a:spLocks noGrp="1" noRot="1" noChangeAspect="1"/>
+          </p:cNvSpPr>
+          <p:nvPr>
+            <p:ph type="sldImg"/>
+          </p:nvPr>
+        </p:nvSpPr>
+        <p:spPr/>
+      </p:sp>
+      <p:sp>
+        <p:nvSpPr>
+          <p:cNvPr id="3" name="Espace réservé des notes 2"/>
+          <p:cNvSpPr>
+            <a:spLocks noGrp="1"/>
+          </p:cNvSpPr>
+          <p:nvPr>
+            <p:ph type="body" idx="1"/>
+          </p:nvPr>
+        </p:nvSpPr>
+        <p:spPr/>
+        <p:txBody>
+          <a:bodyPr/>
+          <a:lstStyle/>
+          <a:p>
+            <a:r>
+              <a:rPr lang="fr-FR" dirty="0" err="1"/>
+              <a:t>EFFICIENCY_num</a:t>
+            </a:r>
+            <a:r>
+              <a:rPr lang="fr-FR" dirty="0"/>
+              <a:t> -&gt; DC_POWER, MODULE_TEMPERATURE, IRRADIATION et les DELTA</a:t>
+            </a:r>
+          </a:p>
+        </p:txBody>
+      </p:sp>
+      <p:sp>
+        <p:nvSpPr>
+          <p:cNvPr id="4" name="Espace réservé du numéro de diapositive 3"/>
+          <p:cNvSpPr>
+            <a:spLocks noGrp="1"/>
+          </p:cNvSpPr>
+          <p:nvPr>
+            <p:ph type="sldNum" sz="quarter" idx="5"/>
+          </p:nvPr>
+        </p:nvSpPr>
+        <p:spPr/>
+        <p:txBody>
+          <a:bodyPr/>
+          <a:lstStyle/>
+          <a:p>
+            <a:fld id="{21414FA7-FD02-42E1-9004-82E9A300C277}" type="slidenum">
+              <a:rPr lang="fr-FR" smtClean="0"/>
+              <a:t>11</a:t>
+            </a:fld>
+            <a:endParaRPr lang="fr-FR"/>
+          </a:p>
+        </p:txBody>
+      </p:sp>
+    </p:spTree>
+    <p:extLst>
+      <p:ext uri="{BB962C8B-B14F-4D97-AF65-F5344CB8AC3E}">
+        <p14:creationId xmlns:p14="http://schemas.microsoft.com/office/powerpoint/2010/main" val="1311359365"/>
+      </p:ext>
+    </p:extLst>
+  </p:cSld>
+  <p:clrMapOvr>
+    <a:masterClrMapping/>
+  </p:clrMapOvr>
+</p:notes>
+</file>
+
+<file path=ppt/notesSlides/notesSlide12.xml><?xml version="1.0" encoding="utf-8"?>
+<p:notes xmlns:a="http://schemas.openxmlformats.org/drawingml/2006/main" xmlns:r="http://schemas.openxmlformats.org/officeDocument/2006/relationships" xmlns:p="http://schemas.openxmlformats.org/presentationml/2006/main">
+  <p:cSld>
+    <p:spTree>
+      <p:nvGrpSpPr>
+        <p:cNvPr id="1" name=""/>
+        <p:cNvGrpSpPr/>
+        <p:nvPr/>
+      </p:nvGrpSpPr>
+      <p:grpSpPr>
+        <a:xfrm>
+          <a:off x="0" y="0"/>
+          <a:ext cx="0" cy="0"/>
+          <a:chOff x="0" y="0"/>
+          <a:chExt cx="0" cy="0"/>
+        </a:xfrm>
+      </p:grpSpPr>
+      <p:sp>
+        <p:nvSpPr>
+          <p:cNvPr id="2" name="Espace réservé de l'image des diapositives 1"/>
+          <p:cNvSpPr>
+            <a:spLocks noGrp="1" noRot="1" noChangeAspect="1"/>
+          </p:cNvSpPr>
+          <p:nvPr>
+            <p:ph type="sldImg"/>
+          </p:nvPr>
+        </p:nvSpPr>
+        <p:spPr/>
+      </p:sp>
+      <p:sp>
+        <p:nvSpPr>
+          <p:cNvPr id="3" name="Espace réservé des notes 2"/>
+          <p:cNvSpPr>
+            <a:spLocks noGrp="1"/>
+          </p:cNvSpPr>
+          <p:nvPr>
+            <p:ph type="body" idx="1"/>
+          </p:nvPr>
+        </p:nvSpPr>
+        <p:spPr/>
+        <p:txBody>
+          <a:bodyPr/>
+          <a:lstStyle/>
+          <a:p>
+            <a:r>
+              <a:rPr lang="fr-FR" dirty="0"/>
+              <a:t>Valeur prédites v valeur réel</a:t>
+            </a:r>
+          </a:p>
+          <a:p>
+            <a:r>
+              <a:rPr lang="fr-FR" dirty="0"/>
+              <a:t>Beaucoup de OK en NOK -&gt; métier dit pas bien</a:t>
+            </a:r>
+          </a:p>
+        </p:txBody>
+      </p:sp>
+      <p:sp>
+        <p:nvSpPr>
+          <p:cNvPr id="4" name="Espace réservé du numéro de diapositive 3"/>
+          <p:cNvSpPr>
+            <a:spLocks noGrp="1"/>
+          </p:cNvSpPr>
+          <p:nvPr>
+            <p:ph type="sldNum" sz="quarter" idx="5"/>
+          </p:nvPr>
+        </p:nvSpPr>
+        <p:spPr/>
+        <p:txBody>
+          <a:bodyPr/>
+          <a:lstStyle/>
+          <a:p>
+            <a:fld id="{21414FA7-FD02-42E1-9004-82E9A300C277}" type="slidenum">
+              <a:rPr lang="fr-FR" smtClean="0"/>
+              <a:t>12</a:t>
+            </a:fld>
+            <a:endParaRPr lang="fr-FR"/>
+          </a:p>
+        </p:txBody>
+      </p:sp>
+    </p:spTree>
+    <p:extLst>
+      <p:ext uri="{BB962C8B-B14F-4D97-AF65-F5344CB8AC3E}">
+        <p14:creationId xmlns:p14="http://schemas.microsoft.com/office/powerpoint/2010/main" val="3365362286"/>
+      </p:ext>
+    </p:extLst>
+  </p:cSld>
+  <p:clrMapOvr>
+    <a:masterClrMapping/>
+  </p:clrMapOvr>
+</p:notes>
+</file>
+
+<file path=ppt/notesSlides/notesSlide13.xml><?xml version="1.0" encoding="utf-8"?>
+<p:notes xmlns:a="http://schemas.openxmlformats.org/drawingml/2006/main" xmlns:r="http://schemas.openxmlformats.org/officeDocument/2006/relationships" xmlns:p="http://schemas.openxmlformats.org/presentationml/2006/main">
+  <p:cSld>
+    <p:spTree>
+      <p:nvGrpSpPr>
+        <p:cNvPr id="1" name=""/>
+        <p:cNvGrpSpPr/>
+        <p:nvPr/>
+      </p:nvGrpSpPr>
+      <p:grpSpPr>
+        <a:xfrm>
+          <a:off x="0" y="0"/>
+          <a:ext cx="0" cy="0"/>
+          <a:chOff x="0" y="0"/>
+          <a:chExt cx="0" cy="0"/>
+        </a:xfrm>
+      </p:grpSpPr>
+      <p:sp>
+        <p:nvSpPr>
+          <p:cNvPr id="2" name="Espace réservé de l'image des diapositives 1"/>
+          <p:cNvSpPr>
+            <a:spLocks noGrp="1" noRot="1" noChangeAspect="1"/>
+          </p:cNvSpPr>
+          <p:nvPr>
+            <p:ph type="sldImg"/>
+          </p:nvPr>
+        </p:nvSpPr>
+        <p:spPr/>
+      </p:sp>
+      <p:sp>
+        <p:nvSpPr>
+          <p:cNvPr id="3" name="Espace réservé des notes 2"/>
+          <p:cNvSpPr>
+            <a:spLocks noGrp="1"/>
+          </p:cNvSpPr>
+          <p:nvPr>
+            <p:ph type="body" idx="1"/>
+          </p:nvPr>
+        </p:nvSpPr>
+        <p:spPr/>
+        <p:txBody>
+          <a:bodyPr/>
+          <a:lstStyle/>
+          <a:p>
+            <a:r>
+              <a:rPr lang="fr-FR" dirty="0"/>
+              <a:t>Meilleur score, solution validé.</a:t>
+            </a:r>
+          </a:p>
+        </p:txBody>
+      </p:sp>
+      <p:sp>
+        <p:nvSpPr>
+          <p:cNvPr id="4" name="Espace réservé du numéro de diapositive 3"/>
+          <p:cNvSpPr>
+            <a:spLocks noGrp="1"/>
+          </p:cNvSpPr>
+          <p:nvPr>
+            <p:ph type="sldNum" sz="quarter" idx="5"/>
+          </p:nvPr>
+        </p:nvSpPr>
+        <p:spPr/>
+        <p:txBody>
+          <a:bodyPr/>
+          <a:lstStyle/>
+          <a:p>
+            <a:fld id="{21414FA7-FD02-42E1-9004-82E9A300C277}" type="slidenum">
+              <a:rPr lang="fr-FR" smtClean="0"/>
+              <a:t>13</a:t>
+            </a:fld>
+            <a:endParaRPr lang="fr-FR"/>
+          </a:p>
+        </p:txBody>
+      </p:sp>
+    </p:spTree>
+    <p:extLst>
+      <p:ext uri="{BB962C8B-B14F-4D97-AF65-F5344CB8AC3E}">
+        <p14:creationId xmlns:p14="http://schemas.microsoft.com/office/powerpoint/2010/main" val="2004108581"/>
+      </p:ext>
+    </p:extLst>
+  </p:cSld>
+  <p:clrMapOvr>
+    <a:masterClrMapping/>
+  </p:clrMapOvr>
+</p:notes>
+</file>
+
+<file path=ppt/notesSlides/notesSlide14.xml><?xml version="1.0" encoding="utf-8"?>
+<p:notes xmlns:a="http://schemas.openxmlformats.org/drawingml/2006/main" xmlns:r="http://schemas.openxmlformats.org/officeDocument/2006/relationships" xmlns:p="http://schemas.openxmlformats.org/presentationml/2006/main">
+  <p:cSld>
+    <p:spTree>
+      <p:nvGrpSpPr>
+        <p:cNvPr id="1" name=""/>
+        <p:cNvGrpSpPr/>
+        <p:nvPr/>
+      </p:nvGrpSpPr>
+      <p:grpSpPr>
+        <a:xfrm>
+          <a:off x="0" y="0"/>
+          <a:ext cx="0" cy="0"/>
+          <a:chOff x="0" y="0"/>
+          <a:chExt cx="0" cy="0"/>
+        </a:xfrm>
+      </p:grpSpPr>
+      <p:sp>
+        <p:nvSpPr>
+          <p:cNvPr id="2" name="Espace réservé de l'image des diapositives 1"/>
+          <p:cNvSpPr>
+            <a:spLocks noGrp="1" noRot="1" noChangeAspect="1"/>
+          </p:cNvSpPr>
+          <p:nvPr>
+            <p:ph type="sldImg"/>
+          </p:nvPr>
+        </p:nvSpPr>
+        <p:spPr/>
+      </p:sp>
+      <p:sp>
+        <p:nvSpPr>
+          <p:cNvPr id="3" name="Espace réservé des notes 2"/>
+          <p:cNvSpPr>
+            <a:spLocks noGrp="1"/>
+          </p:cNvSpPr>
+          <p:nvPr>
+            <p:ph type="body" idx="1"/>
+          </p:nvPr>
+        </p:nvSpPr>
+        <p:spPr/>
+        <p:txBody>
+          <a:bodyPr/>
+          <a:lstStyle/>
+          <a:p>
+            <a:endParaRPr lang="fr-FR" dirty="0"/>
+          </a:p>
+        </p:txBody>
+      </p:sp>
+      <p:sp>
+        <p:nvSpPr>
+          <p:cNvPr id="4" name="Espace réservé du numéro de diapositive 3"/>
+          <p:cNvSpPr>
+            <a:spLocks noGrp="1"/>
+          </p:cNvSpPr>
+          <p:nvPr>
+            <p:ph type="sldNum" sz="quarter" idx="5"/>
+          </p:nvPr>
+        </p:nvSpPr>
+        <p:spPr/>
+        <p:txBody>
+          <a:bodyPr/>
+          <a:lstStyle/>
+          <a:p>
+            <a:fld id="{21414FA7-FD02-42E1-9004-82E9A300C277}" type="slidenum">
+              <a:rPr lang="fr-FR" smtClean="0"/>
+              <a:t>14</a:t>
+            </a:fld>
+            <a:endParaRPr lang="fr-FR"/>
+          </a:p>
+        </p:txBody>
+      </p:sp>
+    </p:spTree>
+    <p:extLst>
+      <p:ext uri="{BB962C8B-B14F-4D97-AF65-F5344CB8AC3E}">
+        <p14:creationId xmlns:p14="http://schemas.microsoft.com/office/powerpoint/2010/main" val="2692576886"/>
+      </p:ext>
+    </p:extLst>
+  </p:cSld>
+  <p:clrMapOvr>
+    <a:masterClrMapping/>
+  </p:clrMapOvr>
+</p:notes>
+</file>
+
+<file path=ppt/notesSlides/notesSlide2.xml><?xml version="1.0" encoding="utf-8"?>
+<p:notes xmlns:a="http://schemas.openxmlformats.org/drawingml/2006/main" xmlns:r="http://schemas.openxmlformats.org/officeDocument/2006/relationships" xmlns:p="http://schemas.openxmlformats.org/presentationml/2006/main">
+  <p:cSld>
+    <p:spTree>
+      <p:nvGrpSpPr>
+        <p:cNvPr id="1" name=""/>
+        <p:cNvGrpSpPr/>
+        <p:nvPr/>
+      </p:nvGrpSpPr>
+      <p:grpSpPr>
+        <a:xfrm>
+          <a:off x="0" y="0"/>
+          <a:ext cx="0" cy="0"/>
+          <a:chOff x="0" y="0"/>
+          <a:chExt cx="0" cy="0"/>
+        </a:xfrm>
+      </p:grpSpPr>
+      <p:sp>
+        <p:nvSpPr>
+          <p:cNvPr id="2" name="Espace réservé de l'image des diapositives 1"/>
+          <p:cNvSpPr>
+            <a:spLocks noGrp="1" noRot="1" noChangeAspect="1"/>
+          </p:cNvSpPr>
+          <p:nvPr>
+            <p:ph type="sldImg"/>
+          </p:nvPr>
+        </p:nvSpPr>
+        <p:spPr/>
+      </p:sp>
+      <p:sp>
+        <p:nvSpPr>
+          <p:cNvPr id="3" name="Espace réservé des notes 2"/>
+          <p:cNvSpPr>
+            <a:spLocks noGrp="1"/>
+          </p:cNvSpPr>
+          <p:nvPr>
+            <p:ph type="body" idx="1"/>
+          </p:nvPr>
+        </p:nvSpPr>
+        <p:spPr/>
+        <p:txBody>
+          <a:bodyPr/>
+          <a:lstStyle/>
+          <a:p>
+            <a:r>
+              <a:rPr lang="fr-FR" dirty="0"/>
+              <a:t>Pas trop chaud pour éviter l’usure</a:t>
+            </a:r>
+          </a:p>
+          <a:p>
+            <a:r>
+              <a:rPr lang="fr-FR" dirty="0"/>
+              <a:t>Pas trop peu de radiation solaire -&gt; pour prédire efficacement</a:t>
+            </a:r>
+          </a:p>
+        </p:txBody>
+      </p:sp>
+      <p:sp>
+        <p:nvSpPr>
+          <p:cNvPr id="4" name="Espace réservé du numéro de diapositive 3"/>
+          <p:cNvSpPr>
+            <a:spLocks noGrp="1"/>
+          </p:cNvSpPr>
+          <p:nvPr>
+            <p:ph type="sldNum" sz="quarter" idx="5"/>
+          </p:nvPr>
+        </p:nvSpPr>
+        <p:spPr/>
+        <p:txBody>
+          <a:bodyPr/>
+          <a:lstStyle/>
+          <a:p>
+            <a:fld id="{21414FA7-FD02-42E1-9004-82E9A300C277}" type="slidenum">
+              <a:rPr lang="fr-FR" smtClean="0"/>
+              <a:t>2</a:t>
+            </a:fld>
+            <a:endParaRPr lang="fr-FR"/>
+          </a:p>
+        </p:txBody>
+      </p:sp>
+    </p:spTree>
+    <p:extLst>
+      <p:ext uri="{BB962C8B-B14F-4D97-AF65-F5344CB8AC3E}">
+        <p14:creationId xmlns:p14="http://schemas.microsoft.com/office/powerpoint/2010/main" val="1370985048"/>
+      </p:ext>
+    </p:extLst>
+  </p:cSld>
+  <p:clrMapOvr>
+    <a:masterClrMapping/>
+  </p:clrMapOvr>
+</p:notes>
+</file>
+
+<file path=ppt/notesSlides/notesSlide3.xml><?xml version="1.0" encoding="utf-8"?>
+<p:notes xmlns:a="http://schemas.openxmlformats.org/drawingml/2006/main" xmlns:r="http://schemas.openxmlformats.org/officeDocument/2006/relationships" xmlns:p="http://schemas.openxmlformats.org/presentationml/2006/main">
+  <p:cSld>
+    <p:spTree>
+      <p:nvGrpSpPr>
+        <p:cNvPr id="1" name=""/>
+        <p:cNvGrpSpPr/>
+        <p:nvPr/>
+      </p:nvGrpSpPr>
+      <p:grpSpPr>
+        <a:xfrm>
+          <a:off x="0" y="0"/>
+          <a:ext cx="0" cy="0"/>
+          <a:chOff x="0" y="0"/>
+          <a:chExt cx="0" cy="0"/>
+        </a:xfrm>
+      </p:grpSpPr>
+      <p:sp>
+        <p:nvSpPr>
+          <p:cNvPr id="2" name="Espace réservé de l'image des diapositives 1"/>
+          <p:cNvSpPr>
+            <a:spLocks noGrp="1" noRot="1" noChangeAspect="1"/>
+          </p:cNvSpPr>
+          <p:nvPr>
+            <p:ph type="sldImg"/>
+          </p:nvPr>
+        </p:nvSpPr>
+        <p:spPr/>
+      </p:sp>
+      <p:sp>
+        <p:nvSpPr>
+          <p:cNvPr id="3" name="Espace réservé des notes 2"/>
+          <p:cNvSpPr>
+            <a:spLocks noGrp="1"/>
+          </p:cNvSpPr>
+          <p:nvPr>
+            <p:ph type="body" idx="1"/>
+          </p:nvPr>
+        </p:nvSpPr>
+        <p:spPr/>
+        <p:txBody>
+          <a:bodyPr/>
+          <a:lstStyle/>
+          <a:p>
+            <a:endParaRPr lang="fr-FR" dirty="0"/>
+          </a:p>
+        </p:txBody>
+      </p:sp>
+      <p:sp>
+        <p:nvSpPr>
+          <p:cNvPr id="4" name="Espace réservé du numéro de diapositive 3"/>
+          <p:cNvSpPr>
+            <a:spLocks noGrp="1"/>
+          </p:cNvSpPr>
+          <p:nvPr>
+            <p:ph type="sldNum" sz="quarter" idx="5"/>
+          </p:nvPr>
+        </p:nvSpPr>
+        <p:spPr/>
+        <p:txBody>
+          <a:bodyPr/>
+          <a:lstStyle/>
+          <a:p>
+            <a:fld id="{21414FA7-FD02-42E1-9004-82E9A300C277}" type="slidenum">
+              <a:rPr lang="fr-FR" smtClean="0"/>
+              <a:t>3</a:t>
+            </a:fld>
+            <a:endParaRPr lang="fr-FR"/>
+          </a:p>
+        </p:txBody>
+      </p:sp>
+    </p:spTree>
+    <p:extLst>
+      <p:ext uri="{BB962C8B-B14F-4D97-AF65-F5344CB8AC3E}">
+        <p14:creationId xmlns:p14="http://schemas.microsoft.com/office/powerpoint/2010/main" val="3214299051"/>
+      </p:ext>
+    </p:extLst>
+  </p:cSld>
+  <p:clrMapOvr>
+    <a:masterClrMapping/>
+  </p:clrMapOvr>
+</p:notes>
+</file>
+
+<file path=ppt/notesSlides/notesSlide4.xml><?xml version="1.0" encoding="utf-8"?>
+<p:notes xmlns:a="http://schemas.openxmlformats.org/drawingml/2006/main" xmlns:r="http://schemas.openxmlformats.org/officeDocument/2006/relationships" xmlns:p="http://schemas.openxmlformats.org/presentationml/2006/main">
+  <p:cSld>
+    <p:spTree>
+      <p:nvGrpSpPr>
+        <p:cNvPr id="1" name=""/>
+        <p:cNvGrpSpPr/>
+        <p:nvPr/>
+      </p:nvGrpSpPr>
+      <p:grpSpPr>
+        <a:xfrm>
+          <a:off x="0" y="0"/>
+          <a:ext cx="0" cy="0"/>
+          <a:chOff x="0" y="0"/>
+          <a:chExt cx="0" cy="0"/>
+        </a:xfrm>
+      </p:grpSpPr>
+      <p:sp>
+        <p:nvSpPr>
+          <p:cNvPr id="2" name="Espace réservé de l'image des diapositives 1"/>
+          <p:cNvSpPr>
+            <a:spLocks noGrp="1" noRot="1" noChangeAspect="1"/>
+          </p:cNvSpPr>
+          <p:nvPr>
+            <p:ph type="sldImg"/>
+          </p:nvPr>
+        </p:nvSpPr>
+        <p:spPr/>
+      </p:sp>
+      <p:sp>
+        <p:nvSpPr>
+          <p:cNvPr id="3" name="Espace réservé des notes 2"/>
+          <p:cNvSpPr>
+            <a:spLocks noGrp="1"/>
+          </p:cNvSpPr>
+          <p:nvPr>
+            <p:ph type="body" idx="1"/>
+          </p:nvPr>
+        </p:nvSpPr>
+        <p:spPr/>
+        <p:txBody>
+          <a:bodyPr/>
+          <a:lstStyle/>
+          <a:p>
+            <a:r>
+              <a:rPr lang="fr-FR" dirty="0"/>
+              <a:t>Panneau (module) </a:t>
+            </a:r>
+          </a:p>
+          <a:p>
+            <a:r>
+              <a:rPr lang="fr-FR" dirty="0"/>
+              <a:t>-&gt; courant continue (direct </a:t>
+            </a:r>
+            <a:r>
+              <a:rPr lang="fr-FR" dirty="0" err="1"/>
+              <a:t>current</a:t>
+            </a:r>
+            <a:r>
+              <a:rPr lang="fr-FR" dirty="0"/>
+              <a:t>)</a:t>
+            </a:r>
+          </a:p>
+          <a:p>
+            <a:r>
+              <a:rPr lang="fr-FR" dirty="0"/>
+              <a:t>-&gt; convertisseur (</a:t>
+            </a:r>
+            <a:r>
+              <a:rPr lang="fr-FR" dirty="0" err="1"/>
+              <a:t>inverter</a:t>
+            </a:r>
+            <a:r>
+              <a:rPr lang="fr-FR" dirty="0"/>
+              <a:t>)</a:t>
+            </a:r>
+          </a:p>
+          <a:p>
+            <a:r>
+              <a:rPr lang="fr-FR" dirty="0"/>
+              <a:t>-&gt; courant alternatif (</a:t>
+            </a:r>
+            <a:r>
+              <a:rPr lang="fr-FR" i="0" dirty="0" err="1"/>
+              <a:t>alternating</a:t>
+            </a:r>
+            <a:r>
+              <a:rPr lang="fr-FR" i="0" dirty="0"/>
+              <a:t> </a:t>
+            </a:r>
+            <a:r>
+              <a:rPr lang="fr-FR" i="0" dirty="0" err="1"/>
+              <a:t>current</a:t>
+            </a:r>
+            <a:r>
+              <a:rPr lang="fr-FR" i="0" dirty="0"/>
+              <a:t>)</a:t>
+            </a:r>
+          </a:p>
+        </p:txBody>
+      </p:sp>
+      <p:sp>
+        <p:nvSpPr>
+          <p:cNvPr id="4" name="Espace réservé du numéro de diapositive 3"/>
+          <p:cNvSpPr>
+            <a:spLocks noGrp="1"/>
+          </p:cNvSpPr>
+          <p:nvPr>
+            <p:ph type="sldNum" sz="quarter" idx="5"/>
+          </p:nvPr>
+        </p:nvSpPr>
+        <p:spPr/>
+        <p:txBody>
+          <a:bodyPr/>
+          <a:lstStyle/>
+          <a:p>
+            <a:fld id="{21414FA7-FD02-42E1-9004-82E9A300C277}" type="slidenum">
+              <a:rPr lang="fr-FR" smtClean="0"/>
+              <a:t>4</a:t>
+            </a:fld>
+            <a:endParaRPr lang="fr-FR"/>
+          </a:p>
+        </p:txBody>
+      </p:sp>
+    </p:spTree>
+    <p:extLst>
+      <p:ext uri="{BB962C8B-B14F-4D97-AF65-F5344CB8AC3E}">
+        <p14:creationId xmlns:p14="http://schemas.microsoft.com/office/powerpoint/2010/main" val="1036426775"/>
+      </p:ext>
+    </p:extLst>
+  </p:cSld>
+  <p:clrMapOvr>
+    <a:masterClrMapping/>
+  </p:clrMapOvr>
+</p:notes>
+</file>
+
+<file path=ppt/notesSlides/notesSlide5.xml><?xml version="1.0" encoding="utf-8"?>
+<p:notes xmlns:a="http://schemas.openxmlformats.org/drawingml/2006/main" xmlns:r="http://schemas.openxmlformats.org/officeDocument/2006/relationships" xmlns:p="http://schemas.openxmlformats.org/presentationml/2006/main">
+  <p:cSld>
+    <p:spTree>
+      <p:nvGrpSpPr>
+        <p:cNvPr id="1" name=""/>
+        <p:cNvGrpSpPr/>
+        <p:nvPr/>
+      </p:nvGrpSpPr>
+      <p:grpSpPr>
+        <a:xfrm>
+          <a:off x="0" y="0"/>
+          <a:ext cx="0" cy="0"/>
+          <a:chOff x="0" y="0"/>
+          <a:chExt cx="0" cy="0"/>
+        </a:xfrm>
+      </p:grpSpPr>
+      <p:sp>
+        <p:nvSpPr>
+          <p:cNvPr id="2" name="Espace réservé de l'image des diapositives 1"/>
+          <p:cNvSpPr>
+            <a:spLocks noGrp="1" noRot="1" noChangeAspect="1"/>
+          </p:cNvSpPr>
+          <p:nvPr>
+            <p:ph type="sldImg"/>
+          </p:nvPr>
+        </p:nvSpPr>
+        <p:spPr/>
+      </p:sp>
+      <p:sp>
+        <p:nvSpPr>
+          <p:cNvPr id="3" name="Espace réservé des notes 2"/>
+          <p:cNvSpPr>
+            <a:spLocks noGrp="1"/>
+          </p:cNvSpPr>
+          <p:nvPr>
+            <p:ph type="body" idx="1"/>
+          </p:nvPr>
+        </p:nvSpPr>
+        <p:spPr/>
+        <p:txBody>
+          <a:bodyPr/>
+          <a:lstStyle/>
+          <a:p>
+            <a:r>
+              <a:rPr lang="fr-FR" dirty="0"/>
+              <a:t>- Moyenne du courant continue généré</a:t>
+            </a:r>
+          </a:p>
+          <a:p>
+            <a:r>
+              <a:rPr lang="fr-FR" dirty="0"/>
+              <a:t>- Écarts du à la température du module</a:t>
+            </a:r>
+          </a:p>
+        </p:txBody>
+      </p:sp>
+      <p:sp>
+        <p:nvSpPr>
+          <p:cNvPr id="4" name="Espace réservé du numéro de diapositive 3"/>
+          <p:cNvSpPr>
+            <a:spLocks noGrp="1"/>
+          </p:cNvSpPr>
+          <p:nvPr>
+            <p:ph type="sldNum" sz="quarter" idx="5"/>
+          </p:nvPr>
+        </p:nvSpPr>
+        <p:spPr/>
+        <p:txBody>
+          <a:bodyPr/>
+          <a:lstStyle/>
+          <a:p>
+            <a:fld id="{21414FA7-FD02-42E1-9004-82E9A300C277}" type="slidenum">
+              <a:rPr lang="fr-FR" smtClean="0"/>
+              <a:t>5</a:t>
+            </a:fld>
+            <a:endParaRPr lang="fr-FR"/>
+          </a:p>
+        </p:txBody>
+      </p:sp>
+    </p:spTree>
+    <p:extLst>
+      <p:ext uri="{BB962C8B-B14F-4D97-AF65-F5344CB8AC3E}">
+        <p14:creationId xmlns:p14="http://schemas.microsoft.com/office/powerpoint/2010/main" val="1996010990"/>
+      </p:ext>
+    </p:extLst>
+  </p:cSld>
+  <p:clrMapOvr>
+    <a:masterClrMapping/>
+  </p:clrMapOvr>
+</p:notes>
+</file>
+
+<file path=ppt/notesSlides/notesSlide6.xml><?xml version="1.0" encoding="utf-8"?>
+<p:notes xmlns:a="http://schemas.openxmlformats.org/drawingml/2006/main" xmlns:r="http://schemas.openxmlformats.org/officeDocument/2006/relationships" xmlns:p="http://schemas.openxmlformats.org/presentationml/2006/main">
+  <p:cSld>
+    <p:spTree>
+      <p:nvGrpSpPr>
+        <p:cNvPr id="1" name=""/>
+        <p:cNvGrpSpPr/>
+        <p:nvPr/>
+      </p:nvGrpSpPr>
+      <p:grpSpPr>
+        <a:xfrm>
+          <a:off x="0" y="0"/>
+          <a:ext cx="0" cy="0"/>
+          <a:chOff x="0" y="0"/>
+          <a:chExt cx="0" cy="0"/>
+        </a:xfrm>
+      </p:grpSpPr>
+      <p:sp>
+        <p:nvSpPr>
+          <p:cNvPr id="2" name="Espace réservé de l'image des diapositives 1"/>
+          <p:cNvSpPr>
+            <a:spLocks noGrp="1" noRot="1" noChangeAspect="1"/>
+          </p:cNvSpPr>
+          <p:nvPr>
+            <p:ph type="sldImg"/>
+          </p:nvPr>
+        </p:nvSpPr>
+        <p:spPr/>
+      </p:sp>
+      <p:sp>
+        <p:nvSpPr>
+          <p:cNvPr id="3" name="Espace réservé des notes 2"/>
+          <p:cNvSpPr>
+            <a:spLocks noGrp="1"/>
+          </p:cNvSpPr>
+          <p:nvPr>
+            <p:ph type="body" idx="1"/>
+          </p:nvPr>
+        </p:nvSpPr>
+        <p:spPr/>
+        <p:txBody>
+          <a:bodyPr/>
+          <a:lstStyle/>
+          <a:p>
+            <a:r>
+              <a:rPr lang="fr-FR" dirty="0"/>
+              <a:t>Données </a:t>
+            </a:r>
+            <a:r>
+              <a:rPr lang="fr-FR" dirty="0" err="1"/>
+              <a:t>empty</a:t>
+            </a:r>
+            <a:r>
+              <a:rPr lang="fr-FR" dirty="0"/>
+              <a:t> donc pas sur la totalité des données</a:t>
+            </a:r>
+          </a:p>
+        </p:txBody>
+      </p:sp>
+      <p:sp>
+        <p:nvSpPr>
+          <p:cNvPr id="4" name="Espace réservé du numéro de diapositive 3"/>
+          <p:cNvSpPr>
+            <a:spLocks noGrp="1"/>
+          </p:cNvSpPr>
+          <p:nvPr>
+            <p:ph type="sldNum" sz="quarter" idx="5"/>
+          </p:nvPr>
+        </p:nvSpPr>
+        <p:spPr/>
+        <p:txBody>
+          <a:bodyPr/>
+          <a:lstStyle/>
+          <a:p>
+            <a:fld id="{21414FA7-FD02-42E1-9004-82E9A300C277}" type="slidenum">
+              <a:rPr lang="fr-FR" smtClean="0"/>
+              <a:t>6</a:t>
+            </a:fld>
+            <a:endParaRPr lang="fr-FR"/>
+          </a:p>
+        </p:txBody>
+      </p:sp>
+    </p:spTree>
+    <p:extLst>
+      <p:ext uri="{BB962C8B-B14F-4D97-AF65-F5344CB8AC3E}">
+        <p14:creationId xmlns:p14="http://schemas.microsoft.com/office/powerpoint/2010/main" val="3290057272"/>
+      </p:ext>
+    </p:extLst>
+  </p:cSld>
+  <p:clrMapOvr>
+    <a:masterClrMapping/>
+  </p:clrMapOvr>
+</p:notes>
+</file>
+
+<file path=ppt/notesSlides/notesSlide7.xml><?xml version="1.0" encoding="utf-8"?>
+<p:notes xmlns:a="http://schemas.openxmlformats.org/drawingml/2006/main" xmlns:r="http://schemas.openxmlformats.org/officeDocument/2006/relationships" xmlns:p="http://schemas.openxmlformats.org/presentationml/2006/main">
+  <p:cSld>
+    <p:spTree>
+      <p:nvGrpSpPr>
+        <p:cNvPr id="1" name=""/>
+        <p:cNvGrpSpPr/>
+        <p:nvPr/>
+      </p:nvGrpSpPr>
+      <p:grpSpPr>
+        <a:xfrm>
+          <a:off x="0" y="0"/>
+          <a:ext cx="0" cy="0"/>
+          <a:chOff x="0" y="0"/>
+          <a:chExt cx="0" cy="0"/>
+        </a:xfrm>
+      </p:grpSpPr>
+      <p:sp>
+        <p:nvSpPr>
+          <p:cNvPr id="2" name="Espace réservé de l'image des diapositives 1"/>
+          <p:cNvSpPr>
+            <a:spLocks noGrp="1" noRot="1" noChangeAspect="1"/>
+          </p:cNvSpPr>
+          <p:nvPr>
+            <p:ph type="sldImg"/>
+          </p:nvPr>
+        </p:nvSpPr>
+        <p:spPr/>
+      </p:sp>
+      <p:sp>
+        <p:nvSpPr>
+          <p:cNvPr id="3" name="Espace réservé des notes 2"/>
+          <p:cNvSpPr>
+            <a:spLocks noGrp="1"/>
+          </p:cNvSpPr>
+          <p:nvPr>
+            <p:ph type="body" idx="1"/>
+          </p:nvPr>
+        </p:nvSpPr>
+        <p:spPr/>
+        <p:txBody>
+          <a:bodyPr/>
+          <a:lstStyle/>
+          <a:p>
+            <a:r>
+              <a:rPr lang="fr-FR" dirty="0"/>
+              <a:t>On vois une forte corrélation entre la luminosité et la puissance généré</a:t>
+            </a:r>
+          </a:p>
+        </p:txBody>
+      </p:sp>
+      <p:sp>
+        <p:nvSpPr>
+          <p:cNvPr id="4" name="Espace réservé du numéro de diapositive 3"/>
+          <p:cNvSpPr>
+            <a:spLocks noGrp="1"/>
+          </p:cNvSpPr>
+          <p:nvPr>
+            <p:ph type="sldNum" sz="quarter" idx="5"/>
+          </p:nvPr>
+        </p:nvSpPr>
+        <p:spPr/>
+        <p:txBody>
+          <a:bodyPr/>
+          <a:lstStyle/>
+          <a:p>
+            <a:fld id="{21414FA7-FD02-42E1-9004-82E9A300C277}" type="slidenum">
+              <a:rPr lang="fr-FR" smtClean="0"/>
+              <a:t>7</a:t>
+            </a:fld>
+            <a:endParaRPr lang="fr-FR"/>
+          </a:p>
+        </p:txBody>
+      </p:sp>
+    </p:spTree>
+    <p:extLst>
+      <p:ext uri="{BB962C8B-B14F-4D97-AF65-F5344CB8AC3E}">
+        <p14:creationId xmlns:p14="http://schemas.microsoft.com/office/powerpoint/2010/main" val="1865991988"/>
+      </p:ext>
+    </p:extLst>
+  </p:cSld>
+  <p:clrMapOvr>
+    <a:masterClrMapping/>
+  </p:clrMapOvr>
+</p:notes>
+</file>
+
+<file path=ppt/notesSlides/notesSlide8.xml><?xml version="1.0" encoding="utf-8"?>
+<p:notes xmlns:a="http://schemas.openxmlformats.org/drawingml/2006/main" xmlns:r="http://schemas.openxmlformats.org/officeDocument/2006/relationships" xmlns:p="http://schemas.openxmlformats.org/presentationml/2006/main">
+  <p:cSld>
+    <p:spTree>
+      <p:nvGrpSpPr>
+        <p:cNvPr id="1" name=""/>
+        <p:cNvGrpSpPr/>
+        <p:nvPr/>
+      </p:nvGrpSpPr>
+      <p:grpSpPr>
+        <a:xfrm>
+          <a:off x="0" y="0"/>
+          <a:ext cx="0" cy="0"/>
+          <a:chOff x="0" y="0"/>
+          <a:chExt cx="0" cy="0"/>
+        </a:xfrm>
+      </p:grpSpPr>
+      <p:sp>
+        <p:nvSpPr>
+          <p:cNvPr id="2" name="Espace réservé de l'image des diapositives 1"/>
+          <p:cNvSpPr>
+            <a:spLocks noGrp="1" noRot="1" noChangeAspect="1"/>
+          </p:cNvSpPr>
+          <p:nvPr>
+            <p:ph type="sldImg"/>
+          </p:nvPr>
+        </p:nvSpPr>
+        <p:spPr/>
+      </p:sp>
+      <p:sp>
+        <p:nvSpPr>
+          <p:cNvPr id="3" name="Espace réservé des notes 2"/>
+          <p:cNvSpPr>
+            <a:spLocks noGrp="1"/>
+          </p:cNvSpPr>
+          <p:nvPr>
+            <p:ph type="body" idx="1"/>
+          </p:nvPr>
+        </p:nvSpPr>
+        <p:spPr/>
+        <p:txBody>
+          <a:bodyPr/>
+          <a:lstStyle/>
+          <a:p>
+            <a:r>
+              <a:rPr lang="fr-FR" dirty="0"/>
+              <a:t>On vois une forte corrélation entre la luminosité et la puissance généré</a:t>
+            </a:r>
+          </a:p>
+        </p:txBody>
+      </p:sp>
+      <p:sp>
+        <p:nvSpPr>
+          <p:cNvPr id="4" name="Espace réservé du numéro de diapositive 3"/>
+          <p:cNvSpPr>
+            <a:spLocks noGrp="1"/>
+          </p:cNvSpPr>
+          <p:nvPr>
+            <p:ph type="sldNum" sz="quarter" idx="5"/>
+          </p:nvPr>
+        </p:nvSpPr>
+        <p:spPr/>
+        <p:txBody>
+          <a:bodyPr/>
+          <a:lstStyle/>
+          <a:p>
+            <a:fld id="{21414FA7-FD02-42E1-9004-82E9A300C277}" type="slidenum">
+              <a:rPr lang="fr-FR" smtClean="0"/>
+              <a:t>8</a:t>
+            </a:fld>
+            <a:endParaRPr lang="fr-FR"/>
+          </a:p>
+        </p:txBody>
+      </p:sp>
+    </p:spTree>
+    <p:extLst>
+      <p:ext uri="{BB962C8B-B14F-4D97-AF65-F5344CB8AC3E}">
+        <p14:creationId xmlns:p14="http://schemas.microsoft.com/office/powerpoint/2010/main" val="1065058239"/>
+      </p:ext>
+    </p:extLst>
+  </p:cSld>
+  <p:clrMapOvr>
+    <a:masterClrMapping/>
+  </p:clrMapOvr>
+</p:notes>
+</file>
+
+<file path=ppt/notesSlides/notesSlide9.xml><?xml version="1.0" encoding="utf-8"?>
+<p:notes xmlns:a="http://schemas.openxmlformats.org/drawingml/2006/main" xmlns:r="http://schemas.openxmlformats.org/officeDocument/2006/relationships" xmlns:p="http://schemas.openxmlformats.org/presentationml/2006/main">
+  <p:cSld>
+    <p:spTree>
+      <p:nvGrpSpPr>
+        <p:cNvPr id="1" name=""/>
+        <p:cNvGrpSpPr/>
+        <p:nvPr/>
+      </p:nvGrpSpPr>
+      <p:grpSpPr>
+        <a:xfrm>
+          <a:off x="0" y="0"/>
+          <a:ext cx="0" cy="0"/>
+          <a:chOff x="0" y="0"/>
+          <a:chExt cx="0" cy="0"/>
+        </a:xfrm>
+      </p:grpSpPr>
+      <p:sp>
+        <p:nvSpPr>
+          <p:cNvPr id="2" name="Espace réservé de l'image des diapositives 1"/>
+          <p:cNvSpPr>
+            <a:spLocks noGrp="1" noRot="1" noChangeAspect="1"/>
+          </p:cNvSpPr>
+          <p:nvPr>
+            <p:ph type="sldImg"/>
+          </p:nvPr>
+        </p:nvSpPr>
+        <p:spPr/>
+      </p:sp>
+      <p:sp>
+        <p:nvSpPr>
+          <p:cNvPr id="3" name="Espace réservé des notes 2"/>
+          <p:cNvSpPr>
+            <a:spLocks noGrp="1"/>
+          </p:cNvSpPr>
+          <p:nvPr>
+            <p:ph type="body" idx="1"/>
+          </p:nvPr>
+        </p:nvSpPr>
+        <p:spPr/>
+        <p:txBody>
+          <a:bodyPr/>
+          <a:lstStyle/>
+          <a:p>
+            <a:r>
+              <a:rPr lang="fr-FR" dirty="0"/>
+              <a:t>Vue avec le métier</a:t>
+            </a:r>
+          </a:p>
+          <a:p>
+            <a:r>
+              <a:rPr lang="fr-FR" dirty="0"/>
+              <a:t>Plus de NOK</a:t>
+            </a:r>
+          </a:p>
+          <a:p>
+            <a:r>
+              <a:rPr lang="fr-FR" dirty="0"/>
+              <a:t>Attention : soit température pas optimal ou soit pas de lumière</a:t>
+            </a:r>
+          </a:p>
+        </p:txBody>
+      </p:sp>
+      <p:sp>
+        <p:nvSpPr>
+          <p:cNvPr id="4" name="Espace réservé du numéro de diapositive 3"/>
+          <p:cNvSpPr>
+            <a:spLocks noGrp="1"/>
+          </p:cNvSpPr>
+          <p:nvPr>
+            <p:ph type="sldNum" sz="quarter" idx="5"/>
+          </p:nvPr>
+        </p:nvSpPr>
+        <p:spPr/>
+        <p:txBody>
+          <a:bodyPr/>
+          <a:lstStyle/>
+          <a:p>
+            <a:fld id="{21414FA7-FD02-42E1-9004-82E9A300C277}" type="slidenum">
+              <a:rPr lang="fr-FR" smtClean="0"/>
+              <a:t>9</a:t>
+            </a:fld>
+            <a:endParaRPr lang="fr-FR"/>
+          </a:p>
+        </p:txBody>
+      </p:sp>
+    </p:spTree>
+    <p:extLst>
+      <p:ext uri="{BB962C8B-B14F-4D97-AF65-F5344CB8AC3E}">
+        <p14:creationId xmlns:p14="http://schemas.microsoft.com/office/powerpoint/2010/main" val="860165405"/>
+      </p:ext>
+    </p:extLst>
+  </p:cSld>
+  <p:clrMapOvr>
+    <a:masterClrMapping/>
+  </p:clrMapOvr>
+</p:notes>
 </file>
 
 <file path=ppt/slideLayouts/slideLayout1.xml><?xml version="1.0" encoding="utf-8"?>
@@ -3725,6 +5037,45 @@
           <a:chExt cx="0" cy="0"/>
         </a:xfrm>
       </p:grpSpPr>
+      <p:pic>
+        <p:nvPicPr>
+          <p:cNvPr id="26" name="Graphique 25" descr="Scène d’autoroute">
+            <a:extLst>
+              <a:ext uri="{FF2B5EF4-FFF2-40B4-BE49-F238E27FC236}">
+                <a16:creationId xmlns:a16="http://schemas.microsoft.com/office/drawing/2014/main" id="{8FCDDE2B-60BC-40B0-96D0-40B639264B23}"/>
+              </a:ext>
+            </a:extLst>
+          </p:cNvPr>
+          <p:cNvPicPr>
+            <a:picLocks noChangeAspect="1"/>
+          </p:cNvPicPr>
+          <p:nvPr/>
+        </p:nvPicPr>
+        <p:blipFill>
+          <a:blip r:embed="rId3">
+            <a:extLst>
+              <a:ext uri="{28A0092B-C50C-407E-A947-70E740481C1C}">
+                <a14:useLocalDpi xmlns:a14="http://schemas.microsoft.com/office/drawing/2010/main" val="0"/>
+              </a:ext>
+              <a:ext uri="{96DAC541-7B7A-43D3-8B79-37D633B846F1}">
+                <asvg:svgBlip xmlns:asvg="http://schemas.microsoft.com/office/drawing/2016/SVG/main" r:embed="rId4"/>
+              </a:ext>
+            </a:extLst>
+          </a:blip>
+          <a:stretch>
+            <a:fillRect/>
+          </a:stretch>
+        </p:blipFill>
+        <p:spPr>
+          <a:xfrm>
+            <a:off x="4987778" y="4538516"/>
+            <a:ext cx="2551548" cy="2551548"/>
+          </a:xfrm>
+          <a:prstGeom prst="rect">
+            <a:avLst/>
+          </a:prstGeom>
+        </p:spPr>
+      </p:pic>
       <p:sp>
         <p:nvSpPr>
           <p:cNvPr id="2" name="Titre 1">
@@ -3792,6 +5143,577 @@
           </a:p>
         </p:txBody>
       </p:sp>
+      <p:grpSp>
+        <p:nvGrpSpPr>
+          <p:cNvPr id="6" name="Groupe 5">
+            <a:extLst>
+              <a:ext uri="{FF2B5EF4-FFF2-40B4-BE49-F238E27FC236}">
+                <a16:creationId xmlns:a16="http://schemas.microsoft.com/office/drawing/2014/main" id="{25C4B19A-270C-4305-94CE-A01FA33AF6F9}"/>
+              </a:ext>
+            </a:extLst>
+          </p:cNvPr>
+          <p:cNvGrpSpPr/>
+          <p:nvPr/>
+        </p:nvGrpSpPr>
+        <p:grpSpPr>
+          <a:xfrm>
+            <a:off x="-1309946" y="-1309094"/>
+            <a:ext cx="14411726" cy="10321398"/>
+            <a:chOff x="-1309946" y="-1309094"/>
+            <a:chExt cx="14411726" cy="10321398"/>
+          </a:xfrm>
+        </p:grpSpPr>
+        <p:sp>
+          <p:nvSpPr>
+            <p:cNvPr id="4" name="Rectangle 3">
+              <a:extLst>
+                <a:ext uri="{FF2B5EF4-FFF2-40B4-BE49-F238E27FC236}">
+                  <a16:creationId xmlns:a16="http://schemas.microsoft.com/office/drawing/2014/main" id="{0E1357D5-BEAF-4082-BF99-1623D4AF5F2D}"/>
+                </a:ext>
+              </a:extLst>
+            </p:cNvPr>
+            <p:cNvSpPr/>
+            <p:nvPr/>
+          </p:nvSpPr>
+          <p:spPr>
+            <a:xfrm rot="229883">
+              <a:off x="-712931" y="-928344"/>
+              <a:ext cx="13814711" cy="8582927"/>
+            </a:xfrm>
+            <a:prstGeom prst="rect">
+              <a:avLst/>
+            </a:prstGeom>
+            <a:gradFill>
+              <a:gsLst>
+                <a:gs pos="0">
+                  <a:schemeClr val="accent4">
+                    <a:alpha val="73000"/>
+                  </a:schemeClr>
+                </a:gs>
+                <a:gs pos="22000">
+                  <a:schemeClr val="bg1">
+                    <a:alpha val="0"/>
+                  </a:schemeClr>
+                </a:gs>
+                <a:gs pos="85000">
+                  <a:schemeClr val="bg1">
+                    <a:alpha val="0"/>
+                  </a:schemeClr>
+                </a:gs>
+                <a:gs pos="100000">
+                  <a:schemeClr val="accent2">
+                    <a:alpha val="88000"/>
+                  </a:schemeClr>
+                </a:gs>
+              </a:gsLst>
+              <a:lin ang="5400000" scaled="1"/>
+            </a:gradFill>
+            <a:ln>
+              <a:noFill/>
+            </a:ln>
+            <a:effectLst>
+              <a:outerShdw blurRad="50800" dist="50800" dir="5400000" algn="ctr" rotWithShape="0">
+                <a:schemeClr val="bg1"/>
+              </a:outerShdw>
+            </a:effectLst>
+          </p:spPr>
+          <p:style>
+            <a:lnRef idx="2">
+              <a:schemeClr val="accent2">
+                <a:shade val="50000"/>
+              </a:schemeClr>
+            </a:lnRef>
+            <a:fillRef idx="1">
+              <a:schemeClr val="accent2"/>
+            </a:fillRef>
+            <a:effectRef idx="0">
+              <a:schemeClr val="accent2"/>
+            </a:effectRef>
+            <a:fontRef idx="minor">
+              <a:schemeClr val="lt1"/>
+            </a:fontRef>
+          </p:style>
+          <p:txBody>
+            <a:bodyPr rtlCol="0" anchor="ctr"/>
+            <a:lstStyle/>
+            <a:p>
+              <a:pPr algn="ctr"/>
+              <a:endParaRPr lang="fr-FR"/>
+            </a:p>
+          </p:txBody>
+        </p:sp>
+        <p:sp>
+          <p:nvSpPr>
+            <p:cNvPr id="5" name="Rectangle 4">
+              <a:extLst>
+                <a:ext uri="{FF2B5EF4-FFF2-40B4-BE49-F238E27FC236}">
+                  <a16:creationId xmlns:a16="http://schemas.microsoft.com/office/drawing/2014/main" id="{2839A8FD-AED3-4371-BECB-3977CF8AB424}"/>
+                </a:ext>
+              </a:extLst>
+            </p:cNvPr>
+            <p:cNvSpPr/>
+            <p:nvPr/>
+          </p:nvSpPr>
+          <p:spPr>
+            <a:xfrm rot="20885484">
+              <a:off x="-1309946" y="-1309094"/>
+              <a:ext cx="14315183" cy="10321398"/>
+            </a:xfrm>
+            <a:prstGeom prst="rect">
+              <a:avLst/>
+            </a:prstGeom>
+            <a:gradFill>
+              <a:gsLst>
+                <a:gs pos="0">
+                  <a:schemeClr val="accent4">
+                    <a:alpha val="73000"/>
+                  </a:schemeClr>
+                </a:gs>
+                <a:gs pos="20000">
+                  <a:schemeClr val="bg1">
+                    <a:alpha val="0"/>
+                  </a:schemeClr>
+                </a:gs>
+                <a:gs pos="80000">
+                  <a:schemeClr val="bg1">
+                    <a:alpha val="0"/>
+                  </a:schemeClr>
+                </a:gs>
+                <a:gs pos="100000">
+                  <a:schemeClr val="accent2">
+                    <a:alpha val="88000"/>
+                  </a:schemeClr>
+                </a:gs>
+              </a:gsLst>
+              <a:lin ang="5400000" scaled="1"/>
+            </a:gradFill>
+            <a:ln>
+              <a:noFill/>
+            </a:ln>
+          </p:spPr>
+          <p:style>
+            <a:lnRef idx="0">
+              <a:scrgbClr r="0" g="0" b="0"/>
+            </a:lnRef>
+            <a:fillRef idx="0">
+              <a:scrgbClr r="0" g="0" b="0"/>
+            </a:fillRef>
+            <a:effectRef idx="0">
+              <a:scrgbClr r="0" g="0" b="0"/>
+            </a:effectRef>
+            <a:fontRef idx="minor">
+              <a:schemeClr val="dk1"/>
+            </a:fontRef>
+          </p:style>
+          <p:txBody>
+            <a:bodyPr rtlCol="0" anchor="ctr"/>
+            <a:lstStyle/>
+            <a:p>
+              <a:pPr algn="ctr"/>
+              <a:endParaRPr lang="fr-FR" dirty="0"/>
+            </a:p>
+          </p:txBody>
+        </p:sp>
+      </p:grpSp>
+      <p:pic>
+        <p:nvPicPr>
+          <p:cNvPr id="11" name="Graphique 10" descr="Agriculture">
+            <a:extLst>
+              <a:ext uri="{FF2B5EF4-FFF2-40B4-BE49-F238E27FC236}">
+                <a16:creationId xmlns:a16="http://schemas.microsoft.com/office/drawing/2014/main" id="{EEF6D107-7C47-4224-BBED-F7252107DE3A}"/>
+              </a:ext>
+            </a:extLst>
+          </p:cNvPr>
+          <p:cNvPicPr>
+            <a:picLocks noChangeAspect="1"/>
+          </p:cNvPicPr>
+          <p:nvPr/>
+        </p:nvPicPr>
+        <p:blipFill>
+          <a:blip r:embed="rId5">
+            <a:extLst>
+              <a:ext uri="{28A0092B-C50C-407E-A947-70E740481C1C}">
+                <a14:useLocalDpi xmlns:a14="http://schemas.microsoft.com/office/drawing/2010/main" val="0"/>
+              </a:ext>
+              <a:ext uri="{96DAC541-7B7A-43D3-8B79-37D633B846F1}">
+                <asvg:svgBlip xmlns:asvg="http://schemas.microsoft.com/office/drawing/2016/SVG/main" r:embed="rId6"/>
+              </a:ext>
+            </a:extLst>
+          </a:blip>
+          <a:stretch>
+            <a:fillRect/>
+          </a:stretch>
+        </p:blipFill>
+        <p:spPr>
+          <a:xfrm>
+            <a:off x="9386455" y="4158528"/>
+            <a:ext cx="2951018" cy="2951018"/>
+          </a:xfrm>
+          <a:prstGeom prst="rect">
+            <a:avLst/>
+          </a:prstGeom>
+        </p:spPr>
+      </p:pic>
+      <p:pic>
+        <p:nvPicPr>
+          <p:cNvPr id="15" name="Graphique 14" descr="Agriculture">
+            <a:extLst>
+              <a:ext uri="{FF2B5EF4-FFF2-40B4-BE49-F238E27FC236}">
+                <a16:creationId xmlns:a16="http://schemas.microsoft.com/office/drawing/2014/main" id="{2A3730D2-6426-45D6-A06C-173BD5970EC4}"/>
+              </a:ext>
+            </a:extLst>
+          </p:cNvPr>
+          <p:cNvPicPr>
+            <a:picLocks noChangeAspect="1"/>
+          </p:cNvPicPr>
+          <p:nvPr/>
+        </p:nvPicPr>
+        <p:blipFill>
+          <a:blip r:embed="rId5">
+            <a:extLst>
+              <a:ext uri="{28A0092B-C50C-407E-A947-70E740481C1C}">
+                <a14:useLocalDpi xmlns:a14="http://schemas.microsoft.com/office/drawing/2010/main" val="0"/>
+              </a:ext>
+              <a:ext uri="{96DAC541-7B7A-43D3-8B79-37D633B846F1}">
+                <asvg:svgBlip xmlns:asvg="http://schemas.microsoft.com/office/drawing/2016/SVG/main" r:embed="rId6"/>
+              </a:ext>
+            </a:extLst>
+          </a:blip>
+          <a:stretch>
+            <a:fillRect/>
+          </a:stretch>
+        </p:blipFill>
+        <p:spPr>
+          <a:xfrm flipH="1">
+            <a:off x="6600538" y="4158528"/>
+            <a:ext cx="2951018" cy="2951018"/>
+          </a:xfrm>
+          <a:prstGeom prst="rect">
+            <a:avLst/>
+          </a:prstGeom>
+        </p:spPr>
+      </p:pic>
+      <p:pic>
+        <p:nvPicPr>
+          <p:cNvPr id="17" name="Graphique 16" descr="Agriculture">
+            <a:extLst>
+              <a:ext uri="{FF2B5EF4-FFF2-40B4-BE49-F238E27FC236}">
+                <a16:creationId xmlns:a16="http://schemas.microsoft.com/office/drawing/2014/main" id="{E286B57A-10F8-4B9E-AE22-46BE1C204032}"/>
+              </a:ext>
+            </a:extLst>
+          </p:cNvPr>
+          <p:cNvPicPr>
+            <a:picLocks noChangeAspect="1"/>
+          </p:cNvPicPr>
+          <p:nvPr/>
+        </p:nvPicPr>
+        <p:blipFill>
+          <a:blip r:embed="rId5">
+            <a:extLst>
+              <a:ext uri="{28A0092B-C50C-407E-A947-70E740481C1C}">
+                <a14:useLocalDpi xmlns:a14="http://schemas.microsoft.com/office/drawing/2010/main" val="0"/>
+              </a:ext>
+              <a:ext uri="{96DAC541-7B7A-43D3-8B79-37D633B846F1}">
+                <asvg:svgBlip xmlns:asvg="http://schemas.microsoft.com/office/drawing/2016/SVG/main" r:embed="rId6"/>
+              </a:ext>
+            </a:extLst>
+          </a:blip>
+          <a:stretch>
+            <a:fillRect/>
+          </a:stretch>
+        </p:blipFill>
+        <p:spPr>
+          <a:xfrm>
+            <a:off x="2643908" y="4158528"/>
+            <a:ext cx="2951018" cy="2951018"/>
+          </a:xfrm>
+          <a:prstGeom prst="rect">
+            <a:avLst/>
+          </a:prstGeom>
+        </p:spPr>
+      </p:pic>
+      <p:pic>
+        <p:nvPicPr>
+          <p:cNvPr id="19" name="Graphique 18" descr="Agriculture">
+            <a:extLst>
+              <a:ext uri="{FF2B5EF4-FFF2-40B4-BE49-F238E27FC236}">
+                <a16:creationId xmlns:a16="http://schemas.microsoft.com/office/drawing/2014/main" id="{3BC900D5-E886-494E-B5AD-39CDFB49A67B}"/>
+              </a:ext>
+            </a:extLst>
+          </p:cNvPr>
+          <p:cNvPicPr>
+            <a:picLocks noChangeAspect="1"/>
+          </p:cNvPicPr>
+          <p:nvPr/>
+        </p:nvPicPr>
+        <p:blipFill>
+          <a:blip r:embed="rId5">
+            <a:extLst>
+              <a:ext uri="{28A0092B-C50C-407E-A947-70E740481C1C}">
+                <a14:useLocalDpi xmlns:a14="http://schemas.microsoft.com/office/drawing/2010/main" val="0"/>
+              </a:ext>
+              <a:ext uri="{96DAC541-7B7A-43D3-8B79-37D633B846F1}">
+                <asvg:svgBlip xmlns:asvg="http://schemas.microsoft.com/office/drawing/2016/SVG/main" r:embed="rId6"/>
+              </a:ext>
+            </a:extLst>
+          </a:blip>
+          <a:stretch>
+            <a:fillRect/>
+          </a:stretch>
+        </p:blipFill>
+        <p:spPr>
+          <a:xfrm flipH="1">
+            <a:off x="-142009" y="4158528"/>
+            <a:ext cx="2951018" cy="2951018"/>
+          </a:xfrm>
+          <a:prstGeom prst="rect">
+            <a:avLst/>
+          </a:prstGeom>
+        </p:spPr>
+      </p:pic>
+      <p:sp>
+        <p:nvSpPr>
+          <p:cNvPr id="20" name="Rectangle 19">
+            <a:extLst>
+              <a:ext uri="{FF2B5EF4-FFF2-40B4-BE49-F238E27FC236}">
+                <a16:creationId xmlns:a16="http://schemas.microsoft.com/office/drawing/2014/main" id="{9EE13C38-4AB7-40A6-A164-499A60B6E065}"/>
+              </a:ext>
+            </a:extLst>
+          </p:cNvPr>
+          <p:cNvSpPr/>
+          <p:nvPr/>
+        </p:nvSpPr>
+        <p:spPr>
+          <a:xfrm>
+            <a:off x="3652548" y="4158528"/>
+            <a:ext cx="933737" cy="1028700"/>
+          </a:xfrm>
+          <a:prstGeom prst="rect">
+            <a:avLst/>
+          </a:prstGeom>
+          <a:ln>
+            <a:solidFill>
+              <a:schemeClr val="bg1"/>
+            </a:solidFill>
+          </a:ln>
+        </p:spPr>
+        <p:style>
+          <a:lnRef idx="2">
+            <a:schemeClr val="dk1"/>
+          </a:lnRef>
+          <a:fillRef idx="1">
+            <a:schemeClr val="lt1"/>
+          </a:fillRef>
+          <a:effectRef idx="0">
+            <a:schemeClr val="dk1"/>
+          </a:effectRef>
+          <a:fontRef idx="minor">
+            <a:schemeClr val="dk1"/>
+          </a:fontRef>
+        </p:style>
+        <p:txBody>
+          <a:bodyPr rtlCol="0" anchor="ctr"/>
+          <a:lstStyle/>
+          <a:p>
+            <a:pPr algn="ctr"/>
+            <a:endParaRPr lang="fr-FR"/>
+          </a:p>
+        </p:txBody>
+      </p:sp>
+      <p:sp>
+        <p:nvSpPr>
+          <p:cNvPr id="22" name="Rectangle 21">
+            <a:extLst>
+              <a:ext uri="{FF2B5EF4-FFF2-40B4-BE49-F238E27FC236}">
+                <a16:creationId xmlns:a16="http://schemas.microsoft.com/office/drawing/2014/main" id="{70A64931-4CFE-4A54-95CE-BAE4EA38F999}"/>
+              </a:ext>
+            </a:extLst>
+          </p:cNvPr>
+          <p:cNvSpPr/>
+          <p:nvPr/>
+        </p:nvSpPr>
+        <p:spPr>
+          <a:xfrm>
+            <a:off x="7565735" y="4158528"/>
+            <a:ext cx="933737" cy="1028700"/>
+          </a:xfrm>
+          <a:prstGeom prst="rect">
+            <a:avLst/>
+          </a:prstGeom>
+          <a:ln>
+            <a:solidFill>
+              <a:schemeClr val="bg1"/>
+            </a:solidFill>
+          </a:ln>
+        </p:spPr>
+        <p:style>
+          <a:lnRef idx="2">
+            <a:schemeClr val="dk1"/>
+          </a:lnRef>
+          <a:fillRef idx="1">
+            <a:schemeClr val="lt1"/>
+          </a:fillRef>
+          <a:effectRef idx="0">
+            <a:schemeClr val="dk1"/>
+          </a:effectRef>
+          <a:fontRef idx="minor">
+            <a:schemeClr val="dk1"/>
+          </a:fontRef>
+        </p:style>
+        <p:txBody>
+          <a:bodyPr rtlCol="0" anchor="ctr"/>
+          <a:lstStyle/>
+          <a:p>
+            <a:pPr algn="ctr"/>
+            <a:endParaRPr lang="fr-FR"/>
+          </a:p>
+        </p:txBody>
+      </p:sp>
+      <p:sp>
+        <p:nvSpPr>
+          <p:cNvPr id="24" name="Rectangle 23">
+            <a:extLst>
+              <a:ext uri="{FF2B5EF4-FFF2-40B4-BE49-F238E27FC236}">
+                <a16:creationId xmlns:a16="http://schemas.microsoft.com/office/drawing/2014/main" id="{4E9E8D5D-1816-4CD2-AED5-30A327481153}"/>
+              </a:ext>
+            </a:extLst>
+          </p:cNvPr>
+          <p:cNvSpPr/>
+          <p:nvPr/>
+        </p:nvSpPr>
+        <p:spPr>
+          <a:xfrm>
+            <a:off x="10395095" y="4158528"/>
+            <a:ext cx="933737" cy="1028700"/>
+          </a:xfrm>
+          <a:prstGeom prst="rect">
+            <a:avLst/>
+          </a:prstGeom>
+          <a:ln>
+            <a:solidFill>
+              <a:schemeClr val="bg1"/>
+            </a:solidFill>
+          </a:ln>
+        </p:spPr>
+        <p:style>
+          <a:lnRef idx="2">
+            <a:schemeClr val="dk1"/>
+          </a:lnRef>
+          <a:fillRef idx="1">
+            <a:schemeClr val="lt1"/>
+          </a:fillRef>
+          <a:effectRef idx="0">
+            <a:schemeClr val="dk1"/>
+          </a:effectRef>
+          <a:fontRef idx="minor">
+            <a:schemeClr val="dk1"/>
+          </a:fontRef>
+        </p:style>
+        <p:txBody>
+          <a:bodyPr rtlCol="0" anchor="ctr"/>
+          <a:lstStyle/>
+          <a:p>
+            <a:pPr algn="ctr"/>
+            <a:endParaRPr lang="fr-FR"/>
+          </a:p>
+        </p:txBody>
+      </p:sp>
+      <p:sp>
+        <p:nvSpPr>
+          <p:cNvPr id="32" name="Rectangle 31">
+            <a:extLst>
+              <a:ext uri="{FF2B5EF4-FFF2-40B4-BE49-F238E27FC236}">
+                <a16:creationId xmlns:a16="http://schemas.microsoft.com/office/drawing/2014/main" id="{0564ED0C-92F3-498A-AE64-5D9C5C139057}"/>
+              </a:ext>
+            </a:extLst>
+          </p:cNvPr>
+          <p:cNvSpPr/>
+          <p:nvPr/>
+        </p:nvSpPr>
+        <p:spPr>
+          <a:xfrm rot="19340388">
+            <a:off x="5124594" y="4448182"/>
+            <a:ext cx="933737" cy="1028700"/>
+          </a:xfrm>
+          <a:prstGeom prst="rect">
+            <a:avLst/>
+          </a:prstGeom>
+          <a:ln>
+            <a:solidFill>
+              <a:schemeClr val="bg1"/>
+            </a:solidFill>
+          </a:ln>
+        </p:spPr>
+        <p:style>
+          <a:lnRef idx="2">
+            <a:schemeClr val="dk1"/>
+          </a:lnRef>
+          <a:fillRef idx="1">
+            <a:schemeClr val="lt1"/>
+          </a:fillRef>
+          <a:effectRef idx="0">
+            <a:schemeClr val="dk1"/>
+          </a:effectRef>
+          <a:fontRef idx="minor">
+            <a:schemeClr val="dk1"/>
+          </a:fontRef>
+        </p:style>
+        <p:txBody>
+          <a:bodyPr rtlCol="0" anchor="ctr"/>
+          <a:lstStyle/>
+          <a:p>
+            <a:pPr algn="ctr"/>
+            <a:endParaRPr lang="fr-FR"/>
+          </a:p>
+        </p:txBody>
+      </p:sp>
+      <p:pic>
+        <p:nvPicPr>
+          <p:cNvPr id="1026" name="Picture 2">
+            <a:extLst>
+              <a:ext uri="{FF2B5EF4-FFF2-40B4-BE49-F238E27FC236}">
+                <a16:creationId xmlns:a16="http://schemas.microsoft.com/office/drawing/2014/main" id="{397A93F3-34D0-4C45-908D-F2916F5736B8}"/>
+              </a:ext>
+            </a:extLst>
+          </p:cNvPr>
+          <p:cNvPicPr>
+            <a:picLocks noChangeAspect="1" noChangeArrowheads="1"/>
+          </p:cNvPicPr>
+          <p:nvPr/>
+        </p:nvPicPr>
+        <p:blipFill>
+          <a:blip r:embed="rId7">
+            <a:extLst>
+              <a:ext uri="{28A0092B-C50C-407E-A947-70E740481C1C}">
+                <a14:useLocalDpi xmlns:a14="http://schemas.microsoft.com/office/drawing/2010/main" val="0"/>
+              </a:ext>
+            </a:extLst>
+          </a:blip>
+          <a:srcRect/>
+          <a:stretch>
+            <a:fillRect/>
+          </a:stretch>
+        </p:blipFill>
+        <p:spPr bwMode="auto">
+          <a:xfrm>
+            <a:off x="8416348" y="646161"/>
+            <a:ext cx="3238500" cy="1485900"/>
+          </a:xfrm>
+          <a:prstGeom prst="rect">
+            <a:avLst/>
+          </a:prstGeom>
+          <a:noFill/>
+          <a:extLst>
+            <a:ext uri="{909E8E84-426E-40DD-AFC4-6F175D3DCCD1}">
+              <a14:hiddenFill xmlns:a14="http://schemas.microsoft.com/office/drawing/2010/main">
+                <a:solidFill>
+                  <a:srgbClr val="FFFFFF"/>
+                </a:solidFill>
+              </a14:hiddenFill>
+            </a:ext>
+          </a:extLst>
+        </p:spPr>
+      </p:pic>
     </p:spTree>
     <p:extLst>
       <p:ext uri="{BB962C8B-B14F-4D97-AF65-F5344CB8AC3E}">
@@ -3873,7 +5795,7 @@
           <a:bodyPr/>
           <a:lstStyle/>
           <a:p>
-            <a:endParaRPr lang="fr-FR"/>
+            <a:endParaRPr lang="fr-FR" dirty="0"/>
           </a:p>
         </p:txBody>
       </p:sp>
@@ -3883,36 +5805,6 @@
             <a:extLst>
               <a:ext uri="{FF2B5EF4-FFF2-40B4-BE49-F238E27FC236}">
                 <a16:creationId xmlns:a16="http://schemas.microsoft.com/office/drawing/2014/main" id="{DBD3F747-665C-4497-B677-A29F6A9382D2}"/>
-              </a:ext>
-            </a:extLst>
-          </p:cNvPr>
-          <p:cNvPicPr>
-            <a:picLocks noChangeAspect="1"/>
-          </p:cNvPicPr>
-          <p:nvPr/>
-        </p:nvPicPr>
-        <p:blipFill>
-          <a:blip r:embed="rId2"/>
-          <a:stretch>
-            <a:fillRect/>
-          </a:stretch>
-        </p:blipFill>
-        <p:spPr>
-          <a:xfrm>
-            <a:off x="1109955" y="2897932"/>
-            <a:ext cx="4343400" cy="2667000"/>
-          </a:xfrm>
-          <a:prstGeom prst="rect">
-            <a:avLst/>
-          </a:prstGeom>
-        </p:spPr>
-      </p:pic>
-      <p:pic>
-        <p:nvPicPr>
-          <p:cNvPr id="6" name="Image 5">
-            <a:extLst>
-              <a:ext uri="{FF2B5EF4-FFF2-40B4-BE49-F238E27FC236}">
-                <a16:creationId xmlns:a16="http://schemas.microsoft.com/office/drawing/2014/main" id="{8FB05043-0EEB-45A6-AE4C-7571C041A3CF}"/>
               </a:ext>
             </a:extLst>
           </p:cNvPr>
@@ -3929,14 +5821,44 @@
         </p:blipFill>
         <p:spPr>
           <a:xfrm>
-            <a:off x="6738646" y="2926507"/>
-            <a:ext cx="3771900" cy="2638425"/>
+            <a:off x="120650" y="2835226"/>
+            <a:ext cx="4102354" cy="2518989"/>
           </a:xfrm>
           <a:prstGeom prst="rect">
             <a:avLst/>
           </a:prstGeom>
         </p:spPr>
       </p:pic>
+      <p:pic>
+        <p:nvPicPr>
+          <p:cNvPr id="6" name="Image 5">
+            <a:extLst>
+              <a:ext uri="{FF2B5EF4-FFF2-40B4-BE49-F238E27FC236}">
+                <a16:creationId xmlns:a16="http://schemas.microsoft.com/office/drawing/2014/main" id="{8FB05043-0EEB-45A6-AE4C-7571C041A3CF}"/>
+              </a:ext>
+            </a:extLst>
+          </p:cNvPr>
+          <p:cNvPicPr>
+            <a:picLocks noChangeAspect="1"/>
+          </p:cNvPicPr>
+          <p:nvPr/>
+        </p:nvPicPr>
+        <p:blipFill>
+          <a:blip r:embed="rId4"/>
+          <a:stretch>
+            <a:fillRect/>
+          </a:stretch>
+        </p:blipFill>
+        <p:spPr>
+          <a:xfrm>
+            <a:off x="8477250" y="2877665"/>
+            <a:ext cx="3714750" cy="2598449"/>
+          </a:xfrm>
+          <a:prstGeom prst="rect">
+            <a:avLst/>
+          </a:prstGeom>
+        </p:spPr>
+      </p:pic>
       <p:sp>
         <p:nvSpPr>
           <p:cNvPr id="7" name="Espace réservé du pied de page 6">
@@ -3959,9 +5881,26 @@
           <a:lstStyle/>
           <a:p>
             <a:r>
-              <a:rPr lang="fr-FR"/>
-              <a:t>Allan Couderette - H3 Hitema</a:t>
-            </a:r>
+              <a:rPr lang="fr-FR" b="1" dirty="0">
+                <a:solidFill>
+                  <a:schemeClr val="tx1"/>
+                </a:solidFill>
+              </a:rPr>
+              <a:t>Allan Couderette - H3 </a:t>
+            </a:r>
+            <a:r>
+              <a:rPr lang="fr-FR" b="1" dirty="0" err="1">
+                <a:solidFill>
+                  <a:schemeClr val="tx1"/>
+                </a:solidFill>
+              </a:rPr>
+              <a:t>Hitema</a:t>
+            </a:r>
+            <a:endParaRPr lang="fr-FR" b="1" dirty="0">
+              <a:solidFill>
+                <a:schemeClr val="tx1"/>
+              </a:solidFill>
+            </a:endParaRPr>
           </a:p>
         </p:txBody>
       </p:sp>
@@ -3987,17 +5926,206 @@
           <a:lstStyle/>
           <a:p>
             <a:fld id="{1ED3C5C4-F6EE-4910-9FCD-8A37C84F56ED}" type="slidenum">
-              <a:rPr lang="fr-FR" smtClean="0"/>
+              <a:rPr lang="fr-FR" b="1" smtClean="0">
+                <a:solidFill>
+                  <a:schemeClr val="tx1"/>
+                </a:solidFill>
+              </a:rPr>
               <a:t>10</a:t>
             </a:fld>
+            <a:endParaRPr lang="fr-FR" b="1" dirty="0">
+              <a:solidFill>
+                <a:schemeClr val="tx1"/>
+              </a:solidFill>
+            </a:endParaRPr>
+          </a:p>
+        </p:txBody>
+      </p:sp>
+      <p:pic>
+        <p:nvPicPr>
+          <p:cNvPr id="5" name="Image 4">
+            <a:extLst>
+              <a:ext uri="{FF2B5EF4-FFF2-40B4-BE49-F238E27FC236}">
+                <a16:creationId xmlns:a16="http://schemas.microsoft.com/office/drawing/2014/main" id="{99AF728F-FB8A-4484-A52E-BAEEA74EC9AE}"/>
+              </a:ext>
+            </a:extLst>
+          </p:cNvPr>
+          <p:cNvPicPr>
+            <a:picLocks noChangeAspect="1"/>
+          </p:cNvPicPr>
+          <p:nvPr/>
+        </p:nvPicPr>
+        <p:blipFill>
+          <a:blip r:embed="rId5"/>
+          <a:stretch>
+            <a:fillRect/>
+          </a:stretch>
+        </p:blipFill>
+        <p:spPr>
+          <a:xfrm>
+            <a:off x="4398460" y="2898726"/>
+            <a:ext cx="4078790" cy="2518989"/>
+          </a:xfrm>
+          <a:prstGeom prst="rect">
+            <a:avLst/>
+          </a:prstGeom>
+        </p:spPr>
+      </p:pic>
+      <p:sp>
+        <p:nvSpPr>
+          <p:cNvPr id="9" name="Rectangle 8">
+            <a:extLst>
+              <a:ext uri="{FF2B5EF4-FFF2-40B4-BE49-F238E27FC236}">
+                <a16:creationId xmlns:a16="http://schemas.microsoft.com/office/drawing/2014/main" id="{DEBC5CEE-8E5F-46F6-94E4-04213D3343B8}"/>
+              </a:ext>
+            </a:extLst>
+          </p:cNvPr>
+          <p:cNvSpPr/>
+          <p:nvPr/>
+        </p:nvSpPr>
+        <p:spPr>
+          <a:xfrm rot="229883">
+            <a:off x="-712931" y="-928344"/>
+            <a:ext cx="13814711" cy="8582927"/>
+          </a:xfrm>
+          <a:prstGeom prst="rect">
+            <a:avLst/>
+          </a:prstGeom>
+          <a:gradFill>
+            <a:gsLst>
+              <a:gs pos="0">
+                <a:schemeClr val="accent4">
+                  <a:alpha val="73000"/>
+                </a:schemeClr>
+              </a:gs>
+              <a:gs pos="22000">
+                <a:schemeClr val="bg1">
+                  <a:alpha val="0"/>
+                </a:schemeClr>
+              </a:gs>
+              <a:gs pos="85000">
+                <a:schemeClr val="bg1">
+                  <a:alpha val="0"/>
+                </a:schemeClr>
+              </a:gs>
+              <a:gs pos="100000">
+                <a:schemeClr val="accent2">
+                  <a:alpha val="88000"/>
+                </a:schemeClr>
+              </a:gs>
+            </a:gsLst>
+            <a:lin ang="5400000" scaled="1"/>
+          </a:gradFill>
+          <a:ln>
+            <a:noFill/>
+          </a:ln>
+          <a:effectLst>
+            <a:outerShdw blurRad="50800" dist="50800" dir="5400000" algn="ctr" rotWithShape="0">
+              <a:schemeClr val="bg1"/>
+            </a:outerShdw>
+          </a:effectLst>
+        </p:spPr>
+        <p:style>
+          <a:lnRef idx="2">
+            <a:schemeClr val="accent2">
+              <a:shade val="50000"/>
+            </a:schemeClr>
+          </a:lnRef>
+          <a:fillRef idx="1">
+            <a:schemeClr val="accent2"/>
+          </a:fillRef>
+          <a:effectRef idx="0">
+            <a:schemeClr val="accent2"/>
+          </a:effectRef>
+          <a:fontRef idx="minor">
+            <a:schemeClr val="lt1"/>
+          </a:fontRef>
+        </p:style>
+        <p:txBody>
+          <a:bodyPr rtlCol="0" anchor="ctr"/>
+          <a:lstStyle/>
+          <a:p>
+            <a:pPr algn="ctr"/>
             <a:endParaRPr lang="fr-FR"/>
+          </a:p>
+        </p:txBody>
+      </p:sp>
+      <p:sp>
+        <p:nvSpPr>
+          <p:cNvPr id="10" name="Rectangle 9">
+            <a:extLst>
+              <a:ext uri="{FF2B5EF4-FFF2-40B4-BE49-F238E27FC236}">
+                <a16:creationId xmlns:a16="http://schemas.microsoft.com/office/drawing/2014/main" id="{0BF4D101-37A3-4625-A28C-C8B58C64469A}"/>
+              </a:ext>
+            </a:extLst>
+          </p:cNvPr>
+          <p:cNvSpPr/>
+          <p:nvPr/>
+        </p:nvSpPr>
+        <p:spPr>
+          <a:xfrm rot="20885484">
+            <a:off x="-1309946" y="-1309094"/>
+            <a:ext cx="14315183" cy="10321398"/>
+          </a:xfrm>
+          <a:prstGeom prst="rect">
+            <a:avLst/>
+          </a:prstGeom>
+          <a:gradFill>
+            <a:gsLst>
+              <a:gs pos="0">
+                <a:schemeClr val="accent4">
+                  <a:alpha val="73000"/>
+                </a:schemeClr>
+              </a:gs>
+              <a:gs pos="20000">
+                <a:schemeClr val="bg1">
+                  <a:alpha val="0"/>
+                </a:schemeClr>
+              </a:gs>
+              <a:gs pos="80000">
+                <a:schemeClr val="bg1">
+                  <a:alpha val="0"/>
+                </a:schemeClr>
+              </a:gs>
+              <a:gs pos="100000">
+                <a:schemeClr val="accent2">
+                  <a:alpha val="88000"/>
+                </a:schemeClr>
+              </a:gs>
+            </a:gsLst>
+            <a:lin ang="5400000" scaled="1"/>
+          </a:gradFill>
+          <a:ln>
+            <a:noFill/>
+          </a:ln>
+        </p:spPr>
+        <p:style>
+          <a:lnRef idx="0">
+            <a:scrgbClr r="0" g="0" b="0"/>
+          </a:lnRef>
+          <a:fillRef idx="0">
+            <a:scrgbClr r="0" g="0" b="0"/>
+          </a:fillRef>
+          <a:effectRef idx="0">
+            <a:scrgbClr r="0" g="0" b="0"/>
+          </a:effectRef>
+          <a:fontRef idx="minor">
+            <a:schemeClr val="dk1"/>
+          </a:fontRef>
+        </p:style>
+        <p:txBody>
+          <a:bodyPr rtlCol="0" anchor="ctr"/>
+          <a:lstStyle/>
+          <a:p>
+            <a:pPr algn="ctr"/>
+            <a:endParaRPr lang="fr-FR" dirty="0"/>
           </a:p>
         </p:txBody>
       </p:sp>
     </p:spTree>
     <p:extLst>
       <p:ext uri="{BB962C8B-B14F-4D97-AF65-F5344CB8AC3E}">
-        <p14:creationId xmlns:p14="http://schemas.microsoft.com/office/powerpoint/2010/main" val="1930117566"/>
+        <p14:creationId xmlns:p14="http://schemas.microsoft.com/office/powerpoint/2010/main" val="414872908"/>
       </p:ext>
     </p:extLst>
   </p:cSld>
@@ -4109,7 +6237,7 @@
           <p:nvPr/>
         </p:nvPicPr>
         <p:blipFill>
-          <a:blip r:embed="rId2"/>
+          <a:blip r:embed="rId3"/>
           <a:stretch>
             <a:fillRect/>
           </a:stretch>
@@ -4146,9 +6274,26 @@
           <a:lstStyle/>
           <a:p>
             <a:r>
-              <a:rPr lang="fr-FR"/>
-              <a:t>Allan Couderette - H3 Hitema</a:t>
-            </a:r>
+              <a:rPr lang="fr-FR" b="1" dirty="0">
+                <a:solidFill>
+                  <a:schemeClr val="tx1"/>
+                </a:solidFill>
+              </a:rPr>
+              <a:t>Allan Couderette - H3 </a:t>
+            </a:r>
+            <a:r>
+              <a:rPr lang="fr-FR" b="1" dirty="0" err="1">
+                <a:solidFill>
+                  <a:schemeClr val="tx1"/>
+                </a:solidFill>
+              </a:rPr>
+              <a:t>Hitema</a:t>
+            </a:r>
+            <a:endParaRPr lang="fr-FR" b="1" dirty="0">
+              <a:solidFill>
+                <a:schemeClr val="tx1"/>
+              </a:solidFill>
+            </a:endParaRPr>
           </a:p>
         </p:txBody>
       </p:sp>
@@ -4174,13 +6319,193 @@
           <a:lstStyle/>
           <a:p>
             <a:fld id="{1ED3C5C4-F6EE-4910-9FCD-8A37C84F56ED}" type="slidenum">
-              <a:rPr lang="fr-FR" smtClean="0"/>
+              <a:rPr lang="fr-FR" b="1" smtClean="0">
+                <a:solidFill>
+                  <a:schemeClr val="tx1"/>
+                </a:solidFill>
+              </a:rPr>
               <a:t>11</a:t>
             </a:fld>
-            <a:endParaRPr lang="fr-FR"/>
-          </a:p>
-        </p:txBody>
-      </p:sp>
+            <a:endParaRPr lang="fr-FR" b="1" dirty="0">
+              <a:solidFill>
+                <a:schemeClr val="tx1"/>
+              </a:solidFill>
+            </a:endParaRPr>
+          </a:p>
+        </p:txBody>
+      </p:sp>
+      <p:grpSp>
+        <p:nvGrpSpPr>
+          <p:cNvPr id="12" name="Groupe 11">
+            <a:extLst>
+              <a:ext uri="{FF2B5EF4-FFF2-40B4-BE49-F238E27FC236}">
+                <a16:creationId xmlns:a16="http://schemas.microsoft.com/office/drawing/2014/main" id="{47300D36-2E7D-4FE0-BA2B-86259CB14A58}"/>
+              </a:ext>
+            </a:extLst>
+          </p:cNvPr>
+          <p:cNvGrpSpPr/>
+          <p:nvPr/>
+        </p:nvGrpSpPr>
+        <p:grpSpPr>
+          <a:xfrm>
+            <a:off x="-1309946" y="-1309094"/>
+            <a:ext cx="14411726" cy="10321398"/>
+            <a:chOff x="-1309946" y="-1309094"/>
+            <a:chExt cx="14411726" cy="10321398"/>
+          </a:xfrm>
+        </p:grpSpPr>
+        <p:sp>
+          <p:nvSpPr>
+            <p:cNvPr id="13" name="Rectangle 12">
+              <a:extLst>
+                <a:ext uri="{FF2B5EF4-FFF2-40B4-BE49-F238E27FC236}">
+                  <a16:creationId xmlns:a16="http://schemas.microsoft.com/office/drawing/2014/main" id="{0C789971-167D-4310-BAC0-2796524024BF}"/>
+                </a:ext>
+              </a:extLst>
+            </p:cNvPr>
+            <p:cNvSpPr/>
+            <p:nvPr/>
+          </p:nvSpPr>
+          <p:spPr>
+            <a:xfrm rot="229883">
+              <a:off x="-712931" y="-928344"/>
+              <a:ext cx="13814711" cy="8582927"/>
+            </a:xfrm>
+            <a:prstGeom prst="rect">
+              <a:avLst/>
+            </a:prstGeom>
+            <a:gradFill>
+              <a:gsLst>
+                <a:gs pos="0">
+                  <a:schemeClr val="accent4">
+                    <a:alpha val="73000"/>
+                  </a:schemeClr>
+                </a:gs>
+                <a:gs pos="22000">
+                  <a:schemeClr val="bg1">
+                    <a:alpha val="0"/>
+                  </a:schemeClr>
+                </a:gs>
+                <a:gs pos="85000">
+                  <a:schemeClr val="bg1">
+                    <a:alpha val="0"/>
+                  </a:schemeClr>
+                </a:gs>
+                <a:gs pos="100000">
+                  <a:schemeClr val="accent2">
+                    <a:alpha val="88000"/>
+                  </a:schemeClr>
+                </a:gs>
+              </a:gsLst>
+              <a:lin ang="5400000" scaled="1"/>
+            </a:gradFill>
+            <a:ln>
+              <a:noFill/>
+            </a:ln>
+            <a:effectLst>
+              <a:outerShdw blurRad="50800" dist="50800" dir="5400000" algn="ctr" rotWithShape="0">
+                <a:schemeClr val="bg1"/>
+              </a:outerShdw>
+            </a:effectLst>
+          </p:spPr>
+          <p:style>
+            <a:lnRef idx="2">
+              <a:schemeClr val="accent2">
+                <a:shade val="50000"/>
+              </a:schemeClr>
+            </a:lnRef>
+            <a:fillRef idx="1">
+              <a:schemeClr val="accent2"/>
+            </a:fillRef>
+            <a:effectRef idx="0">
+              <a:schemeClr val="accent2"/>
+            </a:effectRef>
+            <a:fontRef idx="minor">
+              <a:schemeClr val="lt1"/>
+            </a:fontRef>
+          </p:style>
+          <p:txBody>
+            <a:bodyPr rtlCol="0" anchor="ctr"/>
+            <a:lstStyle/>
+            <a:p>
+              <a:pPr algn="ctr"/>
+              <a:endParaRPr lang="fr-FR"/>
+            </a:p>
+          </p:txBody>
+        </p:sp>
+        <p:sp>
+          <p:nvSpPr>
+            <p:cNvPr id="14" name="Rectangle 13">
+              <a:extLst>
+                <a:ext uri="{FF2B5EF4-FFF2-40B4-BE49-F238E27FC236}">
+                  <a16:creationId xmlns:a16="http://schemas.microsoft.com/office/drawing/2014/main" id="{ED2E04AE-FE5C-4FCD-89C1-20078B58E1C1}"/>
+                </a:ext>
+              </a:extLst>
+            </p:cNvPr>
+            <p:cNvSpPr/>
+            <p:nvPr/>
+          </p:nvSpPr>
+          <p:spPr>
+            <a:xfrm rot="20885484">
+              <a:off x="-1309946" y="-1309094"/>
+              <a:ext cx="14315183" cy="10321398"/>
+            </a:xfrm>
+            <a:prstGeom prst="rect">
+              <a:avLst/>
+            </a:prstGeom>
+            <a:gradFill>
+              <a:gsLst>
+                <a:gs pos="0">
+                  <a:schemeClr val="accent4">
+                    <a:alpha val="73000"/>
+                  </a:schemeClr>
+                </a:gs>
+                <a:gs pos="20000">
+                  <a:schemeClr val="bg1">
+                    <a:alpha val="0"/>
+                  </a:schemeClr>
+                </a:gs>
+                <a:gs pos="80000">
+                  <a:schemeClr val="bg1">
+                    <a:alpha val="0"/>
+                  </a:schemeClr>
+                </a:gs>
+                <a:gs pos="100000">
+                  <a:schemeClr val="accent2">
+                    <a:alpha val="88000"/>
+                  </a:schemeClr>
+                </a:gs>
+              </a:gsLst>
+              <a:lin ang="5400000" scaled="1"/>
+            </a:gradFill>
+            <a:ln>
+              <a:noFill/>
+            </a:ln>
+          </p:spPr>
+          <p:style>
+            <a:lnRef idx="0">
+              <a:scrgbClr r="0" g="0" b="0"/>
+            </a:lnRef>
+            <a:fillRef idx="0">
+              <a:scrgbClr r="0" g="0" b="0"/>
+            </a:fillRef>
+            <a:effectRef idx="0">
+              <a:scrgbClr r="0" g="0" b="0"/>
+            </a:effectRef>
+            <a:fontRef idx="minor">
+              <a:schemeClr val="dk1"/>
+            </a:fontRef>
+          </p:style>
+          <p:txBody>
+            <a:bodyPr rtlCol="0" anchor="ctr"/>
+            <a:lstStyle/>
+            <a:p>
+              <a:pPr algn="ctr"/>
+              <a:endParaRPr lang="fr-FR" dirty="0"/>
+            </a:p>
+          </p:txBody>
+        </p:sp>
+      </p:grpSp>
     </p:spTree>
     <p:extLst>
       <p:ext uri="{BB962C8B-B14F-4D97-AF65-F5344CB8AC3E}">
@@ -4282,7 +6607,7 @@
           <p:nvPr/>
         </p:nvPicPr>
         <p:blipFill>
-          <a:blip r:embed="rId2"/>
+          <a:blip r:embed="rId3"/>
           <a:stretch>
             <a:fillRect/>
           </a:stretch>
@@ -4319,9 +6644,26 @@
           <a:lstStyle/>
           <a:p>
             <a:r>
-              <a:rPr lang="fr-FR"/>
-              <a:t>Allan Couderette - H3 Hitema</a:t>
-            </a:r>
+              <a:rPr lang="fr-FR" b="1" dirty="0">
+                <a:solidFill>
+                  <a:schemeClr val="tx1"/>
+                </a:solidFill>
+              </a:rPr>
+              <a:t>Allan Couderette - H3 </a:t>
+            </a:r>
+            <a:r>
+              <a:rPr lang="fr-FR" b="1" dirty="0" err="1">
+                <a:solidFill>
+                  <a:schemeClr val="tx1"/>
+                </a:solidFill>
+              </a:rPr>
+              <a:t>Hitema</a:t>
+            </a:r>
+            <a:endParaRPr lang="fr-FR" b="1" dirty="0">
+              <a:solidFill>
+                <a:schemeClr val="tx1"/>
+              </a:solidFill>
+            </a:endParaRPr>
           </a:p>
         </p:txBody>
       </p:sp>
@@ -4347,13 +6689,193 @@
           <a:lstStyle/>
           <a:p>
             <a:fld id="{1ED3C5C4-F6EE-4910-9FCD-8A37C84F56ED}" type="slidenum">
-              <a:rPr lang="fr-FR" smtClean="0"/>
+              <a:rPr lang="fr-FR" b="1" smtClean="0">
+                <a:solidFill>
+                  <a:schemeClr val="tx1"/>
+                </a:solidFill>
+              </a:rPr>
               <a:t>12</a:t>
             </a:fld>
-            <a:endParaRPr lang="fr-FR"/>
-          </a:p>
-        </p:txBody>
-      </p:sp>
+            <a:endParaRPr lang="fr-FR" b="1" dirty="0">
+              <a:solidFill>
+                <a:schemeClr val="tx1"/>
+              </a:solidFill>
+            </a:endParaRPr>
+          </a:p>
+        </p:txBody>
+      </p:sp>
+      <p:grpSp>
+        <p:nvGrpSpPr>
+          <p:cNvPr id="12" name="Groupe 11">
+            <a:extLst>
+              <a:ext uri="{FF2B5EF4-FFF2-40B4-BE49-F238E27FC236}">
+                <a16:creationId xmlns:a16="http://schemas.microsoft.com/office/drawing/2014/main" id="{40F5EEE9-66B8-49E5-9DE4-41D77CD0750C}"/>
+              </a:ext>
+            </a:extLst>
+          </p:cNvPr>
+          <p:cNvGrpSpPr/>
+          <p:nvPr/>
+        </p:nvGrpSpPr>
+        <p:grpSpPr>
+          <a:xfrm>
+            <a:off x="-1309946" y="-1309094"/>
+            <a:ext cx="14411726" cy="10321398"/>
+            <a:chOff x="-1309946" y="-1309094"/>
+            <a:chExt cx="14411726" cy="10321398"/>
+          </a:xfrm>
+        </p:grpSpPr>
+        <p:sp>
+          <p:nvSpPr>
+            <p:cNvPr id="13" name="Rectangle 12">
+              <a:extLst>
+                <a:ext uri="{FF2B5EF4-FFF2-40B4-BE49-F238E27FC236}">
+                  <a16:creationId xmlns:a16="http://schemas.microsoft.com/office/drawing/2014/main" id="{1667EF07-D16F-4792-885E-A8DE9C6C8ACB}"/>
+                </a:ext>
+              </a:extLst>
+            </p:cNvPr>
+            <p:cNvSpPr/>
+            <p:nvPr/>
+          </p:nvSpPr>
+          <p:spPr>
+            <a:xfrm rot="229883">
+              <a:off x="-712931" y="-928344"/>
+              <a:ext cx="13814711" cy="8582927"/>
+            </a:xfrm>
+            <a:prstGeom prst="rect">
+              <a:avLst/>
+            </a:prstGeom>
+            <a:gradFill>
+              <a:gsLst>
+                <a:gs pos="0">
+                  <a:schemeClr val="accent4">
+                    <a:alpha val="73000"/>
+                  </a:schemeClr>
+                </a:gs>
+                <a:gs pos="22000">
+                  <a:schemeClr val="bg1">
+                    <a:alpha val="0"/>
+                  </a:schemeClr>
+                </a:gs>
+                <a:gs pos="85000">
+                  <a:schemeClr val="bg1">
+                    <a:alpha val="0"/>
+                  </a:schemeClr>
+                </a:gs>
+                <a:gs pos="100000">
+                  <a:schemeClr val="accent2">
+                    <a:alpha val="88000"/>
+                  </a:schemeClr>
+                </a:gs>
+              </a:gsLst>
+              <a:lin ang="5400000" scaled="1"/>
+            </a:gradFill>
+            <a:ln>
+              <a:noFill/>
+            </a:ln>
+            <a:effectLst>
+              <a:outerShdw blurRad="50800" dist="50800" dir="5400000" algn="ctr" rotWithShape="0">
+                <a:schemeClr val="bg1"/>
+              </a:outerShdw>
+            </a:effectLst>
+          </p:spPr>
+          <p:style>
+            <a:lnRef idx="2">
+              <a:schemeClr val="accent2">
+                <a:shade val="50000"/>
+              </a:schemeClr>
+            </a:lnRef>
+            <a:fillRef idx="1">
+              <a:schemeClr val="accent2"/>
+            </a:fillRef>
+            <a:effectRef idx="0">
+              <a:schemeClr val="accent2"/>
+            </a:effectRef>
+            <a:fontRef idx="minor">
+              <a:schemeClr val="lt1"/>
+            </a:fontRef>
+          </p:style>
+          <p:txBody>
+            <a:bodyPr rtlCol="0" anchor="ctr"/>
+            <a:lstStyle/>
+            <a:p>
+              <a:pPr algn="ctr"/>
+              <a:endParaRPr lang="fr-FR"/>
+            </a:p>
+          </p:txBody>
+        </p:sp>
+        <p:sp>
+          <p:nvSpPr>
+            <p:cNvPr id="14" name="Rectangle 13">
+              <a:extLst>
+                <a:ext uri="{FF2B5EF4-FFF2-40B4-BE49-F238E27FC236}">
+                  <a16:creationId xmlns:a16="http://schemas.microsoft.com/office/drawing/2014/main" id="{0A15EA35-A885-43CE-9F40-A9AEDC3ED596}"/>
+                </a:ext>
+              </a:extLst>
+            </p:cNvPr>
+            <p:cNvSpPr/>
+            <p:nvPr/>
+          </p:nvSpPr>
+          <p:spPr>
+            <a:xfrm rot="20885484">
+              <a:off x="-1309946" y="-1309094"/>
+              <a:ext cx="14315183" cy="10321398"/>
+            </a:xfrm>
+            <a:prstGeom prst="rect">
+              <a:avLst/>
+            </a:prstGeom>
+            <a:gradFill>
+              <a:gsLst>
+                <a:gs pos="0">
+                  <a:schemeClr val="accent4">
+                    <a:alpha val="73000"/>
+                  </a:schemeClr>
+                </a:gs>
+                <a:gs pos="20000">
+                  <a:schemeClr val="bg1">
+                    <a:alpha val="0"/>
+                  </a:schemeClr>
+                </a:gs>
+                <a:gs pos="80000">
+                  <a:schemeClr val="bg1">
+                    <a:alpha val="0"/>
+                  </a:schemeClr>
+                </a:gs>
+                <a:gs pos="100000">
+                  <a:schemeClr val="accent2">
+                    <a:alpha val="88000"/>
+                  </a:schemeClr>
+                </a:gs>
+              </a:gsLst>
+              <a:lin ang="5400000" scaled="1"/>
+            </a:gradFill>
+            <a:ln>
+              <a:noFill/>
+            </a:ln>
+          </p:spPr>
+          <p:style>
+            <a:lnRef idx="0">
+              <a:scrgbClr r="0" g="0" b="0"/>
+            </a:lnRef>
+            <a:fillRef idx="0">
+              <a:scrgbClr r="0" g="0" b="0"/>
+            </a:fillRef>
+            <a:effectRef idx="0">
+              <a:scrgbClr r="0" g="0" b="0"/>
+            </a:effectRef>
+            <a:fontRef idx="minor">
+              <a:schemeClr val="dk1"/>
+            </a:fontRef>
+          </p:style>
+          <p:txBody>
+            <a:bodyPr rtlCol="0" anchor="ctr"/>
+            <a:lstStyle/>
+            <a:p>
+              <a:pPr algn="ctr"/>
+              <a:endParaRPr lang="fr-FR" dirty="0"/>
+            </a:p>
+          </p:txBody>
+        </p:sp>
+      </p:grpSp>
     </p:spTree>
     <p:extLst>
       <p:ext uri="{BB962C8B-B14F-4D97-AF65-F5344CB8AC3E}">
@@ -4459,7 +6981,7 @@
           <p:nvPr/>
         </p:nvPicPr>
         <p:blipFill>
-          <a:blip r:embed="rId2"/>
+          <a:blip r:embed="rId3"/>
           <a:stretch>
             <a:fillRect/>
           </a:stretch>
@@ -4496,9 +7018,26 @@
           <a:lstStyle/>
           <a:p>
             <a:r>
-              <a:rPr lang="fr-FR"/>
-              <a:t>Allan Couderette - H3 Hitema</a:t>
-            </a:r>
+              <a:rPr lang="fr-FR" b="1" dirty="0">
+                <a:solidFill>
+                  <a:schemeClr val="tx1"/>
+                </a:solidFill>
+              </a:rPr>
+              <a:t>Allan Couderette - H3 </a:t>
+            </a:r>
+            <a:r>
+              <a:rPr lang="fr-FR" b="1" dirty="0" err="1">
+                <a:solidFill>
+                  <a:schemeClr val="tx1"/>
+                </a:solidFill>
+              </a:rPr>
+              <a:t>Hitema</a:t>
+            </a:r>
+            <a:endParaRPr lang="fr-FR" b="1" dirty="0">
+              <a:solidFill>
+                <a:schemeClr val="tx1"/>
+              </a:solidFill>
+            </a:endParaRPr>
           </a:p>
         </p:txBody>
       </p:sp>
@@ -4524,13 +7063,193 @@
           <a:lstStyle/>
           <a:p>
             <a:fld id="{1ED3C5C4-F6EE-4910-9FCD-8A37C84F56ED}" type="slidenum">
-              <a:rPr lang="fr-FR" smtClean="0"/>
+              <a:rPr lang="fr-FR" b="1" smtClean="0">
+                <a:solidFill>
+                  <a:schemeClr val="tx1"/>
+                </a:solidFill>
+              </a:rPr>
               <a:t>13</a:t>
             </a:fld>
-            <a:endParaRPr lang="fr-FR"/>
-          </a:p>
-        </p:txBody>
-      </p:sp>
+            <a:endParaRPr lang="fr-FR" b="1" dirty="0">
+              <a:solidFill>
+                <a:schemeClr val="tx1"/>
+              </a:solidFill>
+            </a:endParaRPr>
+          </a:p>
+        </p:txBody>
+      </p:sp>
+      <p:grpSp>
+        <p:nvGrpSpPr>
+          <p:cNvPr id="13" name="Groupe 12">
+            <a:extLst>
+              <a:ext uri="{FF2B5EF4-FFF2-40B4-BE49-F238E27FC236}">
+                <a16:creationId xmlns:a16="http://schemas.microsoft.com/office/drawing/2014/main" id="{3A7B44AF-AD43-4959-865D-931DB6E6CA78}"/>
+              </a:ext>
+            </a:extLst>
+          </p:cNvPr>
+          <p:cNvGrpSpPr/>
+          <p:nvPr/>
+        </p:nvGrpSpPr>
+        <p:grpSpPr>
+          <a:xfrm>
+            <a:off x="-1309946" y="-1309094"/>
+            <a:ext cx="14411726" cy="10321398"/>
+            <a:chOff x="-1309946" y="-1309094"/>
+            <a:chExt cx="14411726" cy="10321398"/>
+          </a:xfrm>
+        </p:grpSpPr>
+        <p:sp>
+          <p:nvSpPr>
+            <p:cNvPr id="14" name="Rectangle 13">
+              <a:extLst>
+                <a:ext uri="{FF2B5EF4-FFF2-40B4-BE49-F238E27FC236}">
+                  <a16:creationId xmlns:a16="http://schemas.microsoft.com/office/drawing/2014/main" id="{3D86A6BE-E509-4669-B939-82894EEB2D23}"/>
+                </a:ext>
+              </a:extLst>
+            </p:cNvPr>
+            <p:cNvSpPr/>
+            <p:nvPr/>
+          </p:nvSpPr>
+          <p:spPr>
+            <a:xfrm rot="229883">
+              <a:off x="-712931" y="-928344"/>
+              <a:ext cx="13814711" cy="8582927"/>
+            </a:xfrm>
+            <a:prstGeom prst="rect">
+              <a:avLst/>
+            </a:prstGeom>
+            <a:gradFill>
+              <a:gsLst>
+                <a:gs pos="0">
+                  <a:schemeClr val="accent4">
+                    <a:alpha val="73000"/>
+                  </a:schemeClr>
+                </a:gs>
+                <a:gs pos="22000">
+                  <a:schemeClr val="bg1">
+                    <a:alpha val="0"/>
+                  </a:schemeClr>
+                </a:gs>
+                <a:gs pos="85000">
+                  <a:schemeClr val="bg1">
+                    <a:alpha val="0"/>
+                  </a:schemeClr>
+                </a:gs>
+                <a:gs pos="100000">
+                  <a:schemeClr val="accent2">
+                    <a:alpha val="88000"/>
+                  </a:schemeClr>
+                </a:gs>
+              </a:gsLst>
+              <a:lin ang="5400000" scaled="1"/>
+            </a:gradFill>
+            <a:ln>
+              <a:noFill/>
+            </a:ln>
+            <a:effectLst>
+              <a:outerShdw blurRad="50800" dist="50800" dir="5400000" algn="ctr" rotWithShape="0">
+                <a:schemeClr val="bg1"/>
+              </a:outerShdw>
+            </a:effectLst>
+          </p:spPr>
+          <p:style>
+            <a:lnRef idx="2">
+              <a:schemeClr val="accent2">
+                <a:shade val="50000"/>
+              </a:schemeClr>
+            </a:lnRef>
+            <a:fillRef idx="1">
+              <a:schemeClr val="accent2"/>
+            </a:fillRef>
+            <a:effectRef idx="0">
+              <a:schemeClr val="accent2"/>
+            </a:effectRef>
+            <a:fontRef idx="minor">
+              <a:schemeClr val="lt1"/>
+            </a:fontRef>
+          </p:style>
+          <p:txBody>
+            <a:bodyPr rtlCol="0" anchor="ctr"/>
+            <a:lstStyle/>
+            <a:p>
+              <a:pPr algn="ctr"/>
+              <a:endParaRPr lang="fr-FR"/>
+            </a:p>
+          </p:txBody>
+        </p:sp>
+        <p:sp>
+          <p:nvSpPr>
+            <p:cNvPr id="15" name="Rectangle 14">
+              <a:extLst>
+                <a:ext uri="{FF2B5EF4-FFF2-40B4-BE49-F238E27FC236}">
+                  <a16:creationId xmlns:a16="http://schemas.microsoft.com/office/drawing/2014/main" id="{59AF8E96-F734-491D-B49E-A15CBB10177C}"/>
+                </a:ext>
+              </a:extLst>
+            </p:cNvPr>
+            <p:cNvSpPr/>
+            <p:nvPr/>
+          </p:nvSpPr>
+          <p:spPr>
+            <a:xfrm rot="20885484">
+              <a:off x="-1309946" y="-1309094"/>
+              <a:ext cx="14315183" cy="10321398"/>
+            </a:xfrm>
+            <a:prstGeom prst="rect">
+              <a:avLst/>
+            </a:prstGeom>
+            <a:gradFill>
+              <a:gsLst>
+                <a:gs pos="0">
+                  <a:schemeClr val="accent4">
+                    <a:alpha val="73000"/>
+                  </a:schemeClr>
+                </a:gs>
+                <a:gs pos="20000">
+                  <a:schemeClr val="bg1">
+                    <a:alpha val="0"/>
+                  </a:schemeClr>
+                </a:gs>
+                <a:gs pos="80000">
+                  <a:schemeClr val="bg1">
+                    <a:alpha val="0"/>
+                  </a:schemeClr>
+                </a:gs>
+                <a:gs pos="100000">
+                  <a:schemeClr val="accent2">
+                    <a:alpha val="88000"/>
+                  </a:schemeClr>
+                </a:gs>
+              </a:gsLst>
+              <a:lin ang="5400000" scaled="1"/>
+            </a:gradFill>
+            <a:ln>
+              <a:noFill/>
+            </a:ln>
+          </p:spPr>
+          <p:style>
+            <a:lnRef idx="0">
+              <a:scrgbClr r="0" g="0" b="0"/>
+            </a:lnRef>
+            <a:fillRef idx="0">
+              <a:scrgbClr r="0" g="0" b="0"/>
+            </a:fillRef>
+            <a:effectRef idx="0">
+              <a:scrgbClr r="0" g="0" b="0"/>
+            </a:effectRef>
+            <a:fontRef idx="minor">
+              <a:schemeClr val="dk1"/>
+            </a:fontRef>
+          </p:style>
+          <p:txBody>
+            <a:bodyPr rtlCol="0" anchor="ctr"/>
+            <a:lstStyle/>
+            <a:p>
+              <a:pPr algn="ctr"/>
+              <a:endParaRPr lang="fr-FR" dirty="0"/>
+            </a:p>
+          </p:txBody>
+        </p:sp>
+      </p:grpSp>
     </p:spTree>
     <p:extLst>
       <p:ext uri="{BB962C8B-B14F-4D97-AF65-F5344CB8AC3E}">
@@ -4636,9 +7355,26 @@
           <a:lstStyle/>
           <a:p>
             <a:r>
-              <a:rPr lang="fr-FR"/>
-              <a:t>Allan Couderette - H3 Hitema</a:t>
-            </a:r>
+              <a:rPr lang="fr-FR" b="1" dirty="0">
+                <a:solidFill>
+                  <a:schemeClr val="tx1"/>
+                </a:solidFill>
+              </a:rPr>
+              <a:t>Allan Couderette - H3 </a:t>
+            </a:r>
+            <a:r>
+              <a:rPr lang="fr-FR" b="1" dirty="0" err="1">
+                <a:solidFill>
+                  <a:schemeClr val="tx1"/>
+                </a:solidFill>
+              </a:rPr>
+              <a:t>Hitema</a:t>
+            </a:r>
+            <a:endParaRPr lang="fr-FR" b="1" dirty="0">
+              <a:solidFill>
+                <a:schemeClr val="tx1"/>
+              </a:solidFill>
+            </a:endParaRPr>
           </a:p>
         </p:txBody>
       </p:sp>
@@ -4664,10 +7400,18 @@
           <a:lstStyle/>
           <a:p>
             <a:fld id="{1ED3C5C4-F6EE-4910-9FCD-8A37C84F56ED}" type="slidenum">
-              <a:rPr lang="fr-FR" smtClean="0"/>
+              <a:rPr lang="fr-FR" b="1" smtClean="0">
+                <a:solidFill>
+                  <a:schemeClr val="tx1"/>
+                </a:solidFill>
+              </a:rPr>
               <a:t>14</a:t>
             </a:fld>
-            <a:endParaRPr lang="fr-FR"/>
+            <a:endParaRPr lang="fr-FR" b="1" dirty="0">
+              <a:solidFill>
+                <a:schemeClr val="tx1"/>
+              </a:solidFill>
+            </a:endParaRPr>
           </a:p>
         </p:txBody>
       </p:sp>
@@ -4686,7 +7430,7 @@
           <p:nvPr/>
         </p:nvPicPr>
         <p:blipFill>
-          <a:blip r:embed="rId2"/>
+          <a:blip r:embed="rId3"/>
           <a:stretch>
             <a:fillRect/>
           </a:stretch>
@@ -4701,6 +7445,178 @@
           </a:prstGeom>
         </p:spPr>
       </p:pic>
+      <p:grpSp>
+        <p:nvGrpSpPr>
+          <p:cNvPr id="13" name="Groupe 12">
+            <a:extLst>
+              <a:ext uri="{FF2B5EF4-FFF2-40B4-BE49-F238E27FC236}">
+                <a16:creationId xmlns:a16="http://schemas.microsoft.com/office/drawing/2014/main" id="{4F36ADA6-BCB8-476D-A151-1C1B4CE103AA}"/>
+              </a:ext>
+            </a:extLst>
+          </p:cNvPr>
+          <p:cNvGrpSpPr/>
+          <p:nvPr/>
+        </p:nvGrpSpPr>
+        <p:grpSpPr>
+          <a:xfrm>
+            <a:off x="-1309946" y="-1309094"/>
+            <a:ext cx="14411726" cy="10321398"/>
+            <a:chOff x="-1309946" y="-1309094"/>
+            <a:chExt cx="14411726" cy="10321398"/>
+          </a:xfrm>
+        </p:grpSpPr>
+        <p:sp>
+          <p:nvSpPr>
+            <p:cNvPr id="14" name="Rectangle 13">
+              <a:extLst>
+                <a:ext uri="{FF2B5EF4-FFF2-40B4-BE49-F238E27FC236}">
+                  <a16:creationId xmlns:a16="http://schemas.microsoft.com/office/drawing/2014/main" id="{4A7B7419-B1B6-495C-88D1-B8EC774BD1FA}"/>
+                </a:ext>
+              </a:extLst>
+            </p:cNvPr>
+            <p:cNvSpPr/>
+            <p:nvPr/>
+          </p:nvSpPr>
+          <p:spPr>
+            <a:xfrm rot="229883">
+              <a:off x="-712931" y="-928344"/>
+              <a:ext cx="13814711" cy="8582927"/>
+            </a:xfrm>
+            <a:prstGeom prst="rect">
+              <a:avLst/>
+            </a:prstGeom>
+            <a:gradFill>
+              <a:gsLst>
+                <a:gs pos="0">
+                  <a:schemeClr val="accent4">
+                    <a:alpha val="73000"/>
+                  </a:schemeClr>
+                </a:gs>
+                <a:gs pos="22000">
+                  <a:schemeClr val="bg1">
+                    <a:alpha val="0"/>
+                  </a:schemeClr>
+                </a:gs>
+                <a:gs pos="85000">
+                  <a:schemeClr val="bg1">
+                    <a:alpha val="0"/>
+                  </a:schemeClr>
+                </a:gs>
+                <a:gs pos="100000">
+                  <a:schemeClr val="accent2">
+                    <a:alpha val="88000"/>
+                  </a:schemeClr>
+                </a:gs>
+              </a:gsLst>
+              <a:lin ang="5400000" scaled="1"/>
+            </a:gradFill>
+            <a:ln>
+              <a:noFill/>
+            </a:ln>
+            <a:effectLst>
+              <a:outerShdw blurRad="50800" dist="50800" dir="5400000" algn="ctr" rotWithShape="0">
+                <a:schemeClr val="bg1"/>
+              </a:outerShdw>
+            </a:effectLst>
+          </p:spPr>
+          <p:style>
+            <a:lnRef idx="2">
+              <a:schemeClr val="accent2">
+                <a:shade val="50000"/>
+              </a:schemeClr>
+            </a:lnRef>
+            <a:fillRef idx="1">
+              <a:schemeClr val="accent2"/>
+            </a:fillRef>
+            <a:effectRef idx="0">
+              <a:schemeClr val="accent2"/>
+            </a:effectRef>
+            <a:fontRef idx="minor">
+              <a:schemeClr val="lt1"/>
+            </a:fontRef>
+          </p:style>
+          <p:txBody>
+            <a:bodyPr rtlCol="0" anchor="ctr"/>
+            <a:lstStyle/>
+            <a:p>
+              <a:pPr algn="ctr"/>
+              <a:endParaRPr lang="fr-FR"/>
+            </a:p>
+          </p:txBody>
+        </p:sp>
+        <p:sp>
+          <p:nvSpPr>
+            <p:cNvPr id="15" name="Rectangle 14">
+              <a:extLst>
+                <a:ext uri="{FF2B5EF4-FFF2-40B4-BE49-F238E27FC236}">
+                  <a16:creationId xmlns:a16="http://schemas.microsoft.com/office/drawing/2014/main" id="{BC66E33D-E61F-443D-B06A-2F44D52EFC52}"/>
+                </a:ext>
+              </a:extLst>
+            </p:cNvPr>
+            <p:cNvSpPr/>
+            <p:nvPr/>
+          </p:nvSpPr>
+          <p:spPr>
+            <a:xfrm rot="20885484">
+              <a:off x="-1309946" y="-1309094"/>
+              <a:ext cx="14315183" cy="10321398"/>
+            </a:xfrm>
+            <a:prstGeom prst="rect">
+              <a:avLst/>
+            </a:prstGeom>
+            <a:gradFill>
+              <a:gsLst>
+                <a:gs pos="0">
+                  <a:schemeClr val="accent4">
+                    <a:alpha val="73000"/>
+                  </a:schemeClr>
+                </a:gs>
+                <a:gs pos="20000">
+                  <a:schemeClr val="bg1">
+                    <a:alpha val="0"/>
+                  </a:schemeClr>
+                </a:gs>
+                <a:gs pos="80000">
+                  <a:schemeClr val="bg1">
+                    <a:alpha val="0"/>
+                  </a:schemeClr>
+                </a:gs>
+                <a:gs pos="100000">
+                  <a:schemeClr val="accent2">
+                    <a:alpha val="88000"/>
+                  </a:schemeClr>
+                </a:gs>
+              </a:gsLst>
+              <a:lin ang="5400000" scaled="1"/>
+            </a:gradFill>
+            <a:ln>
+              <a:noFill/>
+            </a:ln>
+          </p:spPr>
+          <p:style>
+            <a:lnRef idx="0">
+              <a:scrgbClr r="0" g="0" b="0"/>
+            </a:lnRef>
+            <a:fillRef idx="0">
+              <a:scrgbClr r="0" g="0" b="0"/>
+            </a:fillRef>
+            <a:effectRef idx="0">
+              <a:scrgbClr r="0" g="0" b="0"/>
+            </a:effectRef>
+            <a:fontRef idx="minor">
+              <a:schemeClr val="dk1"/>
+            </a:fontRef>
+          </p:style>
+          <p:txBody>
+            <a:bodyPr rtlCol="0" anchor="ctr"/>
+            <a:lstStyle/>
+            <a:p>
+              <a:pPr algn="ctr"/>
+              <a:endParaRPr lang="fr-FR" dirty="0"/>
+            </a:p>
+          </p:txBody>
+        </p:sp>
+      </p:grpSp>
     </p:spTree>
     <p:extLst>
       <p:ext uri="{BB962C8B-B14F-4D97-AF65-F5344CB8AC3E}">
@@ -4815,9 +7731,26 @@
           <a:lstStyle/>
           <a:p>
             <a:r>
-              <a:rPr lang="fr-FR"/>
-              <a:t>Allan Couderette - H3 Hitema</a:t>
-            </a:r>
+              <a:rPr lang="fr-FR" b="1" dirty="0">
+                <a:solidFill>
+                  <a:schemeClr val="tx1"/>
+                </a:solidFill>
+              </a:rPr>
+              <a:t>Allan Couderette - H3 </a:t>
+            </a:r>
+            <a:r>
+              <a:rPr lang="fr-FR" b="1" dirty="0" err="1">
+                <a:solidFill>
+                  <a:schemeClr val="tx1"/>
+                </a:solidFill>
+              </a:rPr>
+              <a:t>Hitema</a:t>
+            </a:r>
+            <a:endParaRPr lang="fr-FR" b="1" dirty="0">
+              <a:solidFill>
+                <a:schemeClr val="tx1"/>
+              </a:solidFill>
+            </a:endParaRPr>
           </a:p>
         </p:txBody>
       </p:sp>
@@ -4843,13 +7776,193 @@
           <a:lstStyle/>
           <a:p>
             <a:fld id="{1ED3C5C4-F6EE-4910-9FCD-8A37C84F56ED}" type="slidenum">
-              <a:rPr lang="fr-FR" smtClean="0"/>
+              <a:rPr lang="fr-FR" b="1" smtClean="0">
+                <a:solidFill>
+                  <a:schemeClr val="tx1"/>
+                </a:solidFill>
+              </a:rPr>
               <a:t>15</a:t>
             </a:fld>
-            <a:endParaRPr lang="fr-FR"/>
-          </a:p>
-        </p:txBody>
-      </p:sp>
+            <a:endParaRPr lang="fr-FR" b="1" dirty="0">
+              <a:solidFill>
+                <a:schemeClr val="tx1"/>
+              </a:solidFill>
+            </a:endParaRPr>
+          </a:p>
+        </p:txBody>
+      </p:sp>
+      <p:grpSp>
+        <p:nvGrpSpPr>
+          <p:cNvPr id="11" name="Groupe 10">
+            <a:extLst>
+              <a:ext uri="{FF2B5EF4-FFF2-40B4-BE49-F238E27FC236}">
+                <a16:creationId xmlns:a16="http://schemas.microsoft.com/office/drawing/2014/main" id="{1F8492D5-321B-46A2-B0D2-7009BF9D7DEC}"/>
+              </a:ext>
+            </a:extLst>
+          </p:cNvPr>
+          <p:cNvGrpSpPr/>
+          <p:nvPr/>
+        </p:nvGrpSpPr>
+        <p:grpSpPr>
+          <a:xfrm>
+            <a:off x="-1309946" y="-1309094"/>
+            <a:ext cx="14411726" cy="10321398"/>
+            <a:chOff x="-1309946" y="-1309094"/>
+            <a:chExt cx="14411726" cy="10321398"/>
+          </a:xfrm>
+        </p:grpSpPr>
+        <p:sp>
+          <p:nvSpPr>
+            <p:cNvPr id="12" name="Rectangle 11">
+              <a:extLst>
+                <a:ext uri="{FF2B5EF4-FFF2-40B4-BE49-F238E27FC236}">
+                  <a16:creationId xmlns:a16="http://schemas.microsoft.com/office/drawing/2014/main" id="{688928DC-A93C-4D22-8F00-5069FB2BA1D6}"/>
+                </a:ext>
+              </a:extLst>
+            </p:cNvPr>
+            <p:cNvSpPr/>
+            <p:nvPr/>
+          </p:nvSpPr>
+          <p:spPr>
+            <a:xfrm rot="229883">
+              <a:off x="-712931" y="-928344"/>
+              <a:ext cx="13814711" cy="8582927"/>
+            </a:xfrm>
+            <a:prstGeom prst="rect">
+              <a:avLst/>
+            </a:prstGeom>
+            <a:gradFill>
+              <a:gsLst>
+                <a:gs pos="0">
+                  <a:schemeClr val="accent4">
+                    <a:alpha val="73000"/>
+                  </a:schemeClr>
+                </a:gs>
+                <a:gs pos="22000">
+                  <a:schemeClr val="bg1">
+                    <a:alpha val="0"/>
+                  </a:schemeClr>
+                </a:gs>
+                <a:gs pos="85000">
+                  <a:schemeClr val="bg1">
+                    <a:alpha val="0"/>
+                  </a:schemeClr>
+                </a:gs>
+                <a:gs pos="100000">
+                  <a:schemeClr val="accent2">
+                    <a:alpha val="88000"/>
+                  </a:schemeClr>
+                </a:gs>
+              </a:gsLst>
+              <a:lin ang="5400000" scaled="1"/>
+            </a:gradFill>
+            <a:ln>
+              <a:noFill/>
+            </a:ln>
+            <a:effectLst>
+              <a:outerShdw blurRad="50800" dist="50800" dir="5400000" algn="ctr" rotWithShape="0">
+                <a:schemeClr val="bg1"/>
+              </a:outerShdw>
+            </a:effectLst>
+          </p:spPr>
+          <p:style>
+            <a:lnRef idx="2">
+              <a:schemeClr val="accent2">
+                <a:shade val="50000"/>
+              </a:schemeClr>
+            </a:lnRef>
+            <a:fillRef idx="1">
+              <a:schemeClr val="accent2"/>
+            </a:fillRef>
+            <a:effectRef idx="0">
+              <a:schemeClr val="accent2"/>
+            </a:effectRef>
+            <a:fontRef idx="minor">
+              <a:schemeClr val="lt1"/>
+            </a:fontRef>
+          </p:style>
+          <p:txBody>
+            <a:bodyPr rtlCol="0" anchor="ctr"/>
+            <a:lstStyle/>
+            <a:p>
+              <a:pPr algn="ctr"/>
+              <a:endParaRPr lang="fr-FR"/>
+            </a:p>
+          </p:txBody>
+        </p:sp>
+        <p:sp>
+          <p:nvSpPr>
+            <p:cNvPr id="13" name="Rectangle 12">
+              <a:extLst>
+                <a:ext uri="{FF2B5EF4-FFF2-40B4-BE49-F238E27FC236}">
+                  <a16:creationId xmlns:a16="http://schemas.microsoft.com/office/drawing/2014/main" id="{F7C1E7BF-B337-494B-AC5A-CB3C39A10EA5}"/>
+                </a:ext>
+              </a:extLst>
+            </p:cNvPr>
+            <p:cNvSpPr/>
+            <p:nvPr/>
+          </p:nvSpPr>
+          <p:spPr>
+            <a:xfrm rot="20885484">
+              <a:off x="-1309946" y="-1309094"/>
+              <a:ext cx="14315183" cy="10321398"/>
+            </a:xfrm>
+            <a:prstGeom prst="rect">
+              <a:avLst/>
+            </a:prstGeom>
+            <a:gradFill>
+              <a:gsLst>
+                <a:gs pos="0">
+                  <a:schemeClr val="accent4">
+                    <a:alpha val="73000"/>
+                  </a:schemeClr>
+                </a:gs>
+                <a:gs pos="20000">
+                  <a:schemeClr val="bg1">
+                    <a:alpha val="0"/>
+                  </a:schemeClr>
+                </a:gs>
+                <a:gs pos="80000">
+                  <a:schemeClr val="bg1">
+                    <a:alpha val="0"/>
+                  </a:schemeClr>
+                </a:gs>
+                <a:gs pos="100000">
+                  <a:schemeClr val="accent2">
+                    <a:alpha val="88000"/>
+                  </a:schemeClr>
+                </a:gs>
+              </a:gsLst>
+              <a:lin ang="5400000" scaled="1"/>
+            </a:gradFill>
+            <a:ln>
+              <a:noFill/>
+            </a:ln>
+          </p:spPr>
+          <p:style>
+            <a:lnRef idx="0">
+              <a:scrgbClr r="0" g="0" b="0"/>
+            </a:lnRef>
+            <a:fillRef idx="0">
+              <a:scrgbClr r="0" g="0" b="0"/>
+            </a:fillRef>
+            <a:effectRef idx="0">
+              <a:scrgbClr r="0" g="0" b="0"/>
+            </a:effectRef>
+            <a:fontRef idx="minor">
+              <a:schemeClr val="dk1"/>
+            </a:fontRef>
+          </p:style>
+          <p:txBody>
+            <a:bodyPr rtlCol="0" anchor="ctr"/>
+            <a:lstStyle/>
+            <a:p>
+              <a:pPr algn="ctr"/>
+              <a:endParaRPr lang="fr-FR" dirty="0"/>
+            </a:p>
+          </p:txBody>
+        </p:sp>
+      </p:grpSp>
     </p:spTree>
     <p:extLst>
       <p:ext uri="{BB962C8B-B14F-4D97-AF65-F5344CB8AC3E}">
@@ -4979,9 +8092,26 @@
           <a:lstStyle/>
           <a:p>
             <a:r>
-              <a:rPr lang="fr-FR"/>
-              <a:t>Allan Couderette - H3 Hitema</a:t>
-            </a:r>
+              <a:rPr lang="fr-FR" b="1" dirty="0">
+                <a:solidFill>
+                  <a:schemeClr val="tx1"/>
+                </a:solidFill>
+              </a:rPr>
+              <a:t>Allan Couderette - H3 </a:t>
+            </a:r>
+            <a:r>
+              <a:rPr lang="fr-FR" b="1" dirty="0" err="1">
+                <a:solidFill>
+                  <a:schemeClr val="tx1"/>
+                </a:solidFill>
+              </a:rPr>
+              <a:t>Hitema</a:t>
+            </a:r>
+            <a:endParaRPr lang="fr-FR" b="1" dirty="0">
+              <a:solidFill>
+                <a:schemeClr val="tx1"/>
+              </a:solidFill>
+            </a:endParaRPr>
           </a:p>
         </p:txBody>
       </p:sp>
@@ -5007,13 +8137,193 @@
           <a:lstStyle/>
           <a:p>
             <a:fld id="{1ED3C5C4-F6EE-4910-9FCD-8A37C84F56ED}" type="slidenum">
-              <a:rPr lang="fr-FR" smtClean="0"/>
+              <a:rPr lang="fr-FR" b="1" smtClean="0">
+                <a:solidFill>
+                  <a:schemeClr val="tx1"/>
+                </a:solidFill>
+              </a:rPr>
               <a:t>16</a:t>
             </a:fld>
-            <a:endParaRPr lang="fr-FR"/>
-          </a:p>
-        </p:txBody>
-      </p:sp>
+            <a:endParaRPr lang="fr-FR" b="1" dirty="0">
+              <a:solidFill>
+                <a:schemeClr val="tx1"/>
+              </a:solidFill>
+            </a:endParaRPr>
+          </a:p>
+        </p:txBody>
+      </p:sp>
+      <p:grpSp>
+        <p:nvGrpSpPr>
+          <p:cNvPr id="11" name="Groupe 10">
+            <a:extLst>
+              <a:ext uri="{FF2B5EF4-FFF2-40B4-BE49-F238E27FC236}">
+                <a16:creationId xmlns:a16="http://schemas.microsoft.com/office/drawing/2014/main" id="{7F830182-2390-4B34-97F9-0DA18E78EA04}"/>
+              </a:ext>
+            </a:extLst>
+          </p:cNvPr>
+          <p:cNvGrpSpPr/>
+          <p:nvPr/>
+        </p:nvGrpSpPr>
+        <p:grpSpPr>
+          <a:xfrm>
+            <a:off x="-1309946" y="-1309094"/>
+            <a:ext cx="14411726" cy="10321398"/>
+            <a:chOff x="-1309946" y="-1309094"/>
+            <a:chExt cx="14411726" cy="10321398"/>
+          </a:xfrm>
+        </p:grpSpPr>
+        <p:sp>
+          <p:nvSpPr>
+            <p:cNvPr id="12" name="Rectangle 11">
+              <a:extLst>
+                <a:ext uri="{FF2B5EF4-FFF2-40B4-BE49-F238E27FC236}">
+                  <a16:creationId xmlns:a16="http://schemas.microsoft.com/office/drawing/2014/main" id="{98E85AAA-B5BE-49F0-919C-D62FD455DD99}"/>
+                </a:ext>
+              </a:extLst>
+            </p:cNvPr>
+            <p:cNvSpPr/>
+            <p:nvPr/>
+          </p:nvSpPr>
+          <p:spPr>
+            <a:xfrm rot="229883">
+              <a:off x="-712931" y="-928344"/>
+              <a:ext cx="13814711" cy="8582927"/>
+            </a:xfrm>
+            <a:prstGeom prst="rect">
+              <a:avLst/>
+            </a:prstGeom>
+            <a:gradFill>
+              <a:gsLst>
+                <a:gs pos="0">
+                  <a:schemeClr val="accent4">
+                    <a:alpha val="73000"/>
+                  </a:schemeClr>
+                </a:gs>
+                <a:gs pos="22000">
+                  <a:schemeClr val="bg1">
+                    <a:alpha val="0"/>
+                  </a:schemeClr>
+                </a:gs>
+                <a:gs pos="85000">
+                  <a:schemeClr val="bg1">
+                    <a:alpha val="0"/>
+                  </a:schemeClr>
+                </a:gs>
+                <a:gs pos="100000">
+                  <a:schemeClr val="accent2">
+                    <a:alpha val="88000"/>
+                  </a:schemeClr>
+                </a:gs>
+              </a:gsLst>
+              <a:lin ang="5400000" scaled="1"/>
+            </a:gradFill>
+            <a:ln>
+              <a:noFill/>
+            </a:ln>
+            <a:effectLst>
+              <a:outerShdw blurRad="50800" dist="50800" dir="5400000" algn="ctr" rotWithShape="0">
+                <a:schemeClr val="bg1"/>
+              </a:outerShdw>
+            </a:effectLst>
+          </p:spPr>
+          <p:style>
+            <a:lnRef idx="2">
+              <a:schemeClr val="accent2">
+                <a:shade val="50000"/>
+              </a:schemeClr>
+            </a:lnRef>
+            <a:fillRef idx="1">
+              <a:schemeClr val="accent2"/>
+            </a:fillRef>
+            <a:effectRef idx="0">
+              <a:schemeClr val="accent2"/>
+            </a:effectRef>
+            <a:fontRef idx="minor">
+              <a:schemeClr val="lt1"/>
+            </a:fontRef>
+          </p:style>
+          <p:txBody>
+            <a:bodyPr rtlCol="0" anchor="ctr"/>
+            <a:lstStyle/>
+            <a:p>
+              <a:pPr algn="ctr"/>
+              <a:endParaRPr lang="fr-FR"/>
+            </a:p>
+          </p:txBody>
+        </p:sp>
+        <p:sp>
+          <p:nvSpPr>
+            <p:cNvPr id="13" name="Rectangle 12">
+              <a:extLst>
+                <a:ext uri="{FF2B5EF4-FFF2-40B4-BE49-F238E27FC236}">
+                  <a16:creationId xmlns:a16="http://schemas.microsoft.com/office/drawing/2014/main" id="{1170E688-C695-4B16-805C-0B9BB4FE4824}"/>
+                </a:ext>
+              </a:extLst>
+            </p:cNvPr>
+            <p:cNvSpPr/>
+            <p:nvPr/>
+          </p:nvSpPr>
+          <p:spPr>
+            <a:xfrm rot="20885484">
+              <a:off x="-1309946" y="-1309094"/>
+              <a:ext cx="14315183" cy="10321398"/>
+            </a:xfrm>
+            <a:prstGeom prst="rect">
+              <a:avLst/>
+            </a:prstGeom>
+            <a:gradFill>
+              <a:gsLst>
+                <a:gs pos="0">
+                  <a:schemeClr val="accent4">
+                    <a:alpha val="73000"/>
+                  </a:schemeClr>
+                </a:gs>
+                <a:gs pos="20000">
+                  <a:schemeClr val="bg1">
+                    <a:alpha val="0"/>
+                  </a:schemeClr>
+                </a:gs>
+                <a:gs pos="80000">
+                  <a:schemeClr val="bg1">
+                    <a:alpha val="0"/>
+                  </a:schemeClr>
+                </a:gs>
+                <a:gs pos="100000">
+                  <a:schemeClr val="accent2">
+                    <a:alpha val="88000"/>
+                  </a:schemeClr>
+                </a:gs>
+              </a:gsLst>
+              <a:lin ang="5400000" scaled="1"/>
+            </a:gradFill>
+            <a:ln>
+              <a:noFill/>
+            </a:ln>
+          </p:spPr>
+          <p:style>
+            <a:lnRef idx="0">
+              <a:scrgbClr r="0" g="0" b="0"/>
+            </a:lnRef>
+            <a:fillRef idx="0">
+              <a:scrgbClr r="0" g="0" b="0"/>
+            </a:fillRef>
+            <a:effectRef idx="0">
+              <a:scrgbClr r="0" g="0" b="0"/>
+            </a:effectRef>
+            <a:fontRef idx="minor">
+              <a:schemeClr val="dk1"/>
+            </a:fontRef>
+          </p:style>
+          <p:txBody>
+            <a:bodyPr rtlCol="0" anchor="ctr"/>
+            <a:lstStyle/>
+            <a:p>
+              <a:pPr algn="ctr"/>
+              <a:endParaRPr lang="fr-FR" dirty="0"/>
+            </a:p>
+          </p:txBody>
+        </p:sp>
+      </p:grpSp>
     </p:spTree>
     <p:extLst>
       <p:ext uri="{BB962C8B-B14F-4D97-AF65-F5344CB8AC3E}">
@@ -5091,7 +8401,7 @@
           </p:nvPr>
         </p:nvPicPr>
         <p:blipFill>
-          <a:blip r:embed="rId2">
+          <a:blip r:embed="rId3">
             <a:extLst>
               <a:ext uri="{28A0092B-C50C-407E-A947-70E740481C1C}">
                 <a14:useLocalDpi xmlns:a14="http://schemas.microsoft.com/office/drawing/2010/main" val="0"/>
@@ -5124,7 +8434,7 @@
           <p:nvPr/>
         </p:nvPicPr>
         <p:blipFill>
-          <a:blip r:embed="rId3">
+          <a:blip r:embed="rId4">
             <a:extLst>
               <a:ext uri="{28A0092B-C50C-407E-A947-70E740481C1C}">
                 <a14:useLocalDpi xmlns:a14="http://schemas.microsoft.com/office/drawing/2010/main" val="0"/>
@@ -5251,9 +8561,26 @@
           <a:lstStyle/>
           <a:p>
             <a:r>
-              <a:rPr lang="fr-FR"/>
-              <a:t>Allan Couderette - H3 Hitema</a:t>
-            </a:r>
+              <a:rPr lang="fr-FR" b="1" dirty="0">
+                <a:solidFill>
+                  <a:schemeClr val="tx1"/>
+                </a:solidFill>
+              </a:rPr>
+              <a:t>Allan Couderette - H3 </a:t>
+            </a:r>
+            <a:r>
+              <a:rPr lang="fr-FR" b="1" dirty="0" err="1">
+                <a:solidFill>
+                  <a:schemeClr val="tx1"/>
+                </a:solidFill>
+              </a:rPr>
+              <a:t>Hitema</a:t>
+            </a:r>
+            <a:endParaRPr lang="fr-FR" b="1" dirty="0">
+              <a:solidFill>
+                <a:schemeClr val="tx1"/>
+              </a:solidFill>
+            </a:endParaRPr>
           </a:p>
         </p:txBody>
       </p:sp>
@@ -5279,13 +8606,193 @@
           <a:lstStyle/>
           <a:p>
             <a:fld id="{1ED3C5C4-F6EE-4910-9FCD-8A37C84F56ED}" type="slidenum">
-              <a:rPr lang="fr-FR" smtClean="0"/>
+              <a:rPr lang="fr-FR" b="1" smtClean="0">
+                <a:solidFill>
+                  <a:schemeClr val="tx1"/>
+                </a:solidFill>
+              </a:rPr>
               <a:t>2</a:t>
             </a:fld>
-            <a:endParaRPr lang="fr-FR"/>
-          </a:p>
-        </p:txBody>
-      </p:sp>
+            <a:endParaRPr lang="fr-FR" b="1" dirty="0">
+              <a:solidFill>
+                <a:schemeClr val="tx1"/>
+              </a:solidFill>
+            </a:endParaRPr>
+          </a:p>
+        </p:txBody>
+      </p:sp>
+      <p:grpSp>
+        <p:nvGrpSpPr>
+          <p:cNvPr id="18" name="Groupe 17">
+            <a:extLst>
+              <a:ext uri="{FF2B5EF4-FFF2-40B4-BE49-F238E27FC236}">
+                <a16:creationId xmlns:a16="http://schemas.microsoft.com/office/drawing/2014/main" id="{CE52081B-E05C-4CBD-8A73-30DCE4C79C21}"/>
+              </a:ext>
+            </a:extLst>
+          </p:cNvPr>
+          <p:cNvGrpSpPr/>
+          <p:nvPr/>
+        </p:nvGrpSpPr>
+        <p:grpSpPr>
+          <a:xfrm>
+            <a:off x="-1309946" y="-1309094"/>
+            <a:ext cx="14411726" cy="10321398"/>
+            <a:chOff x="-1309946" y="-1309094"/>
+            <a:chExt cx="14411726" cy="10321398"/>
+          </a:xfrm>
+        </p:grpSpPr>
+        <p:sp>
+          <p:nvSpPr>
+            <p:cNvPr id="19" name="Rectangle 18">
+              <a:extLst>
+                <a:ext uri="{FF2B5EF4-FFF2-40B4-BE49-F238E27FC236}">
+                  <a16:creationId xmlns:a16="http://schemas.microsoft.com/office/drawing/2014/main" id="{E4DD40F1-8837-4E62-9EB4-EBBF33B90FD8}"/>
+                </a:ext>
+              </a:extLst>
+            </p:cNvPr>
+            <p:cNvSpPr/>
+            <p:nvPr/>
+          </p:nvSpPr>
+          <p:spPr>
+            <a:xfrm rot="229883">
+              <a:off x="-712931" y="-928344"/>
+              <a:ext cx="13814711" cy="8582927"/>
+            </a:xfrm>
+            <a:prstGeom prst="rect">
+              <a:avLst/>
+            </a:prstGeom>
+            <a:gradFill>
+              <a:gsLst>
+                <a:gs pos="0">
+                  <a:schemeClr val="accent4">
+                    <a:alpha val="73000"/>
+                  </a:schemeClr>
+                </a:gs>
+                <a:gs pos="22000">
+                  <a:schemeClr val="bg1">
+                    <a:alpha val="0"/>
+                  </a:schemeClr>
+                </a:gs>
+                <a:gs pos="85000">
+                  <a:schemeClr val="bg1">
+                    <a:alpha val="0"/>
+                  </a:schemeClr>
+                </a:gs>
+                <a:gs pos="100000">
+                  <a:schemeClr val="accent2">
+                    <a:alpha val="88000"/>
+                  </a:schemeClr>
+                </a:gs>
+              </a:gsLst>
+              <a:lin ang="5400000" scaled="1"/>
+            </a:gradFill>
+            <a:ln>
+              <a:noFill/>
+            </a:ln>
+            <a:effectLst>
+              <a:outerShdw blurRad="50800" dist="50800" dir="5400000" algn="ctr" rotWithShape="0">
+                <a:schemeClr val="bg1"/>
+              </a:outerShdw>
+            </a:effectLst>
+          </p:spPr>
+          <p:style>
+            <a:lnRef idx="2">
+              <a:schemeClr val="accent2">
+                <a:shade val="50000"/>
+              </a:schemeClr>
+            </a:lnRef>
+            <a:fillRef idx="1">
+              <a:schemeClr val="accent2"/>
+            </a:fillRef>
+            <a:effectRef idx="0">
+              <a:schemeClr val="accent2"/>
+            </a:effectRef>
+            <a:fontRef idx="minor">
+              <a:schemeClr val="lt1"/>
+            </a:fontRef>
+          </p:style>
+          <p:txBody>
+            <a:bodyPr rtlCol="0" anchor="ctr"/>
+            <a:lstStyle/>
+            <a:p>
+              <a:pPr algn="ctr"/>
+              <a:endParaRPr lang="fr-FR"/>
+            </a:p>
+          </p:txBody>
+        </p:sp>
+        <p:sp>
+          <p:nvSpPr>
+            <p:cNvPr id="20" name="Rectangle 19">
+              <a:extLst>
+                <a:ext uri="{FF2B5EF4-FFF2-40B4-BE49-F238E27FC236}">
+                  <a16:creationId xmlns:a16="http://schemas.microsoft.com/office/drawing/2014/main" id="{ECC44BE8-1E94-4094-A691-AA5B63831385}"/>
+                </a:ext>
+              </a:extLst>
+            </p:cNvPr>
+            <p:cNvSpPr/>
+            <p:nvPr/>
+          </p:nvSpPr>
+          <p:spPr>
+            <a:xfrm rot="20885484">
+              <a:off x="-1309946" y="-1309094"/>
+              <a:ext cx="14315183" cy="10321398"/>
+            </a:xfrm>
+            <a:prstGeom prst="rect">
+              <a:avLst/>
+            </a:prstGeom>
+            <a:gradFill>
+              <a:gsLst>
+                <a:gs pos="0">
+                  <a:schemeClr val="accent4">
+                    <a:alpha val="73000"/>
+                  </a:schemeClr>
+                </a:gs>
+                <a:gs pos="20000">
+                  <a:schemeClr val="bg1">
+                    <a:alpha val="0"/>
+                  </a:schemeClr>
+                </a:gs>
+                <a:gs pos="80000">
+                  <a:schemeClr val="bg1">
+                    <a:alpha val="0"/>
+                  </a:schemeClr>
+                </a:gs>
+                <a:gs pos="100000">
+                  <a:schemeClr val="accent2">
+                    <a:alpha val="88000"/>
+                  </a:schemeClr>
+                </a:gs>
+              </a:gsLst>
+              <a:lin ang="5400000" scaled="1"/>
+            </a:gradFill>
+            <a:ln>
+              <a:noFill/>
+            </a:ln>
+          </p:spPr>
+          <p:style>
+            <a:lnRef idx="0">
+              <a:scrgbClr r="0" g="0" b="0"/>
+            </a:lnRef>
+            <a:fillRef idx="0">
+              <a:scrgbClr r="0" g="0" b="0"/>
+            </a:fillRef>
+            <a:effectRef idx="0">
+              <a:scrgbClr r="0" g="0" b="0"/>
+            </a:effectRef>
+            <a:fontRef idx="minor">
+              <a:schemeClr val="dk1"/>
+            </a:fontRef>
+          </p:style>
+          <p:txBody>
+            <a:bodyPr rtlCol="0" anchor="ctr"/>
+            <a:lstStyle/>
+            <a:p>
+              <a:pPr algn="ctr"/>
+              <a:endParaRPr lang="fr-FR" dirty="0"/>
+            </a:p>
+          </p:txBody>
+        </p:sp>
+      </p:grpSp>
     </p:spTree>
     <p:extLst>
       <p:ext uri="{BB962C8B-B14F-4D97-AF65-F5344CB8AC3E}">
@@ -5406,9 +8913,26 @@
           <a:lstStyle/>
           <a:p>
             <a:r>
-              <a:rPr lang="fr-FR"/>
-              <a:t>Allan Couderette - H3 Hitema</a:t>
-            </a:r>
+              <a:rPr lang="fr-FR" b="1" dirty="0">
+                <a:solidFill>
+                  <a:schemeClr val="tx1"/>
+                </a:solidFill>
+              </a:rPr>
+              <a:t>Allan Couderette - H3 </a:t>
+            </a:r>
+            <a:r>
+              <a:rPr lang="fr-FR" b="1" dirty="0" err="1">
+                <a:solidFill>
+                  <a:schemeClr val="tx1"/>
+                </a:solidFill>
+              </a:rPr>
+              <a:t>Hitema</a:t>
+            </a:r>
+            <a:endParaRPr lang="fr-FR" b="1" dirty="0">
+              <a:solidFill>
+                <a:schemeClr val="tx1"/>
+              </a:solidFill>
+            </a:endParaRPr>
           </a:p>
         </p:txBody>
       </p:sp>
@@ -5434,13 +8958,193 @@
           <a:lstStyle/>
           <a:p>
             <a:fld id="{1ED3C5C4-F6EE-4910-9FCD-8A37C84F56ED}" type="slidenum">
-              <a:rPr lang="fr-FR" smtClean="0"/>
+              <a:rPr lang="fr-FR" b="1" smtClean="0">
+                <a:solidFill>
+                  <a:schemeClr val="tx1"/>
+                </a:solidFill>
+              </a:rPr>
               <a:t>3</a:t>
             </a:fld>
-            <a:endParaRPr lang="fr-FR"/>
-          </a:p>
-        </p:txBody>
-      </p:sp>
+            <a:endParaRPr lang="fr-FR" b="1" dirty="0">
+              <a:solidFill>
+                <a:schemeClr val="tx1"/>
+              </a:solidFill>
+            </a:endParaRPr>
+          </a:p>
+        </p:txBody>
+      </p:sp>
+      <p:grpSp>
+        <p:nvGrpSpPr>
+          <p:cNvPr id="11" name="Groupe 10">
+            <a:extLst>
+              <a:ext uri="{FF2B5EF4-FFF2-40B4-BE49-F238E27FC236}">
+                <a16:creationId xmlns:a16="http://schemas.microsoft.com/office/drawing/2014/main" id="{EF692E83-B2EE-4939-995D-8BB7AF9287FB}"/>
+              </a:ext>
+            </a:extLst>
+          </p:cNvPr>
+          <p:cNvGrpSpPr/>
+          <p:nvPr/>
+        </p:nvGrpSpPr>
+        <p:grpSpPr>
+          <a:xfrm>
+            <a:off x="-1309946" y="-1309094"/>
+            <a:ext cx="14411726" cy="10321398"/>
+            <a:chOff x="-1309946" y="-1309094"/>
+            <a:chExt cx="14411726" cy="10321398"/>
+          </a:xfrm>
+        </p:grpSpPr>
+        <p:sp>
+          <p:nvSpPr>
+            <p:cNvPr id="12" name="Rectangle 11">
+              <a:extLst>
+                <a:ext uri="{FF2B5EF4-FFF2-40B4-BE49-F238E27FC236}">
+                  <a16:creationId xmlns:a16="http://schemas.microsoft.com/office/drawing/2014/main" id="{78F6CCAD-FFCD-408C-A18A-E7BFF07986F7}"/>
+                </a:ext>
+              </a:extLst>
+            </p:cNvPr>
+            <p:cNvSpPr/>
+            <p:nvPr/>
+          </p:nvSpPr>
+          <p:spPr>
+            <a:xfrm rot="229883">
+              <a:off x="-712931" y="-928344"/>
+              <a:ext cx="13814711" cy="8582927"/>
+            </a:xfrm>
+            <a:prstGeom prst="rect">
+              <a:avLst/>
+            </a:prstGeom>
+            <a:gradFill>
+              <a:gsLst>
+                <a:gs pos="0">
+                  <a:schemeClr val="accent4">
+                    <a:alpha val="73000"/>
+                  </a:schemeClr>
+                </a:gs>
+                <a:gs pos="22000">
+                  <a:schemeClr val="bg1">
+                    <a:alpha val="0"/>
+                  </a:schemeClr>
+                </a:gs>
+                <a:gs pos="85000">
+                  <a:schemeClr val="bg1">
+                    <a:alpha val="0"/>
+                  </a:schemeClr>
+                </a:gs>
+                <a:gs pos="100000">
+                  <a:schemeClr val="accent2">
+                    <a:alpha val="88000"/>
+                  </a:schemeClr>
+                </a:gs>
+              </a:gsLst>
+              <a:lin ang="5400000" scaled="1"/>
+            </a:gradFill>
+            <a:ln>
+              <a:noFill/>
+            </a:ln>
+            <a:effectLst>
+              <a:outerShdw blurRad="50800" dist="50800" dir="5400000" algn="ctr" rotWithShape="0">
+                <a:schemeClr val="bg1"/>
+              </a:outerShdw>
+            </a:effectLst>
+          </p:spPr>
+          <p:style>
+            <a:lnRef idx="2">
+              <a:schemeClr val="accent2">
+                <a:shade val="50000"/>
+              </a:schemeClr>
+            </a:lnRef>
+            <a:fillRef idx="1">
+              <a:schemeClr val="accent2"/>
+            </a:fillRef>
+            <a:effectRef idx="0">
+              <a:schemeClr val="accent2"/>
+            </a:effectRef>
+            <a:fontRef idx="minor">
+              <a:schemeClr val="lt1"/>
+            </a:fontRef>
+          </p:style>
+          <p:txBody>
+            <a:bodyPr rtlCol="0" anchor="ctr"/>
+            <a:lstStyle/>
+            <a:p>
+              <a:pPr algn="ctr"/>
+              <a:endParaRPr lang="fr-FR"/>
+            </a:p>
+          </p:txBody>
+        </p:sp>
+        <p:sp>
+          <p:nvSpPr>
+            <p:cNvPr id="13" name="Rectangle 12">
+              <a:extLst>
+                <a:ext uri="{FF2B5EF4-FFF2-40B4-BE49-F238E27FC236}">
+                  <a16:creationId xmlns:a16="http://schemas.microsoft.com/office/drawing/2014/main" id="{0FEDE771-7008-4152-B339-3653C8E08829}"/>
+                </a:ext>
+              </a:extLst>
+            </p:cNvPr>
+            <p:cNvSpPr/>
+            <p:nvPr/>
+          </p:nvSpPr>
+          <p:spPr>
+            <a:xfrm rot="20885484">
+              <a:off x="-1309946" y="-1309094"/>
+              <a:ext cx="14315183" cy="10321398"/>
+            </a:xfrm>
+            <a:prstGeom prst="rect">
+              <a:avLst/>
+            </a:prstGeom>
+            <a:gradFill>
+              <a:gsLst>
+                <a:gs pos="0">
+                  <a:schemeClr val="accent4">
+                    <a:alpha val="73000"/>
+                  </a:schemeClr>
+                </a:gs>
+                <a:gs pos="20000">
+                  <a:schemeClr val="bg1">
+                    <a:alpha val="0"/>
+                  </a:schemeClr>
+                </a:gs>
+                <a:gs pos="80000">
+                  <a:schemeClr val="bg1">
+                    <a:alpha val="0"/>
+                  </a:schemeClr>
+                </a:gs>
+                <a:gs pos="100000">
+                  <a:schemeClr val="accent2">
+                    <a:alpha val="88000"/>
+                  </a:schemeClr>
+                </a:gs>
+              </a:gsLst>
+              <a:lin ang="5400000" scaled="1"/>
+            </a:gradFill>
+            <a:ln>
+              <a:noFill/>
+            </a:ln>
+          </p:spPr>
+          <p:style>
+            <a:lnRef idx="0">
+              <a:scrgbClr r="0" g="0" b="0"/>
+            </a:lnRef>
+            <a:fillRef idx="0">
+              <a:scrgbClr r="0" g="0" b="0"/>
+            </a:fillRef>
+            <a:effectRef idx="0">
+              <a:scrgbClr r="0" g="0" b="0"/>
+            </a:effectRef>
+            <a:fontRef idx="minor">
+              <a:schemeClr val="dk1"/>
+            </a:fontRef>
+          </p:style>
+          <p:txBody>
+            <a:bodyPr rtlCol="0" anchor="ctr"/>
+            <a:lstStyle/>
+            <a:p>
+              <a:pPr algn="ctr"/>
+              <a:endParaRPr lang="fr-FR" dirty="0"/>
+            </a:p>
+          </p:txBody>
+        </p:sp>
+      </p:grpSp>
     </p:spTree>
     <p:extLst>
       <p:ext uri="{BB962C8B-B14F-4D97-AF65-F5344CB8AC3E}">
@@ -5539,7 +9243,7 @@
           <p:nvPr/>
         </p:nvPicPr>
         <p:blipFill>
-          <a:blip r:embed="rId2"/>
+          <a:blip r:embed="rId3"/>
           <a:stretch>
             <a:fillRect/>
           </a:stretch>
@@ -5583,7 +9287,7 @@
           <p:nvPr/>
         </p:nvPicPr>
         <p:blipFill>
-          <a:blip r:embed="rId3"/>
+          <a:blip r:embed="rId4"/>
           <a:stretch>
             <a:fillRect/>
           </a:stretch>
@@ -5704,9 +9408,26 @@
           <a:lstStyle/>
           <a:p>
             <a:r>
-              <a:rPr lang="fr-FR"/>
-              <a:t>Allan Couderette - H3 Hitema</a:t>
-            </a:r>
+              <a:rPr lang="fr-FR" b="1" dirty="0">
+                <a:solidFill>
+                  <a:schemeClr val="tx1"/>
+                </a:solidFill>
+              </a:rPr>
+              <a:t>Allan Couderette - H3 </a:t>
+            </a:r>
+            <a:r>
+              <a:rPr lang="fr-FR" b="1" dirty="0" err="1">
+                <a:solidFill>
+                  <a:schemeClr val="tx1"/>
+                </a:solidFill>
+              </a:rPr>
+              <a:t>Hitema</a:t>
+            </a:r>
+            <a:endParaRPr lang="fr-FR" b="1" dirty="0">
+              <a:solidFill>
+                <a:schemeClr val="tx1"/>
+              </a:solidFill>
+            </a:endParaRPr>
           </a:p>
         </p:txBody>
       </p:sp>
@@ -5732,13 +9453,193 @@
           <a:lstStyle/>
           <a:p>
             <a:fld id="{1ED3C5C4-F6EE-4910-9FCD-8A37C84F56ED}" type="slidenum">
-              <a:rPr lang="fr-FR" smtClean="0"/>
+              <a:rPr lang="fr-FR" b="1" smtClean="0">
+                <a:solidFill>
+                  <a:schemeClr val="tx1"/>
+                </a:solidFill>
+              </a:rPr>
               <a:t>4</a:t>
             </a:fld>
-            <a:endParaRPr lang="fr-FR"/>
-          </a:p>
-        </p:txBody>
-      </p:sp>
+            <a:endParaRPr lang="fr-FR" b="1" dirty="0">
+              <a:solidFill>
+                <a:schemeClr val="tx1"/>
+              </a:solidFill>
+            </a:endParaRPr>
+          </a:p>
+        </p:txBody>
+      </p:sp>
+      <p:grpSp>
+        <p:nvGrpSpPr>
+          <p:cNvPr id="16" name="Groupe 15">
+            <a:extLst>
+              <a:ext uri="{FF2B5EF4-FFF2-40B4-BE49-F238E27FC236}">
+                <a16:creationId xmlns:a16="http://schemas.microsoft.com/office/drawing/2014/main" id="{F5142A7D-3A30-413A-A18D-ADE008EB233F}"/>
+              </a:ext>
+            </a:extLst>
+          </p:cNvPr>
+          <p:cNvGrpSpPr/>
+          <p:nvPr/>
+        </p:nvGrpSpPr>
+        <p:grpSpPr>
+          <a:xfrm>
+            <a:off x="-1309946" y="-1309094"/>
+            <a:ext cx="14411726" cy="10321398"/>
+            <a:chOff x="-1309946" y="-1309094"/>
+            <a:chExt cx="14411726" cy="10321398"/>
+          </a:xfrm>
+        </p:grpSpPr>
+        <p:sp>
+          <p:nvSpPr>
+            <p:cNvPr id="17" name="Rectangle 16">
+              <a:extLst>
+                <a:ext uri="{FF2B5EF4-FFF2-40B4-BE49-F238E27FC236}">
+                  <a16:creationId xmlns:a16="http://schemas.microsoft.com/office/drawing/2014/main" id="{D27B94F6-F034-4890-84F6-23C80FBF6CA7}"/>
+                </a:ext>
+              </a:extLst>
+            </p:cNvPr>
+            <p:cNvSpPr/>
+            <p:nvPr/>
+          </p:nvSpPr>
+          <p:spPr>
+            <a:xfrm rot="229883">
+              <a:off x="-712931" y="-928344"/>
+              <a:ext cx="13814711" cy="8582927"/>
+            </a:xfrm>
+            <a:prstGeom prst="rect">
+              <a:avLst/>
+            </a:prstGeom>
+            <a:gradFill>
+              <a:gsLst>
+                <a:gs pos="0">
+                  <a:schemeClr val="accent4">
+                    <a:alpha val="73000"/>
+                  </a:schemeClr>
+                </a:gs>
+                <a:gs pos="22000">
+                  <a:schemeClr val="bg1">
+                    <a:alpha val="0"/>
+                  </a:schemeClr>
+                </a:gs>
+                <a:gs pos="85000">
+                  <a:schemeClr val="bg1">
+                    <a:alpha val="0"/>
+                  </a:schemeClr>
+                </a:gs>
+                <a:gs pos="100000">
+                  <a:schemeClr val="accent2">
+                    <a:alpha val="88000"/>
+                  </a:schemeClr>
+                </a:gs>
+              </a:gsLst>
+              <a:lin ang="5400000" scaled="1"/>
+            </a:gradFill>
+            <a:ln>
+              <a:noFill/>
+            </a:ln>
+            <a:effectLst>
+              <a:outerShdw blurRad="50800" dist="50800" dir="5400000" algn="ctr" rotWithShape="0">
+                <a:schemeClr val="bg1"/>
+              </a:outerShdw>
+            </a:effectLst>
+          </p:spPr>
+          <p:style>
+            <a:lnRef idx="2">
+              <a:schemeClr val="accent2">
+                <a:shade val="50000"/>
+              </a:schemeClr>
+            </a:lnRef>
+            <a:fillRef idx="1">
+              <a:schemeClr val="accent2"/>
+            </a:fillRef>
+            <a:effectRef idx="0">
+              <a:schemeClr val="accent2"/>
+            </a:effectRef>
+            <a:fontRef idx="minor">
+              <a:schemeClr val="lt1"/>
+            </a:fontRef>
+          </p:style>
+          <p:txBody>
+            <a:bodyPr rtlCol="0" anchor="ctr"/>
+            <a:lstStyle/>
+            <a:p>
+              <a:pPr algn="ctr"/>
+              <a:endParaRPr lang="fr-FR"/>
+            </a:p>
+          </p:txBody>
+        </p:sp>
+        <p:sp>
+          <p:nvSpPr>
+            <p:cNvPr id="18" name="Rectangle 17">
+              <a:extLst>
+                <a:ext uri="{FF2B5EF4-FFF2-40B4-BE49-F238E27FC236}">
+                  <a16:creationId xmlns:a16="http://schemas.microsoft.com/office/drawing/2014/main" id="{A1DD72D0-E036-48D6-9D77-BEAD48B104E1}"/>
+                </a:ext>
+              </a:extLst>
+            </p:cNvPr>
+            <p:cNvSpPr/>
+            <p:nvPr/>
+          </p:nvSpPr>
+          <p:spPr>
+            <a:xfrm rot="20885484">
+              <a:off x="-1309946" y="-1309094"/>
+              <a:ext cx="14315183" cy="10321398"/>
+            </a:xfrm>
+            <a:prstGeom prst="rect">
+              <a:avLst/>
+            </a:prstGeom>
+            <a:gradFill>
+              <a:gsLst>
+                <a:gs pos="0">
+                  <a:schemeClr val="accent4">
+                    <a:alpha val="73000"/>
+                  </a:schemeClr>
+                </a:gs>
+                <a:gs pos="20000">
+                  <a:schemeClr val="bg1">
+                    <a:alpha val="0"/>
+                  </a:schemeClr>
+                </a:gs>
+                <a:gs pos="80000">
+                  <a:schemeClr val="bg1">
+                    <a:alpha val="0"/>
+                  </a:schemeClr>
+                </a:gs>
+                <a:gs pos="100000">
+                  <a:schemeClr val="accent2">
+                    <a:alpha val="88000"/>
+                  </a:schemeClr>
+                </a:gs>
+              </a:gsLst>
+              <a:lin ang="5400000" scaled="1"/>
+            </a:gradFill>
+            <a:ln>
+              <a:noFill/>
+            </a:ln>
+          </p:spPr>
+          <p:style>
+            <a:lnRef idx="0">
+              <a:scrgbClr r="0" g="0" b="0"/>
+            </a:lnRef>
+            <a:fillRef idx="0">
+              <a:scrgbClr r="0" g="0" b="0"/>
+            </a:fillRef>
+            <a:effectRef idx="0">
+              <a:scrgbClr r="0" g="0" b="0"/>
+            </a:effectRef>
+            <a:fontRef idx="minor">
+              <a:schemeClr val="dk1"/>
+            </a:fontRef>
+          </p:style>
+          <p:txBody>
+            <a:bodyPr rtlCol="0" anchor="ctr"/>
+            <a:lstStyle/>
+            <a:p>
+              <a:pPr algn="ctr"/>
+              <a:endParaRPr lang="fr-FR" dirty="0"/>
+            </a:p>
+          </p:txBody>
+        </p:sp>
+      </p:grpSp>
     </p:spTree>
     <p:extLst>
       <p:ext uri="{BB962C8B-B14F-4D97-AF65-F5344CB8AC3E}">
@@ -5840,7 +9741,7 @@
           <p:nvPr/>
         </p:nvPicPr>
         <p:blipFill>
-          <a:blip r:embed="rId2"/>
+          <a:blip r:embed="rId3"/>
           <a:stretch>
             <a:fillRect/>
           </a:stretch>
@@ -5877,9 +9778,26 @@
           <a:lstStyle/>
           <a:p>
             <a:r>
-              <a:rPr lang="fr-FR"/>
-              <a:t>Allan Couderette - H3 Hitema</a:t>
-            </a:r>
+              <a:rPr lang="fr-FR" b="1" dirty="0">
+                <a:solidFill>
+                  <a:schemeClr val="tx1"/>
+                </a:solidFill>
+              </a:rPr>
+              <a:t>Allan Couderette - H3 </a:t>
+            </a:r>
+            <a:r>
+              <a:rPr lang="fr-FR" b="1" dirty="0" err="1">
+                <a:solidFill>
+                  <a:schemeClr val="tx1"/>
+                </a:solidFill>
+              </a:rPr>
+              <a:t>Hitema</a:t>
+            </a:r>
+            <a:endParaRPr lang="fr-FR" b="1" dirty="0">
+              <a:solidFill>
+                <a:schemeClr val="tx1"/>
+              </a:solidFill>
+            </a:endParaRPr>
           </a:p>
         </p:txBody>
       </p:sp>
@@ -5905,13 +9823,193 @@
           <a:lstStyle/>
           <a:p>
             <a:fld id="{1ED3C5C4-F6EE-4910-9FCD-8A37C84F56ED}" type="slidenum">
-              <a:rPr lang="fr-FR" smtClean="0"/>
+              <a:rPr lang="fr-FR" b="1" smtClean="0">
+                <a:solidFill>
+                  <a:schemeClr val="tx1"/>
+                </a:solidFill>
+              </a:rPr>
               <a:t>5</a:t>
             </a:fld>
-            <a:endParaRPr lang="fr-FR"/>
-          </a:p>
-        </p:txBody>
-      </p:sp>
+            <a:endParaRPr lang="fr-FR" b="1" dirty="0">
+              <a:solidFill>
+                <a:schemeClr val="tx1"/>
+              </a:solidFill>
+            </a:endParaRPr>
+          </a:p>
+        </p:txBody>
+      </p:sp>
+      <p:grpSp>
+        <p:nvGrpSpPr>
+          <p:cNvPr id="12" name="Groupe 11">
+            <a:extLst>
+              <a:ext uri="{FF2B5EF4-FFF2-40B4-BE49-F238E27FC236}">
+                <a16:creationId xmlns:a16="http://schemas.microsoft.com/office/drawing/2014/main" id="{93BD5697-4F3D-402C-A079-CE773D85D168}"/>
+              </a:ext>
+            </a:extLst>
+          </p:cNvPr>
+          <p:cNvGrpSpPr/>
+          <p:nvPr/>
+        </p:nvGrpSpPr>
+        <p:grpSpPr>
+          <a:xfrm>
+            <a:off x="-1309946" y="-1309094"/>
+            <a:ext cx="14411726" cy="10321398"/>
+            <a:chOff x="-1309946" y="-1309094"/>
+            <a:chExt cx="14411726" cy="10321398"/>
+          </a:xfrm>
+        </p:grpSpPr>
+        <p:sp>
+          <p:nvSpPr>
+            <p:cNvPr id="13" name="Rectangle 12">
+              <a:extLst>
+                <a:ext uri="{FF2B5EF4-FFF2-40B4-BE49-F238E27FC236}">
+                  <a16:creationId xmlns:a16="http://schemas.microsoft.com/office/drawing/2014/main" id="{C86754B6-518A-4A27-9D45-9782A57A5831}"/>
+                </a:ext>
+              </a:extLst>
+            </p:cNvPr>
+            <p:cNvSpPr/>
+            <p:nvPr/>
+          </p:nvSpPr>
+          <p:spPr>
+            <a:xfrm rot="229883">
+              <a:off x="-712931" y="-928344"/>
+              <a:ext cx="13814711" cy="8582927"/>
+            </a:xfrm>
+            <a:prstGeom prst="rect">
+              <a:avLst/>
+            </a:prstGeom>
+            <a:gradFill>
+              <a:gsLst>
+                <a:gs pos="0">
+                  <a:schemeClr val="accent4">
+                    <a:alpha val="73000"/>
+                  </a:schemeClr>
+                </a:gs>
+                <a:gs pos="22000">
+                  <a:schemeClr val="bg1">
+                    <a:alpha val="0"/>
+                  </a:schemeClr>
+                </a:gs>
+                <a:gs pos="85000">
+                  <a:schemeClr val="bg1">
+                    <a:alpha val="0"/>
+                  </a:schemeClr>
+                </a:gs>
+                <a:gs pos="100000">
+                  <a:schemeClr val="accent2">
+                    <a:alpha val="88000"/>
+                  </a:schemeClr>
+                </a:gs>
+              </a:gsLst>
+              <a:lin ang="5400000" scaled="1"/>
+            </a:gradFill>
+            <a:ln>
+              <a:noFill/>
+            </a:ln>
+            <a:effectLst>
+              <a:outerShdw blurRad="50800" dist="50800" dir="5400000" algn="ctr" rotWithShape="0">
+                <a:schemeClr val="bg1"/>
+              </a:outerShdw>
+            </a:effectLst>
+          </p:spPr>
+          <p:style>
+            <a:lnRef idx="2">
+              <a:schemeClr val="accent2">
+                <a:shade val="50000"/>
+              </a:schemeClr>
+            </a:lnRef>
+            <a:fillRef idx="1">
+              <a:schemeClr val="accent2"/>
+            </a:fillRef>
+            <a:effectRef idx="0">
+              <a:schemeClr val="accent2"/>
+            </a:effectRef>
+            <a:fontRef idx="minor">
+              <a:schemeClr val="lt1"/>
+            </a:fontRef>
+          </p:style>
+          <p:txBody>
+            <a:bodyPr rtlCol="0" anchor="ctr"/>
+            <a:lstStyle/>
+            <a:p>
+              <a:pPr algn="ctr"/>
+              <a:endParaRPr lang="fr-FR"/>
+            </a:p>
+          </p:txBody>
+        </p:sp>
+        <p:sp>
+          <p:nvSpPr>
+            <p:cNvPr id="14" name="Rectangle 13">
+              <a:extLst>
+                <a:ext uri="{FF2B5EF4-FFF2-40B4-BE49-F238E27FC236}">
+                  <a16:creationId xmlns:a16="http://schemas.microsoft.com/office/drawing/2014/main" id="{50E01C7F-5360-4991-9730-A31DB0C0EB72}"/>
+                </a:ext>
+              </a:extLst>
+            </p:cNvPr>
+            <p:cNvSpPr/>
+            <p:nvPr/>
+          </p:nvSpPr>
+          <p:spPr>
+            <a:xfrm rot="20885484">
+              <a:off x="-1309946" y="-1309094"/>
+              <a:ext cx="14315183" cy="10321398"/>
+            </a:xfrm>
+            <a:prstGeom prst="rect">
+              <a:avLst/>
+            </a:prstGeom>
+            <a:gradFill>
+              <a:gsLst>
+                <a:gs pos="0">
+                  <a:schemeClr val="accent4">
+                    <a:alpha val="73000"/>
+                  </a:schemeClr>
+                </a:gs>
+                <a:gs pos="20000">
+                  <a:schemeClr val="bg1">
+                    <a:alpha val="0"/>
+                  </a:schemeClr>
+                </a:gs>
+                <a:gs pos="80000">
+                  <a:schemeClr val="bg1">
+                    <a:alpha val="0"/>
+                  </a:schemeClr>
+                </a:gs>
+                <a:gs pos="100000">
+                  <a:schemeClr val="accent2">
+                    <a:alpha val="88000"/>
+                  </a:schemeClr>
+                </a:gs>
+              </a:gsLst>
+              <a:lin ang="5400000" scaled="1"/>
+            </a:gradFill>
+            <a:ln>
+              <a:noFill/>
+            </a:ln>
+          </p:spPr>
+          <p:style>
+            <a:lnRef idx="0">
+              <a:scrgbClr r="0" g="0" b="0"/>
+            </a:lnRef>
+            <a:fillRef idx="0">
+              <a:scrgbClr r="0" g="0" b="0"/>
+            </a:fillRef>
+            <a:effectRef idx="0">
+              <a:scrgbClr r="0" g="0" b="0"/>
+            </a:effectRef>
+            <a:fontRef idx="minor">
+              <a:schemeClr val="dk1"/>
+            </a:fontRef>
+          </p:style>
+          <p:txBody>
+            <a:bodyPr rtlCol="0" anchor="ctr"/>
+            <a:lstStyle/>
+            <a:p>
+              <a:pPr algn="ctr"/>
+              <a:endParaRPr lang="fr-FR" dirty="0"/>
+            </a:p>
+          </p:txBody>
+        </p:sp>
+      </p:grpSp>
     </p:spTree>
     <p:extLst>
       <p:ext uri="{BB962C8B-B14F-4D97-AF65-F5344CB8AC3E}">
@@ -6016,7 +10114,7 @@
           <p:nvPr/>
         </p:nvPicPr>
         <p:blipFill>
-          <a:blip r:embed="rId2"/>
+          <a:blip r:embed="rId3"/>
           <a:stretch>
             <a:fillRect/>
           </a:stretch>
@@ -6053,9 +10151,26 @@
           <a:lstStyle/>
           <a:p>
             <a:r>
-              <a:rPr lang="fr-FR"/>
-              <a:t>Allan Couderette - H3 Hitema</a:t>
-            </a:r>
+              <a:rPr lang="fr-FR" b="1" dirty="0">
+                <a:solidFill>
+                  <a:schemeClr val="tx1"/>
+                </a:solidFill>
+              </a:rPr>
+              <a:t>Allan Couderette - H3 </a:t>
+            </a:r>
+            <a:r>
+              <a:rPr lang="fr-FR" b="1" dirty="0" err="1">
+                <a:solidFill>
+                  <a:schemeClr val="tx1"/>
+                </a:solidFill>
+              </a:rPr>
+              <a:t>Hitema</a:t>
+            </a:r>
+            <a:endParaRPr lang="fr-FR" b="1" dirty="0">
+              <a:solidFill>
+                <a:schemeClr val="tx1"/>
+              </a:solidFill>
+            </a:endParaRPr>
           </a:p>
         </p:txBody>
       </p:sp>
@@ -6081,10 +10196,298 @@
           <a:lstStyle/>
           <a:p>
             <a:fld id="{1ED3C5C4-F6EE-4910-9FCD-8A37C84F56ED}" type="slidenum">
-              <a:rPr lang="fr-FR" smtClean="0"/>
+              <a:rPr lang="fr-FR" b="1" smtClean="0">
+                <a:solidFill>
+                  <a:schemeClr val="tx1"/>
+                </a:solidFill>
+              </a:rPr>
               <a:t>6</a:t>
             </a:fld>
-            <a:endParaRPr lang="fr-FR"/>
+            <a:endParaRPr lang="fr-FR" b="1" dirty="0">
+              <a:solidFill>
+                <a:schemeClr val="tx1"/>
+              </a:solidFill>
+            </a:endParaRPr>
+          </a:p>
+        </p:txBody>
+      </p:sp>
+      <p:grpSp>
+        <p:nvGrpSpPr>
+          <p:cNvPr id="12" name="Groupe 11">
+            <a:extLst>
+              <a:ext uri="{FF2B5EF4-FFF2-40B4-BE49-F238E27FC236}">
+                <a16:creationId xmlns:a16="http://schemas.microsoft.com/office/drawing/2014/main" id="{3200A19A-3245-4897-A99D-2B6EFBF435EA}"/>
+              </a:ext>
+            </a:extLst>
+          </p:cNvPr>
+          <p:cNvGrpSpPr/>
+          <p:nvPr/>
+        </p:nvGrpSpPr>
+        <p:grpSpPr>
+          <a:xfrm>
+            <a:off x="-1309946" y="-1309094"/>
+            <a:ext cx="14411726" cy="10321398"/>
+            <a:chOff x="-1309946" y="-1309094"/>
+            <a:chExt cx="14411726" cy="10321398"/>
+          </a:xfrm>
+        </p:grpSpPr>
+        <p:sp>
+          <p:nvSpPr>
+            <p:cNvPr id="13" name="Rectangle 12">
+              <a:extLst>
+                <a:ext uri="{FF2B5EF4-FFF2-40B4-BE49-F238E27FC236}">
+                  <a16:creationId xmlns:a16="http://schemas.microsoft.com/office/drawing/2014/main" id="{73591F89-79D0-4857-8194-E73037D2F936}"/>
+                </a:ext>
+              </a:extLst>
+            </p:cNvPr>
+            <p:cNvSpPr/>
+            <p:nvPr/>
+          </p:nvSpPr>
+          <p:spPr>
+            <a:xfrm rot="229883">
+              <a:off x="-712931" y="-928344"/>
+              <a:ext cx="13814711" cy="8582927"/>
+            </a:xfrm>
+            <a:prstGeom prst="rect">
+              <a:avLst/>
+            </a:prstGeom>
+            <a:gradFill>
+              <a:gsLst>
+                <a:gs pos="0">
+                  <a:schemeClr val="accent4">
+                    <a:alpha val="73000"/>
+                  </a:schemeClr>
+                </a:gs>
+                <a:gs pos="22000">
+                  <a:schemeClr val="bg1">
+                    <a:alpha val="0"/>
+                  </a:schemeClr>
+                </a:gs>
+                <a:gs pos="85000">
+                  <a:schemeClr val="bg1">
+                    <a:alpha val="0"/>
+                  </a:schemeClr>
+                </a:gs>
+                <a:gs pos="100000">
+                  <a:schemeClr val="accent2">
+                    <a:alpha val="88000"/>
+                  </a:schemeClr>
+                </a:gs>
+              </a:gsLst>
+              <a:lin ang="5400000" scaled="1"/>
+            </a:gradFill>
+            <a:ln>
+              <a:noFill/>
+            </a:ln>
+            <a:effectLst>
+              <a:outerShdw blurRad="50800" dist="50800" dir="5400000" algn="ctr" rotWithShape="0">
+                <a:schemeClr val="bg1"/>
+              </a:outerShdw>
+            </a:effectLst>
+          </p:spPr>
+          <p:style>
+            <a:lnRef idx="2">
+              <a:schemeClr val="accent2">
+                <a:shade val="50000"/>
+              </a:schemeClr>
+            </a:lnRef>
+            <a:fillRef idx="1">
+              <a:schemeClr val="accent2"/>
+            </a:fillRef>
+            <a:effectRef idx="0">
+              <a:schemeClr val="accent2"/>
+            </a:effectRef>
+            <a:fontRef idx="minor">
+              <a:schemeClr val="lt1"/>
+            </a:fontRef>
+          </p:style>
+          <p:txBody>
+            <a:bodyPr rtlCol="0" anchor="ctr"/>
+            <a:lstStyle/>
+            <a:p>
+              <a:pPr algn="ctr"/>
+              <a:endParaRPr lang="fr-FR"/>
+            </a:p>
+          </p:txBody>
+        </p:sp>
+        <p:sp>
+          <p:nvSpPr>
+            <p:cNvPr id="14" name="Rectangle 13">
+              <a:extLst>
+                <a:ext uri="{FF2B5EF4-FFF2-40B4-BE49-F238E27FC236}">
+                  <a16:creationId xmlns:a16="http://schemas.microsoft.com/office/drawing/2014/main" id="{6F724F45-6CCB-4F07-A52A-66224A56BBC3}"/>
+                </a:ext>
+              </a:extLst>
+            </p:cNvPr>
+            <p:cNvSpPr/>
+            <p:nvPr/>
+          </p:nvSpPr>
+          <p:spPr>
+            <a:xfrm rot="20885484">
+              <a:off x="-1309946" y="-1309094"/>
+              <a:ext cx="14315183" cy="10321398"/>
+            </a:xfrm>
+            <a:prstGeom prst="rect">
+              <a:avLst/>
+            </a:prstGeom>
+            <a:gradFill>
+              <a:gsLst>
+                <a:gs pos="0">
+                  <a:schemeClr val="accent4">
+                    <a:alpha val="73000"/>
+                  </a:schemeClr>
+                </a:gs>
+                <a:gs pos="20000">
+                  <a:schemeClr val="bg1">
+                    <a:alpha val="0"/>
+                  </a:schemeClr>
+                </a:gs>
+                <a:gs pos="80000">
+                  <a:schemeClr val="bg1">
+                    <a:alpha val="0"/>
+                  </a:schemeClr>
+                </a:gs>
+                <a:gs pos="100000">
+                  <a:schemeClr val="accent2">
+                    <a:alpha val="88000"/>
+                  </a:schemeClr>
+                </a:gs>
+              </a:gsLst>
+              <a:lin ang="5400000" scaled="1"/>
+            </a:gradFill>
+            <a:ln>
+              <a:noFill/>
+            </a:ln>
+          </p:spPr>
+          <p:style>
+            <a:lnRef idx="0">
+              <a:scrgbClr r="0" g="0" b="0"/>
+            </a:lnRef>
+            <a:fillRef idx="0">
+              <a:scrgbClr r="0" g="0" b="0"/>
+            </a:fillRef>
+            <a:effectRef idx="0">
+              <a:scrgbClr r="0" g="0" b="0"/>
+            </a:effectRef>
+            <a:fontRef idx="minor">
+              <a:schemeClr val="dk1"/>
+            </a:fontRef>
+          </p:style>
+          <p:txBody>
+            <a:bodyPr rtlCol="0" anchor="ctr"/>
+            <a:lstStyle/>
+            <a:p>
+              <a:pPr algn="ctr"/>
+              <a:endParaRPr lang="fr-FR" dirty="0"/>
+            </a:p>
+          </p:txBody>
+        </p:sp>
+      </p:grpSp>
+      <p:sp>
+        <p:nvSpPr>
+          <p:cNvPr id="15" name="Ellipse 14">
+            <a:extLst>
+              <a:ext uri="{FF2B5EF4-FFF2-40B4-BE49-F238E27FC236}">
+                <a16:creationId xmlns:a16="http://schemas.microsoft.com/office/drawing/2014/main" id="{710F3C74-8409-416D-9E40-4CB4B8B612F9}"/>
+              </a:ext>
+            </a:extLst>
+          </p:cNvPr>
+          <p:cNvSpPr/>
+          <p:nvPr/>
+        </p:nvSpPr>
+        <p:spPr>
+          <a:xfrm>
+            <a:off x="5803900" y="2466698"/>
+            <a:ext cx="2349500" cy="2880002"/>
+          </a:xfrm>
+          <a:prstGeom prst="ellipse">
+            <a:avLst/>
+          </a:prstGeom>
+          <a:noFill/>
+          <a:ln w="57150" cap="flat" cmpd="sng" algn="ctr">
+            <a:solidFill>
+              <a:srgbClr val="FF0000"/>
+            </a:solidFill>
+            <a:prstDash val="solid"/>
+            <a:round/>
+            <a:headEnd type="none" w="med" len="med"/>
+            <a:tailEnd type="none" w="med" len="med"/>
+          </a:ln>
+        </p:spPr>
+        <p:style>
+          <a:lnRef idx="0">
+            <a:scrgbClr r="0" g="0" b="0"/>
+          </a:lnRef>
+          <a:fillRef idx="0">
+            <a:scrgbClr r="0" g="0" b="0"/>
+          </a:fillRef>
+          <a:effectRef idx="0">
+            <a:scrgbClr r="0" g="0" b="0"/>
+          </a:effectRef>
+          <a:fontRef idx="minor">
+            <a:schemeClr val="accent2"/>
+          </a:fontRef>
+        </p:style>
+        <p:txBody>
+          <a:bodyPr rtlCol="0" anchor="ctr"/>
+          <a:lstStyle/>
+          <a:p>
+            <a:pPr algn="ctr"/>
+            <a:endParaRPr lang="fr-FR" dirty="0"/>
+          </a:p>
+        </p:txBody>
+      </p:sp>
+      <p:sp>
+        <p:nvSpPr>
+          <p:cNvPr id="17" name="Ellipse 16">
+            <a:extLst>
+              <a:ext uri="{FF2B5EF4-FFF2-40B4-BE49-F238E27FC236}">
+                <a16:creationId xmlns:a16="http://schemas.microsoft.com/office/drawing/2014/main" id="{08F7F1F6-1025-4785-BA4F-EFE4614502B7}"/>
+              </a:ext>
+            </a:extLst>
+          </p:cNvPr>
+          <p:cNvSpPr/>
+          <p:nvPr/>
+        </p:nvSpPr>
+        <p:spPr>
+          <a:xfrm>
+            <a:off x="7435850" y="2521029"/>
+            <a:ext cx="2349500" cy="2880002"/>
+          </a:xfrm>
+          <a:prstGeom prst="ellipse">
+            <a:avLst/>
+          </a:prstGeom>
+          <a:noFill/>
+          <a:ln w="57150" cap="flat" cmpd="sng" algn="ctr">
+            <a:solidFill>
+              <a:srgbClr val="FF0000"/>
+            </a:solidFill>
+            <a:prstDash val="solid"/>
+            <a:round/>
+            <a:headEnd type="none" w="med" len="med"/>
+            <a:tailEnd type="none" w="med" len="med"/>
+          </a:ln>
+        </p:spPr>
+        <p:style>
+          <a:lnRef idx="0">
+            <a:scrgbClr r="0" g="0" b="0"/>
+          </a:lnRef>
+          <a:fillRef idx="0">
+            <a:scrgbClr r="0" g="0" b="0"/>
+          </a:fillRef>
+          <a:effectRef idx="0">
+            <a:scrgbClr r="0" g="0" b="0"/>
+          </a:effectRef>
+          <a:fontRef idx="minor">
+            <a:schemeClr val="accent2"/>
+          </a:fontRef>
+        </p:style>
+        <p:txBody>
+          <a:bodyPr rtlCol="0" anchor="ctr"/>
+          <a:lstStyle/>
+          <a:p>
+            <a:pPr algn="ctr"/>
+            <a:endParaRPr lang="fr-FR" dirty="0"/>
           </a:p>
         </p:txBody>
       </p:sp>
@@ -6169,7 +10572,7 @@
           <a:p>
             <a:r>
               <a:rPr lang="fr-FR" dirty="0"/>
-              <a:t>Y-a-t-il corrélation entre le delta du courant et la température?</a:t>
+              <a:t>La luminosité peux faire varier le DC</a:t>
             </a:r>
           </a:p>
           <a:p>
@@ -6179,10 +10582,10 @@
       </p:sp>
       <p:pic>
         <p:nvPicPr>
-          <p:cNvPr id="4" name="Image 3">
-            <a:extLst>
-              <a:ext uri="{FF2B5EF4-FFF2-40B4-BE49-F238E27FC236}">
-                <a16:creationId xmlns:a16="http://schemas.microsoft.com/office/drawing/2014/main" id="{62F489A9-08FF-4C16-89FA-A8CF63095CD4}"/>
+          <p:cNvPr id="5" name="Image 4">
+            <a:extLst>
+              <a:ext uri="{FF2B5EF4-FFF2-40B4-BE49-F238E27FC236}">
+                <a16:creationId xmlns:a16="http://schemas.microsoft.com/office/drawing/2014/main" id="{9F105CCE-0152-4D58-B38F-88476AA5CDC5}"/>
               </a:ext>
             </a:extLst>
           </p:cNvPr>
@@ -6192,15 +10595,15 @@
           <p:nvPr/>
         </p:nvPicPr>
         <p:blipFill>
-          <a:blip r:embed="rId2"/>
+          <a:blip r:embed="rId3"/>
           <a:stretch>
             <a:fillRect/>
           </a:stretch>
         </p:blipFill>
         <p:spPr>
           <a:xfrm>
-            <a:off x="966787" y="2595331"/>
-            <a:ext cx="10258425" cy="3371850"/>
+            <a:off x="1004887" y="2655069"/>
+            <a:ext cx="10182225" cy="3314700"/>
           </a:xfrm>
           <a:prstGeom prst="rect">
             <a:avLst/>
@@ -6209,10 +10612,10 @@
       </p:pic>
       <p:sp>
         <p:nvSpPr>
-          <p:cNvPr id="5" name="Espace réservé du pied de page 4">
-            <a:extLst>
-              <a:ext uri="{FF2B5EF4-FFF2-40B4-BE49-F238E27FC236}">
-                <a16:creationId xmlns:a16="http://schemas.microsoft.com/office/drawing/2014/main" id="{0FDA768A-654E-422F-ADFD-6177AD35921D}"/>
+          <p:cNvPr id="6" name="Espace réservé du pied de page 5">
+            <a:extLst>
+              <a:ext uri="{FF2B5EF4-FFF2-40B4-BE49-F238E27FC236}">
+                <a16:creationId xmlns:a16="http://schemas.microsoft.com/office/drawing/2014/main" id="{CCD33A8D-B887-4AFC-85A4-9544BE4A603B}"/>
               </a:ext>
             </a:extLst>
           </p:cNvPr>
@@ -6229,18 +10632,35 @@
           <a:lstStyle/>
           <a:p>
             <a:r>
-              <a:rPr lang="fr-FR"/>
-              <a:t>Allan Couderette - H3 Hitema</a:t>
-            </a:r>
-          </a:p>
-        </p:txBody>
-      </p:sp>
-      <p:sp>
-        <p:nvSpPr>
-          <p:cNvPr id="6" name="Espace réservé du numéro de diapositive 5">
-            <a:extLst>
-              <a:ext uri="{FF2B5EF4-FFF2-40B4-BE49-F238E27FC236}">
-                <a16:creationId xmlns:a16="http://schemas.microsoft.com/office/drawing/2014/main" id="{DD5D2B6F-6CD5-4191-A986-A517319BE7B3}"/>
+              <a:rPr lang="fr-FR" b="1" dirty="0">
+                <a:solidFill>
+                  <a:schemeClr val="tx1"/>
+                </a:solidFill>
+              </a:rPr>
+              <a:t>Allan Couderette - H3 </a:t>
+            </a:r>
+            <a:r>
+              <a:rPr lang="fr-FR" b="1" dirty="0" err="1">
+                <a:solidFill>
+                  <a:schemeClr val="tx1"/>
+                </a:solidFill>
+              </a:rPr>
+              <a:t>Hitema</a:t>
+            </a:r>
+            <a:endParaRPr lang="fr-FR" b="1" dirty="0">
+              <a:solidFill>
+                <a:schemeClr val="tx1"/>
+              </a:solidFill>
+            </a:endParaRPr>
+          </a:p>
+        </p:txBody>
+      </p:sp>
+      <p:sp>
+        <p:nvSpPr>
+          <p:cNvPr id="7" name="Espace réservé du numéro de diapositive 6">
+            <a:extLst>
+              <a:ext uri="{FF2B5EF4-FFF2-40B4-BE49-F238E27FC236}">
+                <a16:creationId xmlns:a16="http://schemas.microsoft.com/office/drawing/2014/main" id="{136BC3E9-DDDD-4271-8CE8-E7D3B7D3D051}"/>
               </a:ext>
             </a:extLst>
           </p:cNvPr>
@@ -6257,17 +10677,197 @@
           <a:lstStyle/>
           <a:p>
             <a:fld id="{1ED3C5C4-F6EE-4910-9FCD-8A37C84F56ED}" type="slidenum">
-              <a:rPr lang="fr-FR" smtClean="0"/>
+              <a:rPr lang="fr-FR" b="1" smtClean="0">
+                <a:solidFill>
+                  <a:schemeClr val="tx1"/>
+                </a:solidFill>
+              </a:rPr>
               <a:t>7</a:t>
             </a:fld>
-            <a:endParaRPr lang="fr-FR"/>
-          </a:p>
-        </p:txBody>
-      </p:sp>
+            <a:endParaRPr lang="fr-FR" b="1" dirty="0">
+              <a:solidFill>
+                <a:schemeClr val="tx1"/>
+              </a:solidFill>
+            </a:endParaRPr>
+          </a:p>
+        </p:txBody>
+      </p:sp>
+      <p:grpSp>
+        <p:nvGrpSpPr>
+          <p:cNvPr id="12" name="Groupe 11">
+            <a:extLst>
+              <a:ext uri="{FF2B5EF4-FFF2-40B4-BE49-F238E27FC236}">
+                <a16:creationId xmlns:a16="http://schemas.microsoft.com/office/drawing/2014/main" id="{75D4148E-573B-4986-807B-AD15AC023A7E}"/>
+              </a:ext>
+            </a:extLst>
+          </p:cNvPr>
+          <p:cNvGrpSpPr/>
+          <p:nvPr/>
+        </p:nvGrpSpPr>
+        <p:grpSpPr>
+          <a:xfrm>
+            <a:off x="-1309946" y="-1309094"/>
+            <a:ext cx="14411726" cy="10321398"/>
+            <a:chOff x="-1309946" y="-1309094"/>
+            <a:chExt cx="14411726" cy="10321398"/>
+          </a:xfrm>
+        </p:grpSpPr>
+        <p:sp>
+          <p:nvSpPr>
+            <p:cNvPr id="13" name="Rectangle 12">
+              <a:extLst>
+                <a:ext uri="{FF2B5EF4-FFF2-40B4-BE49-F238E27FC236}">
+                  <a16:creationId xmlns:a16="http://schemas.microsoft.com/office/drawing/2014/main" id="{821C6964-D8AB-4582-BF8F-07256E86855D}"/>
+                </a:ext>
+              </a:extLst>
+            </p:cNvPr>
+            <p:cNvSpPr/>
+            <p:nvPr/>
+          </p:nvSpPr>
+          <p:spPr>
+            <a:xfrm rot="229883">
+              <a:off x="-712931" y="-928344"/>
+              <a:ext cx="13814711" cy="8582927"/>
+            </a:xfrm>
+            <a:prstGeom prst="rect">
+              <a:avLst/>
+            </a:prstGeom>
+            <a:gradFill>
+              <a:gsLst>
+                <a:gs pos="0">
+                  <a:schemeClr val="accent4">
+                    <a:alpha val="73000"/>
+                  </a:schemeClr>
+                </a:gs>
+                <a:gs pos="22000">
+                  <a:schemeClr val="bg1">
+                    <a:alpha val="0"/>
+                  </a:schemeClr>
+                </a:gs>
+                <a:gs pos="85000">
+                  <a:schemeClr val="bg1">
+                    <a:alpha val="0"/>
+                  </a:schemeClr>
+                </a:gs>
+                <a:gs pos="100000">
+                  <a:schemeClr val="accent2">
+                    <a:alpha val="88000"/>
+                  </a:schemeClr>
+                </a:gs>
+              </a:gsLst>
+              <a:lin ang="5400000" scaled="1"/>
+            </a:gradFill>
+            <a:ln>
+              <a:noFill/>
+            </a:ln>
+            <a:effectLst>
+              <a:outerShdw blurRad="50800" dist="50800" dir="5400000" algn="ctr" rotWithShape="0">
+                <a:schemeClr val="bg1"/>
+              </a:outerShdw>
+            </a:effectLst>
+          </p:spPr>
+          <p:style>
+            <a:lnRef idx="2">
+              <a:schemeClr val="accent2">
+                <a:shade val="50000"/>
+              </a:schemeClr>
+            </a:lnRef>
+            <a:fillRef idx="1">
+              <a:schemeClr val="accent2"/>
+            </a:fillRef>
+            <a:effectRef idx="0">
+              <a:schemeClr val="accent2"/>
+            </a:effectRef>
+            <a:fontRef idx="minor">
+              <a:schemeClr val="lt1"/>
+            </a:fontRef>
+          </p:style>
+          <p:txBody>
+            <a:bodyPr rtlCol="0" anchor="ctr"/>
+            <a:lstStyle/>
+            <a:p>
+              <a:pPr algn="ctr"/>
+              <a:endParaRPr lang="fr-FR"/>
+            </a:p>
+          </p:txBody>
+        </p:sp>
+        <p:sp>
+          <p:nvSpPr>
+            <p:cNvPr id="14" name="Rectangle 13">
+              <a:extLst>
+                <a:ext uri="{FF2B5EF4-FFF2-40B4-BE49-F238E27FC236}">
+                  <a16:creationId xmlns:a16="http://schemas.microsoft.com/office/drawing/2014/main" id="{1EAC0918-68B6-4AFD-BE64-E20B8B130C29}"/>
+                </a:ext>
+              </a:extLst>
+            </p:cNvPr>
+            <p:cNvSpPr/>
+            <p:nvPr/>
+          </p:nvSpPr>
+          <p:spPr>
+            <a:xfrm rot="20885484">
+              <a:off x="-1309946" y="-1309094"/>
+              <a:ext cx="14315183" cy="10321398"/>
+            </a:xfrm>
+            <a:prstGeom prst="rect">
+              <a:avLst/>
+            </a:prstGeom>
+            <a:gradFill>
+              <a:gsLst>
+                <a:gs pos="0">
+                  <a:schemeClr val="accent4">
+                    <a:alpha val="73000"/>
+                  </a:schemeClr>
+                </a:gs>
+                <a:gs pos="20000">
+                  <a:schemeClr val="bg1">
+                    <a:alpha val="0"/>
+                  </a:schemeClr>
+                </a:gs>
+                <a:gs pos="80000">
+                  <a:schemeClr val="bg1">
+                    <a:alpha val="0"/>
+                  </a:schemeClr>
+                </a:gs>
+                <a:gs pos="100000">
+                  <a:schemeClr val="accent2">
+                    <a:alpha val="88000"/>
+                  </a:schemeClr>
+                </a:gs>
+              </a:gsLst>
+              <a:lin ang="5400000" scaled="1"/>
+            </a:gradFill>
+            <a:ln>
+              <a:noFill/>
+            </a:ln>
+          </p:spPr>
+          <p:style>
+            <a:lnRef idx="0">
+              <a:scrgbClr r="0" g="0" b="0"/>
+            </a:lnRef>
+            <a:fillRef idx="0">
+              <a:scrgbClr r="0" g="0" b="0"/>
+            </a:fillRef>
+            <a:effectRef idx="0">
+              <a:scrgbClr r="0" g="0" b="0"/>
+            </a:effectRef>
+            <a:fontRef idx="minor">
+              <a:schemeClr val="dk1"/>
+            </a:fontRef>
+          </p:style>
+          <p:txBody>
+            <a:bodyPr rtlCol="0" anchor="ctr"/>
+            <a:lstStyle/>
+            <a:p>
+              <a:pPr algn="ctr"/>
+              <a:endParaRPr lang="fr-FR" dirty="0"/>
+            </a:p>
+          </p:txBody>
+        </p:sp>
+      </p:grpSp>
     </p:spTree>
     <p:extLst>
       <p:ext uri="{BB962C8B-B14F-4D97-AF65-F5344CB8AC3E}">
-        <p14:creationId xmlns:p14="http://schemas.microsoft.com/office/powerpoint/2010/main" val="1210200604"/>
+        <p14:creationId xmlns:p14="http://schemas.microsoft.com/office/powerpoint/2010/main" val="416623908"/>
       </p:ext>
     </p:extLst>
   </p:cSld>
@@ -6353,12 +10953,94 @@
           </a:p>
         </p:txBody>
       </p:sp>
+      <p:sp>
+        <p:nvSpPr>
+          <p:cNvPr id="6" name="Espace réservé du pied de page 5">
+            <a:extLst>
+              <a:ext uri="{FF2B5EF4-FFF2-40B4-BE49-F238E27FC236}">
+                <a16:creationId xmlns:a16="http://schemas.microsoft.com/office/drawing/2014/main" id="{CCD33A8D-B887-4AFC-85A4-9544BE4A603B}"/>
+              </a:ext>
+            </a:extLst>
+          </p:cNvPr>
+          <p:cNvSpPr>
+            <a:spLocks noGrp="1"/>
+          </p:cNvSpPr>
+          <p:nvPr>
+            <p:ph type="ftr" sz="quarter" idx="11"/>
+          </p:nvPr>
+        </p:nvSpPr>
+        <p:spPr/>
+        <p:txBody>
+          <a:bodyPr/>
+          <a:lstStyle/>
+          <a:p>
+            <a:r>
+              <a:rPr lang="fr-FR" b="1" dirty="0">
+                <a:solidFill>
+                  <a:schemeClr val="tx1"/>
+                </a:solidFill>
+              </a:rPr>
+              <a:t>Allan Couderette - H3 </a:t>
+            </a:r>
+            <a:r>
+              <a:rPr lang="fr-FR" b="1" dirty="0" err="1">
+                <a:solidFill>
+                  <a:schemeClr val="tx1"/>
+                </a:solidFill>
+              </a:rPr>
+              <a:t>Hitema</a:t>
+            </a:r>
+            <a:endParaRPr lang="fr-FR" b="1" dirty="0">
+              <a:solidFill>
+                <a:schemeClr val="tx1"/>
+              </a:solidFill>
+            </a:endParaRPr>
+          </a:p>
+        </p:txBody>
+      </p:sp>
+      <p:sp>
+        <p:nvSpPr>
+          <p:cNvPr id="7" name="Espace réservé du numéro de diapositive 6">
+            <a:extLst>
+              <a:ext uri="{FF2B5EF4-FFF2-40B4-BE49-F238E27FC236}">
+                <a16:creationId xmlns:a16="http://schemas.microsoft.com/office/drawing/2014/main" id="{136BC3E9-DDDD-4271-8CE8-E7D3B7D3D051}"/>
+              </a:ext>
+            </a:extLst>
+          </p:cNvPr>
+          <p:cNvSpPr>
+            <a:spLocks noGrp="1"/>
+          </p:cNvSpPr>
+          <p:nvPr>
+            <p:ph type="sldNum" sz="quarter" idx="12"/>
+          </p:nvPr>
+        </p:nvSpPr>
+        <p:spPr/>
+        <p:txBody>
+          <a:bodyPr/>
+          <a:lstStyle/>
+          <a:p>
+            <a:fld id="{1ED3C5C4-F6EE-4910-9FCD-8A37C84F56ED}" type="slidenum">
+              <a:rPr lang="fr-FR" b="1" smtClean="0">
+                <a:solidFill>
+                  <a:schemeClr val="tx1"/>
+                </a:solidFill>
+              </a:rPr>
+              <a:t>8</a:t>
+            </a:fld>
+            <a:endParaRPr lang="fr-FR" b="1" dirty="0">
+              <a:solidFill>
+                <a:schemeClr val="tx1"/>
+              </a:solidFill>
+            </a:endParaRPr>
+          </a:p>
+        </p:txBody>
+      </p:sp>
       <p:pic>
         <p:nvPicPr>
-          <p:cNvPr id="5" name="Image 4">
-            <a:extLst>
-              <a:ext uri="{FF2B5EF4-FFF2-40B4-BE49-F238E27FC236}">
-                <a16:creationId xmlns:a16="http://schemas.microsoft.com/office/drawing/2014/main" id="{9F105CCE-0152-4D58-B38F-88476AA5CDC5}"/>
+          <p:cNvPr id="4" name="Image 3">
+            <a:extLst>
+              <a:ext uri="{FF2B5EF4-FFF2-40B4-BE49-F238E27FC236}">
+                <a16:creationId xmlns:a16="http://schemas.microsoft.com/office/drawing/2014/main" id="{9A4494D9-EFE7-489D-92AD-4E1209FBBABA}"/>
               </a:ext>
             </a:extLst>
           </p:cNvPr>
@@ -6368,15 +11050,15 @@
           <p:nvPr/>
         </p:nvPicPr>
         <p:blipFill>
-          <a:blip r:embed="rId2"/>
+          <a:blip r:embed="rId3"/>
           <a:stretch>
             <a:fillRect/>
           </a:stretch>
         </p:blipFill>
         <p:spPr>
           <a:xfrm>
-            <a:off x="1004887" y="2655069"/>
-            <a:ext cx="10182225" cy="3314700"/>
+            <a:off x="1015862" y="2590800"/>
+            <a:ext cx="10160276" cy="3314700"/>
           </a:xfrm>
           <a:prstGeom prst="rect">
             <a:avLst/>
@@ -6385,65 +11067,159 @@
       </p:pic>
       <p:sp>
         <p:nvSpPr>
-          <p:cNvPr id="6" name="Espace réservé du pied de page 5">
-            <a:extLst>
-              <a:ext uri="{FF2B5EF4-FFF2-40B4-BE49-F238E27FC236}">
-                <a16:creationId xmlns:a16="http://schemas.microsoft.com/office/drawing/2014/main" id="{CCD33A8D-B887-4AFC-85A4-9544BE4A603B}"/>
-              </a:ext>
-            </a:extLst>
-          </p:cNvPr>
-          <p:cNvSpPr>
-            <a:spLocks noGrp="1"/>
-          </p:cNvSpPr>
-          <p:nvPr>
-            <p:ph type="ftr" sz="quarter" idx="11"/>
-          </p:nvPr>
-        </p:nvSpPr>
-        <p:spPr/>
-        <p:txBody>
-          <a:bodyPr/>
-          <a:lstStyle/>
-          <a:p>
-            <a:r>
-              <a:rPr lang="fr-FR"/>
-              <a:t>Allan Couderette - H3 Hitema</a:t>
-            </a:r>
-          </a:p>
-        </p:txBody>
-      </p:sp>
-      <p:sp>
-        <p:nvSpPr>
-          <p:cNvPr id="7" name="Espace réservé du numéro de diapositive 6">
-            <a:extLst>
-              <a:ext uri="{FF2B5EF4-FFF2-40B4-BE49-F238E27FC236}">
-                <a16:creationId xmlns:a16="http://schemas.microsoft.com/office/drawing/2014/main" id="{136BC3E9-DDDD-4271-8CE8-E7D3B7D3D051}"/>
-              </a:ext>
-            </a:extLst>
-          </p:cNvPr>
-          <p:cNvSpPr>
-            <a:spLocks noGrp="1"/>
-          </p:cNvSpPr>
-          <p:nvPr>
-            <p:ph type="sldNum" sz="quarter" idx="12"/>
-          </p:nvPr>
-        </p:nvSpPr>
-        <p:spPr/>
-        <p:txBody>
-          <a:bodyPr/>
-          <a:lstStyle/>
-          <a:p>
-            <a:fld id="{1ED3C5C4-F6EE-4910-9FCD-8A37C84F56ED}" type="slidenum">
-              <a:rPr lang="fr-FR" smtClean="0"/>
-              <a:t>8</a:t>
-            </a:fld>
+          <p:cNvPr id="8" name="Rectangle 7">
+            <a:extLst>
+              <a:ext uri="{FF2B5EF4-FFF2-40B4-BE49-F238E27FC236}">
+                <a16:creationId xmlns:a16="http://schemas.microsoft.com/office/drawing/2014/main" id="{410AB852-9621-4BC1-BCB8-97E912248EEE}"/>
+              </a:ext>
+            </a:extLst>
+          </p:cNvPr>
+          <p:cNvSpPr/>
+          <p:nvPr/>
+        </p:nvSpPr>
+        <p:spPr>
+          <a:xfrm rot="229883">
+            <a:off x="-712931" y="-928344"/>
+            <a:ext cx="13814711" cy="8582927"/>
+          </a:xfrm>
+          <a:prstGeom prst="rect">
+            <a:avLst/>
+          </a:prstGeom>
+          <a:gradFill>
+            <a:gsLst>
+              <a:gs pos="0">
+                <a:schemeClr val="accent4">
+                  <a:alpha val="73000"/>
+                </a:schemeClr>
+              </a:gs>
+              <a:gs pos="22000">
+                <a:schemeClr val="bg1">
+                  <a:alpha val="0"/>
+                </a:schemeClr>
+              </a:gs>
+              <a:gs pos="85000">
+                <a:schemeClr val="bg1">
+                  <a:alpha val="0"/>
+                </a:schemeClr>
+              </a:gs>
+              <a:gs pos="100000">
+                <a:schemeClr val="accent2">
+                  <a:alpha val="88000"/>
+                </a:schemeClr>
+              </a:gs>
+            </a:gsLst>
+            <a:lin ang="5400000" scaled="1"/>
+          </a:gradFill>
+          <a:ln>
+            <a:noFill/>
+          </a:ln>
+          <a:effectLst>
+            <a:outerShdw blurRad="50800" dist="50800" dir="5400000" algn="ctr" rotWithShape="0">
+              <a:schemeClr val="bg1"/>
+            </a:outerShdw>
+          </a:effectLst>
+        </p:spPr>
+        <p:style>
+          <a:lnRef idx="2">
+            <a:schemeClr val="accent2">
+              <a:shade val="50000"/>
+            </a:schemeClr>
+          </a:lnRef>
+          <a:fillRef idx="1">
+            <a:schemeClr val="accent2"/>
+          </a:fillRef>
+          <a:effectRef idx="0">
+            <a:schemeClr val="accent2"/>
+          </a:effectRef>
+          <a:fontRef idx="minor">
+            <a:schemeClr val="lt1"/>
+          </a:fontRef>
+        </p:style>
+        <p:txBody>
+          <a:bodyPr rtlCol="0" anchor="ctr"/>
+          <a:lstStyle/>
+          <a:p>
+            <a:pPr algn="ctr"/>
             <a:endParaRPr lang="fr-FR"/>
+          </a:p>
+        </p:txBody>
+      </p:sp>
+      <p:sp>
+        <p:nvSpPr>
+          <p:cNvPr id="9" name="Rectangle 8">
+            <a:extLst>
+              <a:ext uri="{FF2B5EF4-FFF2-40B4-BE49-F238E27FC236}">
+                <a16:creationId xmlns:a16="http://schemas.microsoft.com/office/drawing/2014/main" id="{61D6E075-DCD3-442E-B583-7BED8BAC0DBF}"/>
+              </a:ext>
+            </a:extLst>
+          </p:cNvPr>
+          <p:cNvSpPr/>
+          <p:nvPr/>
+        </p:nvSpPr>
+        <p:spPr>
+          <a:xfrm rot="20885484">
+            <a:off x="-1309946" y="-1309094"/>
+            <a:ext cx="14315183" cy="10321398"/>
+          </a:xfrm>
+          <a:prstGeom prst="rect">
+            <a:avLst/>
+          </a:prstGeom>
+          <a:gradFill>
+            <a:gsLst>
+              <a:gs pos="0">
+                <a:schemeClr val="accent4">
+                  <a:alpha val="73000"/>
+                </a:schemeClr>
+              </a:gs>
+              <a:gs pos="20000">
+                <a:schemeClr val="bg1">
+                  <a:alpha val="0"/>
+                </a:schemeClr>
+              </a:gs>
+              <a:gs pos="80000">
+                <a:schemeClr val="bg1">
+                  <a:alpha val="0"/>
+                </a:schemeClr>
+              </a:gs>
+              <a:gs pos="100000">
+                <a:schemeClr val="accent2">
+                  <a:alpha val="88000"/>
+                </a:schemeClr>
+              </a:gs>
+            </a:gsLst>
+            <a:lin ang="5400000" scaled="1"/>
+          </a:gradFill>
+          <a:ln>
+            <a:noFill/>
+          </a:ln>
+        </p:spPr>
+        <p:style>
+          <a:lnRef idx="0">
+            <a:scrgbClr r="0" g="0" b="0"/>
+          </a:lnRef>
+          <a:fillRef idx="0">
+            <a:scrgbClr r="0" g="0" b="0"/>
+          </a:fillRef>
+          <a:effectRef idx="0">
+            <a:scrgbClr r="0" g="0" b="0"/>
+          </a:effectRef>
+          <a:fontRef idx="minor">
+            <a:schemeClr val="dk1"/>
+          </a:fontRef>
+        </p:style>
+        <p:txBody>
+          <a:bodyPr rtlCol="0" anchor="ctr"/>
+          <a:lstStyle/>
+          <a:p>
+            <a:pPr algn="ctr"/>
+            <a:endParaRPr lang="fr-FR" dirty="0"/>
           </a:p>
         </p:txBody>
       </p:sp>
     </p:spTree>
     <p:extLst>
       <p:ext uri="{BB962C8B-B14F-4D97-AF65-F5344CB8AC3E}">
-        <p14:creationId xmlns:p14="http://schemas.microsoft.com/office/powerpoint/2010/main" val="416623908"/>
+        <p14:creationId xmlns:p14="http://schemas.microsoft.com/office/powerpoint/2010/main" val="501320975"/>
       </p:ext>
     </p:extLst>
   </p:cSld>
@@ -6540,7 +11316,7 @@
           <p:nvPr/>
         </p:nvPicPr>
         <p:blipFill>
-          <a:blip r:embed="rId2"/>
+          <a:blip r:embed="rId3"/>
           <a:stretch>
             <a:fillRect/>
           </a:stretch>
@@ -6577,9 +11353,26 @@
           <a:lstStyle/>
           <a:p>
             <a:r>
-              <a:rPr lang="fr-FR"/>
-              <a:t>Allan Couderette - H3 Hitema</a:t>
-            </a:r>
+              <a:rPr lang="fr-FR" b="1" dirty="0">
+                <a:solidFill>
+                  <a:schemeClr val="tx1"/>
+                </a:solidFill>
+              </a:rPr>
+              <a:t>Allan Couderette - H3 </a:t>
+            </a:r>
+            <a:r>
+              <a:rPr lang="fr-FR" b="1" dirty="0" err="1">
+                <a:solidFill>
+                  <a:schemeClr val="tx1"/>
+                </a:solidFill>
+              </a:rPr>
+              <a:t>Hitema</a:t>
+            </a:r>
+            <a:endParaRPr lang="fr-FR" b="1" dirty="0">
+              <a:solidFill>
+                <a:schemeClr val="tx1"/>
+              </a:solidFill>
+            </a:endParaRPr>
           </a:p>
         </p:txBody>
       </p:sp>
@@ -6605,13 +11398,193 @@
           <a:lstStyle/>
           <a:p>
             <a:fld id="{1ED3C5C4-F6EE-4910-9FCD-8A37C84F56ED}" type="slidenum">
-              <a:rPr lang="fr-FR" smtClean="0"/>
+              <a:rPr lang="fr-FR" b="1" smtClean="0">
+                <a:solidFill>
+                  <a:schemeClr val="tx1"/>
+                </a:solidFill>
+              </a:rPr>
               <a:t>9</a:t>
             </a:fld>
-            <a:endParaRPr lang="fr-FR"/>
-          </a:p>
-        </p:txBody>
-      </p:sp>
+            <a:endParaRPr lang="fr-FR" b="1" dirty="0">
+              <a:solidFill>
+                <a:schemeClr val="tx1"/>
+              </a:solidFill>
+            </a:endParaRPr>
+          </a:p>
+        </p:txBody>
+      </p:sp>
+      <p:grpSp>
+        <p:nvGrpSpPr>
+          <p:cNvPr id="12" name="Groupe 11">
+            <a:extLst>
+              <a:ext uri="{FF2B5EF4-FFF2-40B4-BE49-F238E27FC236}">
+                <a16:creationId xmlns:a16="http://schemas.microsoft.com/office/drawing/2014/main" id="{2C5C4955-18BE-44A5-8990-CC97E9A00517}"/>
+              </a:ext>
+            </a:extLst>
+          </p:cNvPr>
+          <p:cNvGrpSpPr/>
+          <p:nvPr/>
+        </p:nvGrpSpPr>
+        <p:grpSpPr>
+          <a:xfrm>
+            <a:off x="-1309946" y="-1309094"/>
+            <a:ext cx="14411726" cy="10321398"/>
+            <a:chOff x="-1309946" y="-1309094"/>
+            <a:chExt cx="14411726" cy="10321398"/>
+          </a:xfrm>
+        </p:grpSpPr>
+        <p:sp>
+          <p:nvSpPr>
+            <p:cNvPr id="13" name="Rectangle 12">
+              <a:extLst>
+                <a:ext uri="{FF2B5EF4-FFF2-40B4-BE49-F238E27FC236}">
+                  <a16:creationId xmlns:a16="http://schemas.microsoft.com/office/drawing/2014/main" id="{5D161396-C280-4E1A-98D8-1A80C2CADF7A}"/>
+                </a:ext>
+              </a:extLst>
+            </p:cNvPr>
+            <p:cNvSpPr/>
+            <p:nvPr/>
+          </p:nvSpPr>
+          <p:spPr>
+            <a:xfrm rot="229883">
+              <a:off x="-712931" y="-928344"/>
+              <a:ext cx="13814711" cy="8582927"/>
+            </a:xfrm>
+            <a:prstGeom prst="rect">
+              <a:avLst/>
+            </a:prstGeom>
+            <a:gradFill>
+              <a:gsLst>
+                <a:gs pos="0">
+                  <a:schemeClr val="accent4">
+                    <a:alpha val="73000"/>
+                  </a:schemeClr>
+                </a:gs>
+                <a:gs pos="22000">
+                  <a:schemeClr val="bg1">
+                    <a:alpha val="0"/>
+                  </a:schemeClr>
+                </a:gs>
+                <a:gs pos="85000">
+                  <a:schemeClr val="bg1">
+                    <a:alpha val="0"/>
+                  </a:schemeClr>
+                </a:gs>
+                <a:gs pos="100000">
+                  <a:schemeClr val="accent2">
+                    <a:alpha val="88000"/>
+                  </a:schemeClr>
+                </a:gs>
+              </a:gsLst>
+              <a:lin ang="5400000" scaled="1"/>
+            </a:gradFill>
+            <a:ln>
+              <a:noFill/>
+            </a:ln>
+            <a:effectLst>
+              <a:outerShdw blurRad="50800" dist="50800" dir="5400000" algn="ctr" rotWithShape="0">
+                <a:schemeClr val="bg1"/>
+              </a:outerShdw>
+            </a:effectLst>
+          </p:spPr>
+          <p:style>
+            <a:lnRef idx="2">
+              <a:schemeClr val="accent2">
+                <a:shade val="50000"/>
+              </a:schemeClr>
+            </a:lnRef>
+            <a:fillRef idx="1">
+              <a:schemeClr val="accent2"/>
+            </a:fillRef>
+            <a:effectRef idx="0">
+              <a:schemeClr val="accent2"/>
+            </a:effectRef>
+            <a:fontRef idx="minor">
+              <a:schemeClr val="lt1"/>
+            </a:fontRef>
+          </p:style>
+          <p:txBody>
+            <a:bodyPr rtlCol="0" anchor="ctr"/>
+            <a:lstStyle/>
+            <a:p>
+              <a:pPr algn="ctr"/>
+              <a:endParaRPr lang="fr-FR"/>
+            </a:p>
+          </p:txBody>
+        </p:sp>
+        <p:sp>
+          <p:nvSpPr>
+            <p:cNvPr id="14" name="Rectangle 13">
+              <a:extLst>
+                <a:ext uri="{FF2B5EF4-FFF2-40B4-BE49-F238E27FC236}">
+                  <a16:creationId xmlns:a16="http://schemas.microsoft.com/office/drawing/2014/main" id="{41AAECEE-4AAB-432D-AD34-834DB263D68E}"/>
+                </a:ext>
+              </a:extLst>
+            </p:cNvPr>
+            <p:cNvSpPr/>
+            <p:nvPr/>
+          </p:nvSpPr>
+          <p:spPr>
+            <a:xfrm rot="20885484">
+              <a:off x="-1309946" y="-1309094"/>
+              <a:ext cx="14315183" cy="10321398"/>
+            </a:xfrm>
+            <a:prstGeom prst="rect">
+              <a:avLst/>
+            </a:prstGeom>
+            <a:gradFill>
+              <a:gsLst>
+                <a:gs pos="0">
+                  <a:schemeClr val="accent4">
+                    <a:alpha val="73000"/>
+                  </a:schemeClr>
+                </a:gs>
+                <a:gs pos="20000">
+                  <a:schemeClr val="bg1">
+                    <a:alpha val="0"/>
+                  </a:schemeClr>
+                </a:gs>
+                <a:gs pos="80000">
+                  <a:schemeClr val="bg1">
+                    <a:alpha val="0"/>
+                  </a:schemeClr>
+                </a:gs>
+                <a:gs pos="100000">
+                  <a:schemeClr val="accent2">
+                    <a:alpha val="88000"/>
+                  </a:schemeClr>
+                </a:gs>
+              </a:gsLst>
+              <a:lin ang="5400000" scaled="1"/>
+            </a:gradFill>
+            <a:ln>
+              <a:noFill/>
+            </a:ln>
+          </p:spPr>
+          <p:style>
+            <a:lnRef idx="0">
+              <a:scrgbClr r="0" g="0" b="0"/>
+            </a:lnRef>
+            <a:fillRef idx="0">
+              <a:scrgbClr r="0" g="0" b="0"/>
+            </a:fillRef>
+            <a:effectRef idx="0">
+              <a:scrgbClr r="0" g="0" b="0"/>
+            </a:effectRef>
+            <a:fontRef idx="minor">
+              <a:schemeClr val="dk1"/>
+            </a:fontRef>
+          </p:style>
+          <p:txBody>
+            <a:bodyPr rtlCol="0" anchor="ctr"/>
+            <a:lstStyle/>
+            <a:p>
+              <a:pPr algn="ctr"/>
+              <a:endParaRPr lang="fr-FR" dirty="0"/>
+            </a:p>
+          </p:txBody>
+        </p:sp>
+      </p:grpSp>
     </p:spTree>
     <p:extLst>
       <p:ext uri="{BB962C8B-B14F-4D97-AF65-F5344CB8AC3E}">
